--- a/Team Presentation.pptx
+++ b/Team Presentation.pptx
@@ -109,6 +109,11 @@
       </a:defRPr>
     </a:lvl9pPr>
   </p:defaultTextStyle>
+  <p:extLst>
+    <p:ext uri="{EFAFB233-063F-42B5-8137-9DF3F51BA10A}">
+      <p15:sldGuideLst xmlns:p15="http://schemas.microsoft.com/office/powerpoint/2012/main"/>
+    </p:ext>
+  </p:extLst>
 </p:presentation>
 </file>
 
@@ -3975,30 +3980,164 @@
         </p:nvSpPr>
         <p:spPr/>
         <p:txBody>
-          <a:bodyPr/>
-          <a:lstStyle/>
-          <a:p>
-            <a:r>
-              <a:rPr lang="en-US" dirty="0"/>
+          <a:bodyPr>
+            <a:normAutofit/>
+          </a:bodyPr>
+          <a:lstStyle/>
+          <a:p>
+            <a:r>
+              <a:rPr lang="en-US" sz="2000" dirty="0"/>
               <a:t>Screenshots of clusters here </a:t>
             </a:r>
           </a:p>
           <a:p>
             <a:pPr lvl="1"/>
             <a:r>
-              <a:rPr lang="en-US" dirty="0"/>
-              <a:t>Elbow plot</a:t>
+              <a:rPr lang="en-US" sz="1800" dirty="0"/>
+              <a:t>2-3 plots of the clusters based on different variables</a:t>
             </a:r>
           </a:p>
           <a:p>
             <a:pPr lvl="1"/>
             <a:r>
-              <a:rPr lang="en-US" dirty="0"/>
-              <a:t>3-4 clusters based on different variables</a:t>
-            </a:r>
-          </a:p>
-        </p:txBody>
-      </p:sp>
+              <a:rPr lang="en-US" sz="1800" dirty="0"/>
+              <a:t>Table with the clusters and key summary stats for each (see example below)</a:t>
+            </a:r>
+          </a:p>
+          <a:p>
+            <a:pPr lvl="1"/>
+            <a:r>
+              <a:rPr lang="en-US" sz="1800" dirty="0"/>
+              <a:t>Top things that correlate with price, and what composes that thing (ex: quality is highly correlated, so what correlates with quality: this tells us something about what “quality” means to </a:t>
+            </a:r>
+            <a:r>
+              <a:rPr lang="en-US" sz="1800"/>
+              <a:t>the market”)</a:t>
+            </a:r>
+            <a:endParaRPr lang="en-US" sz="1800" dirty="0"/>
+          </a:p>
+        </p:txBody>
+      </p:sp>
+      <p:pic>
+        <p:nvPicPr>
+          <p:cNvPr id="6" name="Picture 5">
+            <a:extLst>
+              <a:ext uri="{FF2B5EF4-FFF2-40B4-BE49-F238E27FC236}">
+                <a16:creationId xmlns:a16="http://schemas.microsoft.com/office/drawing/2014/main" id="{E7BAA566-5BA3-70C2-D61D-43151692E68C}"/>
+              </a:ext>
+            </a:extLst>
+          </p:cNvPr>
+          <p:cNvPicPr>
+            <a:picLocks noChangeAspect="1"/>
+          </p:cNvPicPr>
+          <p:nvPr/>
+        </p:nvPicPr>
+        <p:blipFill>
+          <a:blip r:embed="rId2"/>
+          <a:stretch>
+            <a:fillRect/>
+          </a:stretch>
+        </p:blipFill>
+        <p:spPr>
+          <a:xfrm>
+            <a:off x="1597026" y="5270458"/>
+            <a:ext cx="7066412" cy="1352764"/>
+          </a:xfrm>
+          <a:prstGeom prst="rect">
+            <a:avLst/>
+          </a:prstGeom>
+        </p:spPr>
+      </p:pic>
+      <p:pic>
+        <p:nvPicPr>
+          <p:cNvPr id="7" name="Picture 6">
+            <a:extLst>
+              <a:ext uri="{FF2B5EF4-FFF2-40B4-BE49-F238E27FC236}">
+                <a16:creationId xmlns:a16="http://schemas.microsoft.com/office/drawing/2014/main" id="{5C990834-22A3-EFDC-DA18-7B91ABEC2A51}"/>
+              </a:ext>
+            </a:extLst>
+          </p:cNvPr>
+          <p:cNvPicPr>
+            <a:picLocks noChangeAspect="1"/>
+          </p:cNvPicPr>
+          <p:nvPr/>
+        </p:nvPicPr>
+        <p:blipFill>
+          <a:blip r:embed="rId3"/>
+          <a:stretch>
+            <a:fillRect/>
+          </a:stretch>
+        </p:blipFill>
+        <p:spPr>
+          <a:xfrm>
+            <a:off x="4578351" y="3429000"/>
+            <a:ext cx="2819400" cy="1731099"/>
+          </a:xfrm>
+          <a:prstGeom prst="rect">
+            <a:avLst/>
+          </a:prstGeom>
+        </p:spPr>
+      </p:pic>
+      <p:pic>
+        <p:nvPicPr>
+          <p:cNvPr id="8" name="Picture 7">
+            <a:extLst>
+              <a:ext uri="{FF2B5EF4-FFF2-40B4-BE49-F238E27FC236}">
+                <a16:creationId xmlns:a16="http://schemas.microsoft.com/office/drawing/2014/main" id="{F30232B5-82EE-2872-5017-4C401C644AF6}"/>
+              </a:ext>
+            </a:extLst>
+          </p:cNvPr>
+          <p:cNvPicPr>
+            <a:picLocks noChangeAspect="1"/>
+          </p:cNvPicPr>
+          <p:nvPr/>
+        </p:nvPicPr>
+        <p:blipFill>
+          <a:blip r:embed="rId3"/>
+          <a:stretch>
+            <a:fillRect/>
+          </a:stretch>
+        </p:blipFill>
+        <p:spPr>
+          <a:xfrm>
+            <a:off x="7613650" y="3429000"/>
+            <a:ext cx="2819400" cy="1731099"/>
+          </a:xfrm>
+          <a:prstGeom prst="rect">
+            <a:avLst/>
+          </a:prstGeom>
+        </p:spPr>
+      </p:pic>
+      <p:pic>
+        <p:nvPicPr>
+          <p:cNvPr id="9" name="Picture 8">
+            <a:extLst>
+              <a:ext uri="{FF2B5EF4-FFF2-40B4-BE49-F238E27FC236}">
+                <a16:creationId xmlns:a16="http://schemas.microsoft.com/office/drawing/2014/main" id="{B116FAFD-389A-E3D4-E558-CF955B1EC2CD}"/>
+              </a:ext>
+            </a:extLst>
+          </p:cNvPr>
+          <p:cNvPicPr>
+            <a:picLocks noChangeAspect="1"/>
+          </p:cNvPicPr>
+          <p:nvPr/>
+        </p:nvPicPr>
+        <p:blipFill>
+          <a:blip r:embed="rId3"/>
+          <a:stretch>
+            <a:fillRect/>
+          </a:stretch>
+        </p:blipFill>
+        <p:spPr>
+          <a:xfrm>
+            <a:off x="1298576" y="3429000"/>
+            <a:ext cx="2819400" cy="1731099"/>
+          </a:xfrm>
+          <a:prstGeom prst="rect">
+            <a:avLst/>
+          </a:prstGeom>
+        </p:spPr>
+      </p:pic>
     </p:spTree>
     <p:extLst>
       <p:ext uri="{BB962C8B-B14F-4D97-AF65-F5344CB8AC3E}">

--- a/Team Presentation.pptx
+++ b/Team Presentation.pptx
@@ -2,15 +2,19 @@
 <file path=ppt/presentation.xml><?xml version="1.0" encoding="utf-8"?>
 <p:presentation xmlns:a="http://schemas.openxmlformats.org/drawingml/2006/main" xmlns:r="http://schemas.openxmlformats.org/officeDocument/2006/relationships" xmlns:p="http://schemas.openxmlformats.org/presentationml/2006/main" saveSubsetFonts="1" autoCompressPictures="0">
   <p:sldMasterIdLst>
-    <p:sldMasterId id="2147483648" r:id="rId1"/>
+    <p:sldMasterId id="2147483702" r:id="rId1"/>
   </p:sldMasterIdLst>
   <p:sldIdLst>
     <p:sldId id="256" r:id="rId2"/>
     <p:sldId id="258" r:id="rId3"/>
     <p:sldId id="259" r:id="rId4"/>
-    <p:sldId id="261" r:id="rId5"/>
-    <p:sldId id="262" r:id="rId6"/>
-    <p:sldId id="260" r:id="rId7"/>
+    <p:sldId id="264" r:id="rId5"/>
+    <p:sldId id="266" r:id="rId6"/>
+    <p:sldId id="265" r:id="rId7"/>
+    <p:sldId id="261" r:id="rId8"/>
+    <p:sldId id="262" r:id="rId9"/>
+    <p:sldId id="263" r:id="rId10"/>
+    <p:sldId id="260" r:id="rId11"/>
   </p:sldIdLst>
   <p:sldSz cx="12192000" cy="6858000"/>
   <p:notesSz cx="6858000" cy="9144000"/>
@@ -18,7 +22,7 @@
     <a:defPPr>
       <a:defRPr lang="en-US"/>
     </a:defPPr>
-    <a:lvl1pPr marL="0" algn="l" defTabSz="914400" rtl="0" eaLnBrk="1" latinLnBrk="0" hangingPunct="1">
+    <a:lvl1pPr marL="0" algn="l" defTabSz="457200" rtl="0" eaLnBrk="1" latinLnBrk="0" hangingPunct="1">
       <a:defRPr sz="1800" kern="1200">
         <a:solidFill>
           <a:schemeClr val="tx1"/>
@@ -28,7 +32,7 @@
         <a:cs typeface="+mn-cs"/>
       </a:defRPr>
     </a:lvl1pPr>
-    <a:lvl2pPr marL="457200" algn="l" defTabSz="914400" rtl="0" eaLnBrk="1" latinLnBrk="0" hangingPunct="1">
+    <a:lvl2pPr marL="457200" algn="l" defTabSz="457200" rtl="0" eaLnBrk="1" latinLnBrk="0" hangingPunct="1">
       <a:defRPr sz="1800" kern="1200">
         <a:solidFill>
           <a:schemeClr val="tx1"/>
@@ -38,7 +42,7 @@
         <a:cs typeface="+mn-cs"/>
       </a:defRPr>
     </a:lvl2pPr>
-    <a:lvl3pPr marL="914400" algn="l" defTabSz="914400" rtl="0" eaLnBrk="1" latinLnBrk="0" hangingPunct="1">
+    <a:lvl3pPr marL="914400" algn="l" defTabSz="457200" rtl="0" eaLnBrk="1" latinLnBrk="0" hangingPunct="1">
       <a:defRPr sz="1800" kern="1200">
         <a:solidFill>
           <a:schemeClr val="tx1"/>
@@ -48,7 +52,7 @@
         <a:cs typeface="+mn-cs"/>
       </a:defRPr>
     </a:lvl3pPr>
-    <a:lvl4pPr marL="1371600" algn="l" defTabSz="914400" rtl="0" eaLnBrk="1" latinLnBrk="0" hangingPunct="1">
+    <a:lvl4pPr marL="1371600" algn="l" defTabSz="457200" rtl="0" eaLnBrk="1" latinLnBrk="0" hangingPunct="1">
       <a:defRPr sz="1800" kern="1200">
         <a:solidFill>
           <a:schemeClr val="tx1"/>
@@ -58,7 +62,7 @@
         <a:cs typeface="+mn-cs"/>
       </a:defRPr>
     </a:lvl4pPr>
-    <a:lvl5pPr marL="1828800" algn="l" defTabSz="914400" rtl="0" eaLnBrk="1" latinLnBrk="0" hangingPunct="1">
+    <a:lvl5pPr marL="1828800" algn="l" defTabSz="457200" rtl="0" eaLnBrk="1" latinLnBrk="0" hangingPunct="1">
       <a:defRPr sz="1800" kern="1200">
         <a:solidFill>
           <a:schemeClr val="tx1"/>
@@ -68,7 +72,7 @@
         <a:cs typeface="+mn-cs"/>
       </a:defRPr>
     </a:lvl5pPr>
-    <a:lvl6pPr marL="2286000" algn="l" defTabSz="914400" rtl="0" eaLnBrk="1" latinLnBrk="0" hangingPunct="1">
+    <a:lvl6pPr marL="2286000" algn="l" defTabSz="457200" rtl="0" eaLnBrk="1" latinLnBrk="0" hangingPunct="1">
       <a:defRPr sz="1800" kern="1200">
         <a:solidFill>
           <a:schemeClr val="tx1"/>
@@ -78,7 +82,7 @@
         <a:cs typeface="+mn-cs"/>
       </a:defRPr>
     </a:lvl6pPr>
-    <a:lvl7pPr marL="2743200" algn="l" defTabSz="914400" rtl="0" eaLnBrk="1" latinLnBrk="0" hangingPunct="1">
+    <a:lvl7pPr marL="2743200" algn="l" defTabSz="457200" rtl="0" eaLnBrk="1" latinLnBrk="0" hangingPunct="1">
       <a:defRPr sz="1800" kern="1200">
         <a:solidFill>
           <a:schemeClr val="tx1"/>
@@ -88,7 +92,7 @@
         <a:cs typeface="+mn-cs"/>
       </a:defRPr>
     </a:lvl7pPr>
-    <a:lvl8pPr marL="3200400" algn="l" defTabSz="914400" rtl="0" eaLnBrk="1" latinLnBrk="0" hangingPunct="1">
+    <a:lvl8pPr marL="3200400" algn="l" defTabSz="457200" rtl="0" eaLnBrk="1" latinLnBrk="0" hangingPunct="1">
       <a:defRPr sz="1800" kern="1200">
         <a:solidFill>
           <a:schemeClr val="tx1"/>
@@ -98,7 +102,7 @@
         <a:cs typeface="+mn-cs"/>
       </a:defRPr>
     </a:lvl8pPr>
-    <a:lvl9pPr marL="3657600" algn="l" defTabSz="914400" rtl="0" eaLnBrk="1" latinLnBrk="0" hangingPunct="1">
+    <a:lvl9pPr marL="3657600" algn="l" defTabSz="457200" rtl="0" eaLnBrk="1" latinLnBrk="0" hangingPunct="1">
       <a:defRPr sz="1800" kern="1200">
         <a:solidFill>
           <a:schemeClr val="tx1"/>
@@ -118,8 +122,16 @@
 </file>
 
 <file path=ppt/slideLayouts/slideLayout1.xml><?xml version="1.0" encoding="utf-8"?>
-<p:sldLayout xmlns:a="http://schemas.openxmlformats.org/drawingml/2006/main" xmlns:r="http://schemas.openxmlformats.org/officeDocument/2006/relationships" xmlns:p="http://schemas.openxmlformats.org/presentationml/2006/main" type="title" preserve="1">
+<p:sldLayout xmlns:a="http://schemas.openxmlformats.org/drawingml/2006/main" xmlns:r="http://schemas.openxmlformats.org/officeDocument/2006/relationships" xmlns:p="http://schemas.openxmlformats.org/presentationml/2006/main" showMasterSp="0" type="title" preserve="1">
   <p:cSld name="Title Slide">
+    <p:bg>
+      <p:bgPr>
+        <a:solidFill>
+          <a:schemeClr val="bg2"/>
+        </a:solidFill>
+        <a:effectLst/>
+      </p:bgPr>
+    </p:bg>
     <p:spTree>
       <p:nvGrpSpPr>
         <p:cNvPr id="1" name=""/>
@@ -136,13 +148,7 @@
       </p:grpSpPr>
       <p:sp>
         <p:nvSpPr>
-          <p:cNvPr id="2" name="Title 1">
-            <a:extLst>
-              <a:ext uri="{FF2B5EF4-FFF2-40B4-BE49-F238E27FC236}">
-                <a16:creationId xmlns:a16="http://schemas.microsoft.com/office/drawing/2014/main" id="{2FB5B6F4-4907-783B-E35F-5BDB09E1ABBA}"/>
-              </a:ext>
-            </a:extLst>
-          </p:cNvPr>
+          <p:cNvPr id="2" name="Title 1"/>
           <p:cNvSpPr>
             <a:spLocks noGrp="1"/>
           </p:cNvSpPr>
@@ -152,15 +158,21 @@
         </p:nvSpPr>
         <p:spPr>
           <a:xfrm>
-            <a:off x="1524000" y="1122363"/>
-            <a:ext cx="9144000" cy="2387600"/>
-          </a:xfrm>
-        </p:spPr>
-        <p:txBody>
-          <a:bodyPr anchor="b"/>
+            <a:off x="1915128" y="1788454"/>
+            <a:ext cx="8361229" cy="2098226"/>
+          </a:xfrm>
+        </p:spPr>
+        <p:txBody>
+          <a:bodyPr anchor="b">
+            <a:noAutofit/>
+          </a:bodyPr>
           <a:lstStyle>
             <a:lvl1pPr algn="ctr">
-              <a:defRPr sz="6000"/>
+              <a:defRPr sz="7200" cap="all" baseline="0">
+                <a:solidFill>
+                  <a:schemeClr val="tx2"/>
+                </a:solidFill>
+              </a:defRPr>
             </a:lvl1pPr>
           </a:lstStyle>
           <a:p>
@@ -168,18 +180,13 @@
               <a:rPr lang="en-US"/>
               <a:t>Click to edit Master title style</a:t>
             </a:r>
-          </a:p>
-        </p:txBody>
-      </p:sp>
-      <p:sp>
-        <p:nvSpPr>
-          <p:cNvPr id="3" name="Subtitle 2">
-            <a:extLst>
-              <a:ext uri="{FF2B5EF4-FFF2-40B4-BE49-F238E27FC236}">
-                <a16:creationId xmlns:a16="http://schemas.microsoft.com/office/drawing/2014/main" id="{3AC41C96-57FD-29D8-1899-585A699E69EF}"/>
-              </a:ext>
-            </a:extLst>
-          </p:cNvPr>
+            <a:endParaRPr lang="en-US" dirty="0"/>
+          </a:p>
+        </p:txBody>
+      </p:sp>
+      <p:sp>
+        <p:nvSpPr>
+          <p:cNvPr id="3" name="Subtitle 2"/>
           <p:cNvSpPr>
             <a:spLocks noGrp="1"/>
           </p:cNvSpPr>
@@ -189,16 +196,27 @@
         </p:nvSpPr>
         <p:spPr>
           <a:xfrm>
-            <a:off x="1524000" y="3602038"/>
-            <a:ext cx="9144000" cy="1655762"/>
-          </a:xfrm>
-        </p:spPr>
-        <p:txBody>
-          <a:bodyPr/>
+            <a:off x="2679906" y="3956279"/>
+            <a:ext cx="6831673" cy="1086237"/>
+          </a:xfrm>
+        </p:spPr>
+        <p:txBody>
+          <a:bodyPr>
+            <a:normAutofit/>
+          </a:bodyPr>
           <a:lstStyle>
             <a:lvl1pPr marL="0" indent="0" algn="ctr">
+              <a:lnSpc>
+                <a:spcPct val="112000"/>
+              </a:lnSpc>
+              <a:spcBef>
+                <a:spcPts val="0"/>
+              </a:spcBef>
+              <a:spcAft>
+                <a:spcPts val="0"/>
+              </a:spcAft>
               <a:buNone/>
-              <a:defRPr sz="2400"/>
+              <a:defRPr sz="2300"/>
             </a:lvl1pPr>
             <a:lvl2pPr marL="457200" indent="0" algn="ctr">
               <a:buNone/>
@@ -238,18 +256,13 @@
               <a:rPr lang="en-US"/>
               <a:t>Click to edit Master subtitle style</a:t>
             </a:r>
-          </a:p>
-        </p:txBody>
-      </p:sp>
-      <p:sp>
-        <p:nvSpPr>
-          <p:cNvPr id="4" name="Date Placeholder 3">
-            <a:extLst>
-              <a:ext uri="{FF2B5EF4-FFF2-40B4-BE49-F238E27FC236}">
-                <a16:creationId xmlns:a16="http://schemas.microsoft.com/office/drawing/2014/main" id="{D6B60B28-E4DB-7AF3-A8F8-134A88B0879C}"/>
-              </a:ext>
-            </a:extLst>
-          </p:cNvPr>
+            <a:endParaRPr lang="en-US" dirty="0"/>
+          </a:p>
+        </p:txBody>
+      </p:sp>
+      <p:sp>
+        <p:nvSpPr>
+          <p:cNvPr id="4" name="Date Placeholder 3"/>
           <p:cNvSpPr>
             <a:spLocks noGrp="1"/>
           </p:cNvSpPr>
@@ -257,14 +270,27 @@
             <p:ph type="dt" sz="half" idx="10"/>
           </p:nvPr>
         </p:nvSpPr>
-        <p:spPr/>
+        <p:spPr>
+          <a:xfrm>
+            <a:off x="752858" y="6453386"/>
+            <a:ext cx="1607944" cy="404614"/>
+          </a:xfrm>
+        </p:spPr>
         <p:txBody>
           <a:bodyPr/>
-          <a:lstStyle/>
+          <a:lstStyle>
+            <a:lvl1pPr>
+              <a:defRPr baseline="0">
+                <a:solidFill>
+                  <a:schemeClr val="tx2"/>
+                </a:solidFill>
+              </a:defRPr>
+            </a:lvl1pPr>
+          </a:lstStyle>
           <a:p>
             <a:fld id="{B47610B7-7070-2342-A63A-E03E53EFBD9E}" type="datetimeFigureOut">
               <a:rPr lang="en-US" smtClean="0"/>
-              <a:t>8/25/23</a:t>
+              <a:t>9/5/23</a:t>
             </a:fld>
             <a:endParaRPr lang="en-US"/>
           </a:p>
@@ -272,13 +298,7 @@
       </p:sp>
       <p:sp>
         <p:nvSpPr>
-          <p:cNvPr id="5" name="Footer Placeholder 4">
-            <a:extLst>
-              <a:ext uri="{FF2B5EF4-FFF2-40B4-BE49-F238E27FC236}">
-                <a16:creationId xmlns:a16="http://schemas.microsoft.com/office/drawing/2014/main" id="{43CBF950-5082-D585-743E-21FAB14F701F}"/>
-              </a:ext>
-            </a:extLst>
-          </p:cNvPr>
+          <p:cNvPr id="5" name="Footer Placeholder 4"/>
           <p:cNvSpPr>
             <a:spLocks noGrp="1"/>
           </p:cNvSpPr>
@@ -286,10 +306,23 @@
             <p:ph type="ftr" sz="quarter" idx="11"/>
           </p:nvPr>
         </p:nvSpPr>
-        <p:spPr/>
+        <p:spPr>
+          <a:xfrm>
+            <a:off x="2584054" y="6453386"/>
+            <a:ext cx="7023377" cy="404614"/>
+          </a:xfrm>
+        </p:spPr>
         <p:txBody>
           <a:bodyPr/>
-          <a:lstStyle/>
+          <a:lstStyle>
+            <a:lvl1pPr algn="ctr">
+              <a:defRPr baseline="0">
+                <a:solidFill>
+                  <a:schemeClr val="tx2"/>
+                </a:solidFill>
+              </a:defRPr>
+            </a:lvl1pPr>
+          </a:lstStyle>
           <a:p>
             <a:endParaRPr lang="en-US"/>
           </a:p>
@@ -297,13 +330,7 @@
       </p:sp>
       <p:sp>
         <p:nvSpPr>
-          <p:cNvPr id="6" name="Slide Number Placeholder 5">
-            <a:extLst>
-              <a:ext uri="{FF2B5EF4-FFF2-40B4-BE49-F238E27FC236}">
-                <a16:creationId xmlns:a16="http://schemas.microsoft.com/office/drawing/2014/main" id="{DC1B90A7-5DC9-8500-F2C9-A610E09AA91D}"/>
-              </a:ext>
-            </a:extLst>
-          </p:cNvPr>
+          <p:cNvPr id="6" name="Slide Number Placeholder 5"/>
           <p:cNvSpPr>
             <a:spLocks noGrp="1"/>
           </p:cNvSpPr>
@@ -311,10 +338,23 @@
             <p:ph type="sldNum" sz="quarter" idx="12"/>
           </p:nvPr>
         </p:nvSpPr>
-        <p:spPr/>
+        <p:spPr>
+          <a:xfrm>
+            <a:off x="9830683" y="6453386"/>
+            <a:ext cx="1596292" cy="404614"/>
+          </a:xfrm>
+        </p:spPr>
         <p:txBody>
           <a:bodyPr/>
-          <a:lstStyle/>
+          <a:lstStyle>
+            <a:lvl1pPr>
+              <a:defRPr baseline="0">
+                <a:solidFill>
+                  <a:schemeClr val="tx2"/>
+                </a:solidFill>
+              </a:defRPr>
+            </a:lvl1pPr>
+          </a:lstStyle>
           <a:p>
             <a:fld id="{E73BB8CC-CF95-464F-AA3F-8D059CA33591}" type="slidenum">
               <a:rPr lang="en-US" smtClean="0"/>
@@ -324,15 +364,144 @@
           </a:p>
         </p:txBody>
       </p:sp>
+      <p:grpSp>
+        <p:nvGrpSpPr>
+          <p:cNvPr id="7" name="Group 6"/>
+          <p:cNvGrpSpPr/>
+          <p:nvPr/>
+        </p:nvGrpSpPr>
+        <p:grpSpPr>
+          <a:xfrm>
+            <a:off x="752858" y="744469"/>
+            <a:ext cx="10674117" cy="5349671"/>
+            <a:chOff x="752858" y="744469"/>
+            <a:chExt cx="10674117" cy="5349671"/>
+          </a:xfrm>
+        </p:grpSpPr>
+        <p:sp>
+          <p:nvSpPr>
+            <p:cNvPr id="11" name="Freeform 6"/>
+            <p:cNvSpPr/>
+            <p:nvPr/>
+          </p:nvSpPr>
+          <p:spPr bwMode="auto">
+            <a:xfrm>
+              <a:off x="8151962" y="1685652"/>
+              <a:ext cx="3275013" cy="4408488"/>
+            </a:xfrm>
+            <a:custGeom>
+              <a:avLst/>
+              <a:gdLst/>
+              <a:ahLst/>
+              <a:cxnLst/>
+              <a:rect l="l" t="t" r="r" b="b"/>
+              <a:pathLst>
+                <a:path w="10000" h="10000">
+                  <a:moveTo>
+                    <a:pt x="8761" y="0"/>
+                  </a:moveTo>
+                  <a:lnTo>
+                    <a:pt x="10000" y="0"/>
+                  </a:lnTo>
+                  <a:lnTo>
+                    <a:pt x="10000" y="10000"/>
+                  </a:lnTo>
+                  <a:lnTo>
+                    <a:pt x="0" y="10000"/>
+                  </a:lnTo>
+                  <a:lnTo>
+                    <a:pt x="0" y="9126"/>
+                  </a:lnTo>
+                  <a:lnTo>
+                    <a:pt x="8761" y="9127"/>
+                  </a:lnTo>
+                  <a:lnTo>
+                    <a:pt x="8761" y="0"/>
+                  </a:lnTo>
+                  <a:close/>
+                </a:path>
+              </a:pathLst>
+            </a:custGeom>
+            <a:solidFill>
+              <a:schemeClr val="tx2"/>
+            </a:solidFill>
+            <a:ln w="0">
+              <a:noFill/>
+              <a:prstDash val="solid"/>
+              <a:round/>
+              <a:headEnd/>
+              <a:tailEnd/>
+            </a:ln>
+          </p:spPr>
+        </p:sp>
+        <p:sp>
+          <p:nvSpPr>
+            <p:cNvPr id="14" name="Freeform 6"/>
+            <p:cNvSpPr/>
+            <p:nvPr/>
+          </p:nvSpPr>
+          <p:spPr bwMode="auto">
+            <a:xfrm flipH="1" flipV="1">
+              <a:off x="752858" y="744469"/>
+              <a:ext cx="3275668" cy="4408488"/>
+            </a:xfrm>
+            <a:custGeom>
+              <a:avLst/>
+              <a:gdLst/>
+              <a:ahLst/>
+              <a:cxnLst/>
+              <a:rect l="l" t="t" r="r" b="b"/>
+              <a:pathLst>
+                <a:path w="10002" h="10000">
+                  <a:moveTo>
+                    <a:pt x="8763" y="0"/>
+                  </a:moveTo>
+                  <a:lnTo>
+                    <a:pt x="10002" y="0"/>
+                  </a:lnTo>
+                  <a:lnTo>
+                    <a:pt x="10002" y="10000"/>
+                  </a:lnTo>
+                  <a:lnTo>
+                    <a:pt x="2" y="10000"/>
+                  </a:lnTo>
+                  <a:cubicBezTo>
+                    <a:pt x="-2" y="9698"/>
+                    <a:pt x="4" y="9427"/>
+                    <a:pt x="0" y="9125"/>
+                  </a:cubicBezTo>
+                  <a:lnTo>
+                    <a:pt x="8763" y="9128"/>
+                  </a:lnTo>
+                  <a:lnTo>
+                    <a:pt x="8763" y="0"/>
+                  </a:lnTo>
+                  <a:close/>
+                </a:path>
+              </a:pathLst>
+            </a:custGeom>
+            <a:solidFill>
+              <a:schemeClr val="tx2"/>
+            </a:solidFill>
+            <a:ln w="0">
+              <a:noFill/>
+              <a:prstDash val="solid"/>
+              <a:round/>
+              <a:headEnd/>
+              <a:tailEnd/>
+            </a:ln>
+          </p:spPr>
+        </p:sp>
+      </p:grpSp>
     </p:spTree>
     <p:extLst>
       <p:ext uri="{BB962C8B-B14F-4D97-AF65-F5344CB8AC3E}">
-        <p14:creationId xmlns:p14="http://schemas.microsoft.com/office/powerpoint/2010/main" val="3450320389"/>
+        <p14:creationId xmlns:p14="http://schemas.microsoft.com/office/powerpoint/2010/main" val="2892821824"/>
       </p:ext>
     </p:extLst>
   </p:cSld>
   <p:clrMapOvr>
-    <a:masterClrMapping/>
+    <a:overrideClrMapping bg1="lt1" tx1="dk1" bg2="lt2" tx2="dk2" accent1="accent1" accent2="accent2" accent3="accent3" accent4="accent4" accent5="accent5" accent6="accent6" hlink="hlink" folHlink="folHlink"/>
   </p:clrMapOvr>
 </p:sldLayout>
 </file>
@@ -356,13 +525,7 @@
       </p:grpSpPr>
       <p:sp>
         <p:nvSpPr>
-          <p:cNvPr id="2" name="Title 1">
-            <a:extLst>
-              <a:ext uri="{FF2B5EF4-FFF2-40B4-BE49-F238E27FC236}">
-                <a16:creationId xmlns:a16="http://schemas.microsoft.com/office/drawing/2014/main" id="{34FFAD25-FBF0-B75D-2AF4-F15538C8E4F6}"/>
-              </a:ext>
-            </a:extLst>
-          </p:cNvPr>
+          <p:cNvPr id="2" name="Title 1"/>
           <p:cNvSpPr>
             <a:spLocks noGrp="1"/>
           </p:cNvSpPr>
@@ -379,18 +542,13 @@
               <a:rPr lang="en-US"/>
               <a:t>Click to edit Master title style</a:t>
             </a:r>
-          </a:p>
-        </p:txBody>
-      </p:sp>
-      <p:sp>
-        <p:nvSpPr>
-          <p:cNvPr id="3" name="Vertical Text Placeholder 2">
-            <a:extLst>
-              <a:ext uri="{FF2B5EF4-FFF2-40B4-BE49-F238E27FC236}">
-                <a16:creationId xmlns:a16="http://schemas.microsoft.com/office/drawing/2014/main" id="{19F78D89-5AE5-3DAA-6F23-8FD8B8EE0C09}"/>
-              </a:ext>
-            </a:extLst>
-          </p:cNvPr>
+            <a:endParaRPr lang="en-US" dirty="0"/>
+          </a:p>
+        </p:txBody>
+      </p:sp>
+      <p:sp>
+        <p:nvSpPr>
+          <p:cNvPr id="3" name="Vertical Text Placeholder 2"/>
           <p:cNvSpPr>
             <a:spLocks noGrp="1"/>
           </p:cNvSpPr>
@@ -398,7 +556,12 @@
             <p:ph type="body" orient="vert" idx="1"/>
           </p:nvPr>
         </p:nvSpPr>
-        <p:spPr/>
+        <p:spPr>
+          <a:xfrm>
+            <a:off x="1371600" y="2295525"/>
+            <a:ext cx="9601200" cy="3571875"/>
+          </a:xfrm>
+        </p:spPr>
         <p:txBody>
           <a:bodyPr vert="eaVert"/>
           <a:lstStyle/>
@@ -436,18 +599,13 @@
               <a:rPr lang="en-US"/>
               <a:t>Fifth level</a:t>
             </a:r>
-          </a:p>
-        </p:txBody>
-      </p:sp>
-      <p:sp>
-        <p:nvSpPr>
-          <p:cNvPr id="4" name="Date Placeholder 3">
-            <a:extLst>
-              <a:ext uri="{FF2B5EF4-FFF2-40B4-BE49-F238E27FC236}">
-                <a16:creationId xmlns:a16="http://schemas.microsoft.com/office/drawing/2014/main" id="{B1F93273-C195-D178-7389-6E32D97581C9}"/>
-              </a:ext>
-            </a:extLst>
-          </p:cNvPr>
+            <a:endParaRPr lang="en-US" dirty="0"/>
+          </a:p>
+        </p:txBody>
+      </p:sp>
+      <p:sp>
+        <p:nvSpPr>
+          <p:cNvPr id="4" name="Date Placeholder 3"/>
           <p:cNvSpPr>
             <a:spLocks noGrp="1"/>
           </p:cNvSpPr>
@@ -462,7 +620,7 @@
           <a:p>
             <a:fld id="{B47610B7-7070-2342-A63A-E03E53EFBD9E}" type="datetimeFigureOut">
               <a:rPr lang="en-US" smtClean="0"/>
-              <a:t>8/25/23</a:t>
+              <a:t>9/5/23</a:t>
             </a:fld>
             <a:endParaRPr lang="en-US"/>
           </a:p>
@@ -470,13 +628,7 @@
       </p:sp>
       <p:sp>
         <p:nvSpPr>
-          <p:cNvPr id="5" name="Footer Placeholder 4">
-            <a:extLst>
-              <a:ext uri="{FF2B5EF4-FFF2-40B4-BE49-F238E27FC236}">
-                <a16:creationId xmlns:a16="http://schemas.microsoft.com/office/drawing/2014/main" id="{394A59CA-705A-2995-6751-4192BFEAF5E9}"/>
-              </a:ext>
-            </a:extLst>
-          </p:cNvPr>
+          <p:cNvPr id="5" name="Footer Placeholder 4"/>
           <p:cNvSpPr>
             <a:spLocks noGrp="1"/>
           </p:cNvSpPr>
@@ -495,13 +647,7 @@
       </p:sp>
       <p:sp>
         <p:nvSpPr>
-          <p:cNvPr id="6" name="Slide Number Placeholder 5">
-            <a:extLst>
-              <a:ext uri="{FF2B5EF4-FFF2-40B4-BE49-F238E27FC236}">
-                <a16:creationId xmlns:a16="http://schemas.microsoft.com/office/drawing/2014/main" id="{D8EA5A8B-AF26-38DB-C812-523718754F29}"/>
-              </a:ext>
-            </a:extLst>
-          </p:cNvPr>
+          <p:cNvPr id="6" name="Slide Number Placeholder 5"/>
           <p:cNvSpPr>
             <a:spLocks noGrp="1"/>
           </p:cNvSpPr>
@@ -525,7 +671,7 @@
     </p:spTree>
     <p:extLst>
       <p:ext uri="{BB962C8B-B14F-4D97-AF65-F5344CB8AC3E}">
-        <p14:creationId xmlns:p14="http://schemas.microsoft.com/office/powerpoint/2010/main" val="3095811796"/>
+        <p14:creationId xmlns:p14="http://schemas.microsoft.com/office/powerpoint/2010/main" val="199269828"/>
       </p:ext>
     </p:extLst>
   </p:cSld>
@@ -554,13 +700,7 @@
       </p:grpSpPr>
       <p:sp>
         <p:nvSpPr>
-          <p:cNvPr id="2" name="Vertical Title 1">
-            <a:extLst>
-              <a:ext uri="{FF2B5EF4-FFF2-40B4-BE49-F238E27FC236}">
-                <a16:creationId xmlns:a16="http://schemas.microsoft.com/office/drawing/2014/main" id="{C25742B4-77D5-CC85-B301-37F5A1CC6618}"/>
-              </a:ext>
-            </a:extLst>
-          </p:cNvPr>
+          <p:cNvPr id="2" name="Vertical Title 1"/>
           <p:cNvSpPr>
             <a:spLocks noGrp="1"/>
           </p:cNvSpPr>
@@ -570,8 +710,8 @@
         </p:nvSpPr>
         <p:spPr>
           <a:xfrm>
-            <a:off x="8724900" y="365125"/>
-            <a:ext cx="2628900" cy="5811838"/>
+            <a:off x="9596561" y="624156"/>
+            <a:ext cx="1565766" cy="5243244"/>
           </a:xfrm>
         </p:spPr>
         <p:txBody>
@@ -582,18 +722,13 @@
               <a:rPr lang="en-US"/>
               <a:t>Click to edit Master title style</a:t>
             </a:r>
-          </a:p>
-        </p:txBody>
-      </p:sp>
-      <p:sp>
-        <p:nvSpPr>
-          <p:cNvPr id="3" name="Vertical Text Placeholder 2">
-            <a:extLst>
-              <a:ext uri="{FF2B5EF4-FFF2-40B4-BE49-F238E27FC236}">
-                <a16:creationId xmlns:a16="http://schemas.microsoft.com/office/drawing/2014/main" id="{DBCE94E8-6B68-1803-62F4-B09C74D38C00}"/>
-              </a:ext>
-            </a:extLst>
-          </p:cNvPr>
+            <a:endParaRPr lang="en-US" dirty="0"/>
+          </a:p>
+        </p:txBody>
+      </p:sp>
+      <p:sp>
+        <p:nvSpPr>
+          <p:cNvPr id="3" name="Vertical Text Placeholder 2"/>
           <p:cNvSpPr>
             <a:spLocks noGrp="1"/>
           </p:cNvSpPr>
@@ -603,8 +738,8 @@
         </p:nvSpPr>
         <p:spPr>
           <a:xfrm>
-            <a:off x="838200" y="365125"/>
-            <a:ext cx="7734300" cy="5811838"/>
+            <a:off x="1371600" y="624156"/>
+            <a:ext cx="8179641" cy="5243244"/>
           </a:xfrm>
         </p:spPr>
         <p:txBody>
@@ -644,18 +779,13 @@
               <a:rPr lang="en-US"/>
               <a:t>Fifth level</a:t>
             </a:r>
-          </a:p>
-        </p:txBody>
-      </p:sp>
-      <p:sp>
-        <p:nvSpPr>
-          <p:cNvPr id="4" name="Date Placeholder 3">
-            <a:extLst>
-              <a:ext uri="{FF2B5EF4-FFF2-40B4-BE49-F238E27FC236}">
-                <a16:creationId xmlns:a16="http://schemas.microsoft.com/office/drawing/2014/main" id="{29814F0F-2B5C-40A4-79DA-60C3565399EC}"/>
-              </a:ext>
-            </a:extLst>
-          </p:cNvPr>
+            <a:endParaRPr lang="en-US" dirty="0"/>
+          </a:p>
+        </p:txBody>
+      </p:sp>
+      <p:sp>
+        <p:nvSpPr>
+          <p:cNvPr id="4" name="Date Placeholder 3"/>
           <p:cNvSpPr>
             <a:spLocks noGrp="1"/>
           </p:cNvSpPr>
@@ -670,7 +800,7 @@
           <a:p>
             <a:fld id="{B47610B7-7070-2342-A63A-E03E53EFBD9E}" type="datetimeFigureOut">
               <a:rPr lang="en-US" smtClean="0"/>
-              <a:t>8/25/23</a:t>
+              <a:t>9/5/23</a:t>
             </a:fld>
             <a:endParaRPr lang="en-US"/>
           </a:p>
@@ -678,13 +808,7 @@
       </p:sp>
       <p:sp>
         <p:nvSpPr>
-          <p:cNvPr id="5" name="Footer Placeholder 4">
-            <a:extLst>
-              <a:ext uri="{FF2B5EF4-FFF2-40B4-BE49-F238E27FC236}">
-                <a16:creationId xmlns:a16="http://schemas.microsoft.com/office/drawing/2014/main" id="{9B05BC30-59A6-1BD1-AE3A-F05C81889C3D}"/>
-              </a:ext>
-            </a:extLst>
-          </p:cNvPr>
+          <p:cNvPr id="5" name="Footer Placeholder 4"/>
           <p:cNvSpPr>
             <a:spLocks noGrp="1"/>
           </p:cNvSpPr>
@@ -703,13 +827,7 @@
       </p:sp>
       <p:sp>
         <p:nvSpPr>
-          <p:cNvPr id="6" name="Slide Number Placeholder 5">
-            <a:extLst>
-              <a:ext uri="{FF2B5EF4-FFF2-40B4-BE49-F238E27FC236}">
-                <a16:creationId xmlns:a16="http://schemas.microsoft.com/office/drawing/2014/main" id="{F9BA8CF6-6107-EC38-25E0-E9F7B3F8013D}"/>
-              </a:ext>
-            </a:extLst>
-          </p:cNvPr>
+          <p:cNvPr id="6" name="Slide Number Placeholder 5"/>
           <p:cNvSpPr>
             <a:spLocks noGrp="1"/>
           </p:cNvSpPr>
@@ -733,7 +851,7 @@
     </p:spTree>
     <p:extLst>
       <p:ext uri="{BB962C8B-B14F-4D97-AF65-F5344CB8AC3E}">
-        <p14:creationId xmlns:p14="http://schemas.microsoft.com/office/powerpoint/2010/main" val="1299585251"/>
+        <p14:creationId xmlns:p14="http://schemas.microsoft.com/office/powerpoint/2010/main" val="1810287909"/>
       </p:ext>
     </p:extLst>
   </p:cSld>
@@ -762,13 +880,7 @@
       </p:grpSpPr>
       <p:sp>
         <p:nvSpPr>
-          <p:cNvPr id="2" name="Title 1">
-            <a:extLst>
-              <a:ext uri="{FF2B5EF4-FFF2-40B4-BE49-F238E27FC236}">
-                <a16:creationId xmlns:a16="http://schemas.microsoft.com/office/drawing/2014/main" id="{700D781D-27FE-8F18-A481-7F9000E93594}"/>
-              </a:ext>
-            </a:extLst>
-          </p:cNvPr>
+          <p:cNvPr id="2" name="Title 1"/>
           <p:cNvSpPr>
             <a:spLocks noGrp="1"/>
           </p:cNvSpPr>
@@ -785,18 +897,13 @@
               <a:rPr lang="en-US"/>
               <a:t>Click to edit Master title style</a:t>
             </a:r>
-          </a:p>
-        </p:txBody>
-      </p:sp>
-      <p:sp>
-        <p:nvSpPr>
-          <p:cNvPr id="3" name="Content Placeholder 2">
-            <a:extLst>
-              <a:ext uri="{FF2B5EF4-FFF2-40B4-BE49-F238E27FC236}">
-                <a16:creationId xmlns:a16="http://schemas.microsoft.com/office/drawing/2014/main" id="{62F08E95-56DC-D8A3-5FB8-A46295EB5D96}"/>
-              </a:ext>
-            </a:extLst>
-          </p:cNvPr>
+            <a:endParaRPr lang="en-US" dirty="0"/>
+          </a:p>
+        </p:txBody>
+      </p:sp>
+      <p:sp>
+        <p:nvSpPr>
+          <p:cNvPr id="3" name="Content Placeholder 2"/>
           <p:cNvSpPr>
             <a:spLocks noGrp="1"/>
           </p:cNvSpPr>
@@ -842,18 +949,13 @@
               <a:rPr lang="en-US"/>
               <a:t>Fifth level</a:t>
             </a:r>
-          </a:p>
-        </p:txBody>
-      </p:sp>
-      <p:sp>
-        <p:nvSpPr>
-          <p:cNvPr id="4" name="Date Placeholder 3">
-            <a:extLst>
-              <a:ext uri="{FF2B5EF4-FFF2-40B4-BE49-F238E27FC236}">
-                <a16:creationId xmlns:a16="http://schemas.microsoft.com/office/drawing/2014/main" id="{76BC8098-DB67-B5E5-D7EF-1C8611E565DD}"/>
-              </a:ext>
-            </a:extLst>
-          </p:cNvPr>
+            <a:endParaRPr lang="en-US" dirty="0"/>
+          </a:p>
+        </p:txBody>
+      </p:sp>
+      <p:sp>
+        <p:nvSpPr>
+          <p:cNvPr id="4" name="Date Placeholder 3"/>
           <p:cNvSpPr>
             <a:spLocks noGrp="1"/>
           </p:cNvSpPr>
@@ -868,7 +970,7 @@
           <a:p>
             <a:fld id="{B47610B7-7070-2342-A63A-E03E53EFBD9E}" type="datetimeFigureOut">
               <a:rPr lang="en-US" smtClean="0"/>
-              <a:t>8/25/23</a:t>
+              <a:t>9/5/23</a:t>
             </a:fld>
             <a:endParaRPr lang="en-US"/>
           </a:p>
@@ -876,13 +978,7 @@
       </p:sp>
       <p:sp>
         <p:nvSpPr>
-          <p:cNvPr id="5" name="Footer Placeholder 4">
-            <a:extLst>
-              <a:ext uri="{FF2B5EF4-FFF2-40B4-BE49-F238E27FC236}">
-                <a16:creationId xmlns:a16="http://schemas.microsoft.com/office/drawing/2014/main" id="{4ED75D03-A5F2-66D2-F496-717D6EDCE8C4}"/>
-              </a:ext>
-            </a:extLst>
-          </p:cNvPr>
+          <p:cNvPr id="5" name="Footer Placeholder 4"/>
           <p:cNvSpPr>
             <a:spLocks noGrp="1"/>
           </p:cNvSpPr>
@@ -901,13 +997,7 @@
       </p:sp>
       <p:sp>
         <p:nvSpPr>
-          <p:cNvPr id="6" name="Slide Number Placeholder 5">
-            <a:extLst>
-              <a:ext uri="{FF2B5EF4-FFF2-40B4-BE49-F238E27FC236}">
-                <a16:creationId xmlns:a16="http://schemas.microsoft.com/office/drawing/2014/main" id="{9690FDBF-A47F-0372-FD94-524BD1ABB59A}"/>
-              </a:ext>
-            </a:extLst>
-          </p:cNvPr>
+          <p:cNvPr id="6" name="Slide Number Placeholder 5"/>
           <p:cNvSpPr>
             <a:spLocks noGrp="1"/>
           </p:cNvSpPr>
@@ -931,7 +1021,7 @@
     </p:spTree>
     <p:extLst>
       <p:ext uri="{BB962C8B-B14F-4D97-AF65-F5344CB8AC3E}">
-        <p14:creationId xmlns:p14="http://schemas.microsoft.com/office/powerpoint/2010/main" val="2405854067"/>
+        <p14:creationId xmlns:p14="http://schemas.microsoft.com/office/powerpoint/2010/main" val="3638808457"/>
       </p:ext>
     </p:extLst>
   </p:cSld>
@@ -942,8 +1032,13 @@
 </file>
 
 <file path=ppt/slideLayouts/slideLayout3.xml><?xml version="1.0" encoding="utf-8"?>
-<p:sldLayout xmlns:a="http://schemas.openxmlformats.org/drawingml/2006/main" xmlns:r="http://schemas.openxmlformats.org/officeDocument/2006/relationships" xmlns:p="http://schemas.openxmlformats.org/presentationml/2006/main" type="secHead" preserve="1">
+<p:sldLayout xmlns:a="http://schemas.openxmlformats.org/drawingml/2006/main" xmlns:r="http://schemas.openxmlformats.org/officeDocument/2006/relationships" xmlns:p="http://schemas.openxmlformats.org/presentationml/2006/main" showMasterSp="0" type="secHead" preserve="1">
   <p:cSld name="Section Header">
+    <p:bg>
+      <p:bgRef idx="1001">
+        <a:schemeClr val="bg2"/>
+      </p:bgRef>
+    </p:bg>
     <p:spTree>
       <p:nvGrpSpPr>
         <p:cNvPr id="1" name=""/>
@@ -960,13 +1055,7 @@
       </p:grpSpPr>
       <p:sp>
         <p:nvSpPr>
-          <p:cNvPr id="2" name="Title 1">
-            <a:extLst>
-              <a:ext uri="{FF2B5EF4-FFF2-40B4-BE49-F238E27FC236}">
-                <a16:creationId xmlns:a16="http://schemas.microsoft.com/office/drawing/2014/main" id="{6A1DE0EA-1AC2-421D-A98C-9E4177523630}"/>
-              </a:ext>
-            </a:extLst>
-          </p:cNvPr>
+          <p:cNvPr id="2" name="Title 1"/>
           <p:cNvSpPr>
             <a:spLocks noGrp="1"/>
           </p:cNvSpPr>
@@ -976,15 +1065,21 @@
         </p:nvSpPr>
         <p:spPr>
           <a:xfrm>
-            <a:off x="831850" y="1709738"/>
-            <a:ext cx="10515600" cy="2852737"/>
-          </a:xfrm>
-        </p:spPr>
-        <p:txBody>
-          <a:bodyPr anchor="b"/>
+            <a:off x="765025" y="1301360"/>
+            <a:ext cx="9612971" cy="2852737"/>
+          </a:xfrm>
+        </p:spPr>
+        <p:txBody>
+          <a:bodyPr anchor="b">
+            <a:normAutofit/>
+          </a:bodyPr>
           <a:lstStyle>
-            <a:lvl1pPr>
-              <a:defRPr sz="6000"/>
+            <a:lvl1pPr algn="r">
+              <a:defRPr sz="7200" cap="all" baseline="0">
+                <a:solidFill>
+                  <a:schemeClr val="tx2"/>
+                </a:solidFill>
+              </a:defRPr>
             </a:lvl1pPr>
           </a:lstStyle>
           <a:p>
@@ -992,18 +1087,13 @@
               <a:rPr lang="en-US"/>
               <a:t>Click to edit Master title style</a:t>
             </a:r>
-          </a:p>
-        </p:txBody>
-      </p:sp>
-      <p:sp>
-        <p:nvSpPr>
-          <p:cNvPr id="3" name="Text Placeholder 2">
-            <a:extLst>
-              <a:ext uri="{FF2B5EF4-FFF2-40B4-BE49-F238E27FC236}">
-                <a16:creationId xmlns:a16="http://schemas.microsoft.com/office/drawing/2014/main" id="{EC07D727-DD80-D584-83F7-A5DA4A0DC0C1}"/>
-              </a:ext>
-            </a:extLst>
-          </p:cNvPr>
+            <a:endParaRPr lang="en-US" dirty="0"/>
+          </a:p>
+        </p:txBody>
+      </p:sp>
+      <p:sp>
+        <p:nvSpPr>
+          <p:cNvPr id="3" name="Text Placeholder 2"/>
           <p:cNvSpPr>
             <a:spLocks noGrp="1"/>
           </p:cNvSpPr>
@@ -1013,20 +1103,27 @@
         </p:nvSpPr>
         <p:spPr>
           <a:xfrm>
-            <a:off x="831850" y="4589463"/>
-            <a:ext cx="10515600" cy="1500187"/>
+            <a:off x="765025" y="4216328"/>
+            <a:ext cx="9612971" cy="1143324"/>
           </a:xfrm>
         </p:spPr>
         <p:txBody>
           <a:bodyPr/>
           <a:lstStyle>
-            <a:lvl1pPr marL="0" indent="0">
+            <a:lvl1pPr marL="0" indent="0" algn="r">
+              <a:lnSpc>
+                <a:spcPct val="112000"/>
+              </a:lnSpc>
+              <a:spcBef>
+                <a:spcPts val="0"/>
+              </a:spcBef>
+              <a:spcAft>
+                <a:spcPts val="0"/>
+              </a:spcAft>
               <a:buNone/>
               <a:defRPr sz="2400">
                 <a:solidFill>
-                  <a:schemeClr val="tx1">
-                    <a:tint val="75000"/>
-                  </a:schemeClr>
+                  <a:schemeClr val="tx2"/>
                 </a:solidFill>
               </a:defRPr>
             </a:lvl1pPr>
@@ -1122,13 +1219,7 @@
       </p:sp>
       <p:sp>
         <p:nvSpPr>
-          <p:cNvPr id="4" name="Date Placeholder 3">
-            <a:extLst>
-              <a:ext uri="{FF2B5EF4-FFF2-40B4-BE49-F238E27FC236}">
-                <a16:creationId xmlns:a16="http://schemas.microsoft.com/office/drawing/2014/main" id="{C6C4B82B-4538-D12D-EF8B-D42D134B692E}"/>
-              </a:ext>
-            </a:extLst>
-          </p:cNvPr>
+          <p:cNvPr id="4" name="Date Placeholder 3"/>
           <p:cNvSpPr>
             <a:spLocks noGrp="1"/>
           </p:cNvSpPr>
@@ -1136,14 +1227,27 @@
             <p:ph type="dt" sz="half" idx="10"/>
           </p:nvPr>
         </p:nvSpPr>
-        <p:spPr/>
+        <p:spPr>
+          <a:xfrm>
+            <a:off x="738908" y="6453386"/>
+            <a:ext cx="1622409" cy="404614"/>
+          </a:xfrm>
+        </p:spPr>
         <p:txBody>
           <a:bodyPr/>
-          <a:lstStyle/>
+          <a:lstStyle>
+            <a:lvl1pPr>
+              <a:defRPr>
+                <a:solidFill>
+                  <a:schemeClr val="tx2"/>
+                </a:solidFill>
+              </a:defRPr>
+            </a:lvl1pPr>
+          </a:lstStyle>
           <a:p>
             <a:fld id="{B47610B7-7070-2342-A63A-E03E53EFBD9E}" type="datetimeFigureOut">
               <a:rPr lang="en-US" smtClean="0"/>
-              <a:t>8/25/23</a:t>
+              <a:t>9/5/23</a:t>
             </a:fld>
             <a:endParaRPr lang="en-US"/>
           </a:p>
@@ -1151,13 +1255,7 @@
       </p:sp>
       <p:sp>
         <p:nvSpPr>
-          <p:cNvPr id="5" name="Footer Placeholder 4">
-            <a:extLst>
-              <a:ext uri="{FF2B5EF4-FFF2-40B4-BE49-F238E27FC236}">
-                <a16:creationId xmlns:a16="http://schemas.microsoft.com/office/drawing/2014/main" id="{5C2895DD-039E-F023-0294-6A9DBD564B6B}"/>
-              </a:ext>
-            </a:extLst>
-          </p:cNvPr>
+          <p:cNvPr id="5" name="Footer Placeholder 4"/>
           <p:cNvSpPr>
             <a:spLocks noGrp="1"/>
           </p:cNvSpPr>
@@ -1165,10 +1263,23 @@
             <p:ph type="ftr" sz="quarter" idx="11"/>
           </p:nvPr>
         </p:nvSpPr>
-        <p:spPr/>
+        <p:spPr>
+          <a:xfrm>
+            <a:off x="2584312" y="6453386"/>
+            <a:ext cx="7023377" cy="404614"/>
+          </a:xfrm>
+        </p:spPr>
         <p:txBody>
           <a:bodyPr/>
-          <a:lstStyle/>
+          <a:lstStyle>
+            <a:lvl1pPr algn="ctr">
+              <a:defRPr>
+                <a:solidFill>
+                  <a:schemeClr val="tx2"/>
+                </a:solidFill>
+              </a:defRPr>
+            </a:lvl1pPr>
+          </a:lstStyle>
           <a:p>
             <a:endParaRPr lang="en-US"/>
           </a:p>
@@ -1176,13 +1287,7 @@
       </p:sp>
       <p:sp>
         <p:nvSpPr>
-          <p:cNvPr id="6" name="Slide Number Placeholder 5">
-            <a:extLst>
-              <a:ext uri="{FF2B5EF4-FFF2-40B4-BE49-F238E27FC236}">
-                <a16:creationId xmlns:a16="http://schemas.microsoft.com/office/drawing/2014/main" id="{A2927CBB-4578-6196-E960-89F5F52A6559}"/>
-              </a:ext>
-            </a:extLst>
-          </p:cNvPr>
+          <p:cNvPr id="6" name="Slide Number Placeholder 5"/>
           <p:cNvSpPr>
             <a:spLocks noGrp="1"/>
           </p:cNvSpPr>
@@ -1190,10 +1295,23 @@
             <p:ph type="sldNum" sz="quarter" idx="12"/>
           </p:nvPr>
         </p:nvSpPr>
-        <p:spPr/>
+        <p:spPr>
+          <a:xfrm>
+            <a:off x="9830683" y="6453386"/>
+            <a:ext cx="1596292" cy="404614"/>
+          </a:xfrm>
+        </p:spPr>
         <p:txBody>
           <a:bodyPr/>
-          <a:lstStyle/>
+          <a:lstStyle>
+            <a:lvl1pPr>
+              <a:defRPr>
+                <a:solidFill>
+                  <a:schemeClr val="tx2"/>
+                </a:solidFill>
+              </a:defRPr>
+            </a:lvl1pPr>
+          </a:lstStyle>
           <a:p>
             <a:fld id="{E73BB8CC-CF95-464F-AA3F-8D059CA33591}" type="slidenum">
               <a:rPr lang="en-US" smtClean="0"/>
@@ -1203,15 +1321,71 @@
           </a:p>
         </p:txBody>
       </p:sp>
+      <p:sp>
+        <p:nvSpPr>
+          <p:cNvPr id="7" name="Freeform 6" title="Crop Mark"/>
+          <p:cNvSpPr/>
+          <p:nvPr/>
+        </p:nvSpPr>
+        <p:spPr bwMode="auto">
+          <a:xfrm>
+            <a:off x="8151962" y="1685652"/>
+            <a:ext cx="3275013" cy="4408488"/>
+          </a:xfrm>
+          <a:custGeom>
+            <a:avLst/>
+            <a:gdLst/>
+            <a:ahLst/>
+            <a:cxnLst/>
+            <a:rect l="0" t="0" r="r" b="b"/>
+            <a:pathLst>
+              <a:path w="4125" h="5554">
+                <a:moveTo>
+                  <a:pt x="3614" y="0"/>
+                </a:moveTo>
+                <a:lnTo>
+                  <a:pt x="4125" y="0"/>
+                </a:lnTo>
+                <a:lnTo>
+                  <a:pt x="4125" y="5554"/>
+                </a:lnTo>
+                <a:lnTo>
+                  <a:pt x="0" y="5554"/>
+                </a:lnTo>
+                <a:lnTo>
+                  <a:pt x="0" y="5074"/>
+                </a:lnTo>
+                <a:lnTo>
+                  <a:pt x="3614" y="5074"/>
+                </a:lnTo>
+                <a:lnTo>
+                  <a:pt x="3614" y="0"/>
+                </a:lnTo>
+                <a:close/>
+              </a:path>
+            </a:pathLst>
+          </a:custGeom>
+          <a:solidFill>
+            <a:schemeClr val="tx2"/>
+          </a:solidFill>
+          <a:ln w="0">
+            <a:noFill/>
+            <a:prstDash val="solid"/>
+            <a:round/>
+            <a:headEnd/>
+            <a:tailEnd/>
+          </a:ln>
+        </p:spPr>
+      </p:sp>
     </p:spTree>
     <p:extLst>
       <p:ext uri="{BB962C8B-B14F-4D97-AF65-F5344CB8AC3E}">
-        <p14:creationId xmlns:p14="http://schemas.microsoft.com/office/powerpoint/2010/main" val="1834902957"/>
+        <p14:creationId xmlns:p14="http://schemas.microsoft.com/office/powerpoint/2010/main" val="3110842479"/>
       </p:ext>
     </p:extLst>
   </p:cSld>
   <p:clrMapOvr>
-    <a:masterClrMapping/>
+    <a:overrideClrMapping bg1="dk1" tx1="lt1" bg2="dk2" tx2="lt2" accent1="accent1" accent2="accent2" accent3="accent3" accent4="accent4" accent5="accent5" accent6="accent6" hlink="hlink" folHlink="folHlink"/>
   </p:clrMapOvr>
 </p:sldLayout>
 </file>
@@ -1235,18 +1409,229 @@
       </p:grpSpPr>
       <p:sp>
         <p:nvSpPr>
-          <p:cNvPr id="2" name="Title 1">
-            <a:extLst>
-              <a:ext uri="{FF2B5EF4-FFF2-40B4-BE49-F238E27FC236}">
-                <a16:creationId xmlns:a16="http://schemas.microsoft.com/office/drawing/2014/main" id="{7E1EEE36-8AE5-D983-6E15-3671E7844F3A}"/>
-              </a:ext>
-            </a:extLst>
-          </p:cNvPr>
+          <p:cNvPr id="2" name="Title 1"/>
           <p:cNvSpPr>
             <a:spLocks noGrp="1"/>
           </p:cNvSpPr>
           <p:nvPr>
             <p:ph type="title"/>
+          </p:nvPr>
+        </p:nvSpPr>
+        <p:spPr/>
+        <p:txBody>
+          <a:bodyPr/>
+          <a:lstStyle>
+            <a:lvl1pPr>
+              <a:defRPr>
+                <a:solidFill>
+                  <a:schemeClr val="tx2"/>
+                </a:solidFill>
+              </a:defRPr>
+            </a:lvl1pPr>
+          </a:lstStyle>
+          <a:p>
+            <a:r>
+              <a:rPr lang="en-US"/>
+              <a:t>Click to edit Master title style</a:t>
+            </a:r>
+            <a:endParaRPr lang="en-US" dirty="0"/>
+          </a:p>
+        </p:txBody>
+      </p:sp>
+      <p:sp>
+        <p:nvSpPr>
+          <p:cNvPr id="3" name="Content Placeholder 2"/>
+          <p:cNvSpPr>
+            <a:spLocks noGrp="1"/>
+          </p:cNvSpPr>
+          <p:nvPr>
+            <p:ph sz="half" idx="1"/>
+          </p:nvPr>
+        </p:nvSpPr>
+        <p:spPr>
+          <a:xfrm>
+            <a:off x="1371600" y="2285999"/>
+            <a:ext cx="4447786" cy="3581401"/>
+          </a:xfrm>
+        </p:spPr>
+        <p:txBody>
+          <a:bodyPr/>
+          <a:lstStyle>
+            <a:lvl1pPr>
+              <a:defRPr baseline="0">
+                <a:solidFill>
+                  <a:schemeClr val="tx2"/>
+                </a:solidFill>
+              </a:defRPr>
+            </a:lvl1pPr>
+            <a:lvl2pPr>
+              <a:defRPr baseline="0">
+                <a:solidFill>
+                  <a:schemeClr val="tx2"/>
+                </a:solidFill>
+              </a:defRPr>
+            </a:lvl2pPr>
+            <a:lvl3pPr>
+              <a:defRPr baseline="0">
+                <a:solidFill>
+                  <a:schemeClr val="tx2"/>
+                </a:solidFill>
+              </a:defRPr>
+            </a:lvl3pPr>
+            <a:lvl4pPr>
+              <a:defRPr baseline="0">
+                <a:solidFill>
+                  <a:schemeClr val="tx2"/>
+                </a:solidFill>
+              </a:defRPr>
+            </a:lvl4pPr>
+            <a:lvl5pPr>
+              <a:defRPr baseline="0">
+                <a:solidFill>
+                  <a:schemeClr val="tx2"/>
+                </a:solidFill>
+              </a:defRPr>
+            </a:lvl5pPr>
+          </a:lstStyle>
+          <a:p>
+            <a:pPr lvl="0"/>
+            <a:r>
+              <a:rPr lang="en-US"/>
+              <a:t>Click to edit Master text styles</a:t>
+            </a:r>
+          </a:p>
+          <a:p>
+            <a:pPr lvl="1"/>
+            <a:r>
+              <a:rPr lang="en-US"/>
+              <a:t>Second level</a:t>
+            </a:r>
+          </a:p>
+          <a:p>
+            <a:pPr lvl="2"/>
+            <a:r>
+              <a:rPr lang="en-US"/>
+              <a:t>Third level</a:t>
+            </a:r>
+          </a:p>
+          <a:p>
+            <a:pPr lvl="3"/>
+            <a:r>
+              <a:rPr lang="en-US"/>
+              <a:t>Fourth level</a:t>
+            </a:r>
+          </a:p>
+          <a:p>
+            <a:pPr lvl="4"/>
+            <a:r>
+              <a:rPr lang="en-US"/>
+              <a:t>Fifth level</a:t>
+            </a:r>
+            <a:endParaRPr lang="en-US" dirty="0"/>
+          </a:p>
+        </p:txBody>
+      </p:sp>
+      <p:sp>
+        <p:nvSpPr>
+          <p:cNvPr id="4" name="Content Placeholder 3"/>
+          <p:cNvSpPr>
+            <a:spLocks noGrp="1"/>
+          </p:cNvSpPr>
+          <p:nvPr>
+            <p:ph sz="half" idx="2"/>
+          </p:nvPr>
+        </p:nvSpPr>
+        <p:spPr>
+          <a:xfrm>
+            <a:off x="6525403" y="2285999"/>
+            <a:ext cx="4447786" cy="3581401"/>
+          </a:xfrm>
+        </p:spPr>
+        <p:txBody>
+          <a:bodyPr/>
+          <a:lstStyle>
+            <a:lvl1pPr>
+              <a:defRPr>
+                <a:solidFill>
+                  <a:schemeClr val="tx2"/>
+                </a:solidFill>
+              </a:defRPr>
+            </a:lvl1pPr>
+            <a:lvl2pPr>
+              <a:defRPr>
+                <a:solidFill>
+                  <a:schemeClr val="tx2"/>
+                </a:solidFill>
+              </a:defRPr>
+            </a:lvl2pPr>
+            <a:lvl3pPr>
+              <a:defRPr>
+                <a:solidFill>
+                  <a:schemeClr val="tx2"/>
+                </a:solidFill>
+              </a:defRPr>
+            </a:lvl3pPr>
+            <a:lvl4pPr>
+              <a:defRPr>
+                <a:solidFill>
+                  <a:schemeClr val="tx2"/>
+                </a:solidFill>
+              </a:defRPr>
+            </a:lvl4pPr>
+            <a:lvl5pPr>
+              <a:defRPr>
+                <a:solidFill>
+                  <a:schemeClr val="tx2"/>
+                </a:solidFill>
+              </a:defRPr>
+            </a:lvl5pPr>
+          </a:lstStyle>
+          <a:p>
+            <a:pPr lvl="0"/>
+            <a:r>
+              <a:rPr lang="en-US"/>
+              <a:t>Click to edit Master text styles</a:t>
+            </a:r>
+          </a:p>
+          <a:p>
+            <a:pPr lvl="1"/>
+            <a:r>
+              <a:rPr lang="en-US"/>
+              <a:t>Second level</a:t>
+            </a:r>
+          </a:p>
+          <a:p>
+            <a:pPr lvl="2"/>
+            <a:r>
+              <a:rPr lang="en-US"/>
+              <a:t>Third level</a:t>
+            </a:r>
+          </a:p>
+          <a:p>
+            <a:pPr lvl="3"/>
+            <a:r>
+              <a:rPr lang="en-US"/>
+              <a:t>Fourth level</a:t>
+            </a:r>
+          </a:p>
+          <a:p>
+            <a:pPr lvl="4"/>
+            <a:r>
+              <a:rPr lang="en-US"/>
+              <a:t>Fifth level</a:t>
+            </a:r>
+            <a:endParaRPr lang="en-US" dirty="0"/>
+          </a:p>
+        </p:txBody>
+      </p:sp>
+      <p:sp>
+        <p:nvSpPr>
+          <p:cNvPr id="5" name="Date Placeholder 4"/>
+          <p:cNvSpPr>
+            <a:spLocks noGrp="1"/>
+          </p:cNvSpPr>
+          <p:nvPr>
+            <p:ph type="dt" sz="half" idx="10"/>
           </p:nvPr>
         </p:nvSpPr>
         <p:spPr/>
@@ -1254,200 +1639,36 @@
           <a:bodyPr/>
           <a:lstStyle/>
           <a:p>
-            <a:r>
-              <a:rPr lang="en-US"/>
-              <a:t>Click to edit Master title style</a:t>
-            </a:r>
-          </a:p>
-        </p:txBody>
-      </p:sp>
-      <p:sp>
-        <p:nvSpPr>
-          <p:cNvPr id="3" name="Content Placeholder 2">
-            <a:extLst>
-              <a:ext uri="{FF2B5EF4-FFF2-40B4-BE49-F238E27FC236}">
-                <a16:creationId xmlns:a16="http://schemas.microsoft.com/office/drawing/2014/main" id="{AFD6FFCB-B669-5C71-DCB4-552DE5A629AC}"/>
-              </a:ext>
-            </a:extLst>
-          </p:cNvPr>
-          <p:cNvSpPr>
-            <a:spLocks noGrp="1"/>
-          </p:cNvSpPr>
-          <p:nvPr>
-            <p:ph sz="half" idx="1"/>
-          </p:nvPr>
-        </p:nvSpPr>
-        <p:spPr>
-          <a:xfrm>
-            <a:off x="838200" y="1825625"/>
-            <a:ext cx="5181600" cy="4351338"/>
-          </a:xfrm>
-        </p:spPr>
+            <a:fld id="{B47610B7-7070-2342-A63A-E03E53EFBD9E}" type="datetimeFigureOut">
+              <a:rPr lang="en-US" smtClean="0"/>
+              <a:t>9/5/23</a:t>
+            </a:fld>
+            <a:endParaRPr lang="en-US"/>
+          </a:p>
+        </p:txBody>
+      </p:sp>
+      <p:sp>
+        <p:nvSpPr>
+          <p:cNvPr id="6" name="Footer Placeholder 5"/>
+          <p:cNvSpPr>
+            <a:spLocks noGrp="1"/>
+          </p:cNvSpPr>
+          <p:nvPr>
+            <p:ph type="ftr" sz="quarter" idx="11"/>
+          </p:nvPr>
+        </p:nvSpPr>
+        <p:spPr/>
         <p:txBody>
           <a:bodyPr/>
           <a:lstStyle/>
           <a:p>
-            <a:pPr lvl="0"/>
-            <a:r>
-              <a:rPr lang="en-US"/>
-              <a:t>Click to edit Master text styles</a:t>
-            </a:r>
-          </a:p>
-          <a:p>
-            <a:pPr lvl="1"/>
-            <a:r>
-              <a:rPr lang="en-US"/>
-              <a:t>Second level</a:t>
-            </a:r>
-          </a:p>
-          <a:p>
-            <a:pPr lvl="2"/>
-            <a:r>
-              <a:rPr lang="en-US"/>
-              <a:t>Third level</a:t>
-            </a:r>
-          </a:p>
-          <a:p>
-            <a:pPr lvl="3"/>
-            <a:r>
-              <a:rPr lang="en-US"/>
-              <a:t>Fourth level</a:t>
-            </a:r>
-          </a:p>
-          <a:p>
-            <a:pPr lvl="4"/>
-            <a:r>
-              <a:rPr lang="en-US"/>
-              <a:t>Fifth level</a:t>
-            </a:r>
-          </a:p>
-        </p:txBody>
-      </p:sp>
-      <p:sp>
-        <p:nvSpPr>
-          <p:cNvPr id="4" name="Content Placeholder 3">
-            <a:extLst>
-              <a:ext uri="{FF2B5EF4-FFF2-40B4-BE49-F238E27FC236}">
-                <a16:creationId xmlns:a16="http://schemas.microsoft.com/office/drawing/2014/main" id="{D542ADB4-E276-EABC-AD0F-9084D066C940}"/>
-              </a:ext>
-            </a:extLst>
-          </p:cNvPr>
-          <p:cNvSpPr>
-            <a:spLocks noGrp="1"/>
-          </p:cNvSpPr>
-          <p:nvPr>
-            <p:ph sz="half" idx="2"/>
-          </p:nvPr>
-        </p:nvSpPr>
-        <p:spPr>
-          <a:xfrm>
-            <a:off x="6172200" y="1825625"/>
-            <a:ext cx="5181600" cy="4351338"/>
-          </a:xfrm>
-        </p:spPr>
-        <p:txBody>
-          <a:bodyPr/>
-          <a:lstStyle/>
-          <a:p>
-            <a:pPr lvl="0"/>
-            <a:r>
-              <a:rPr lang="en-US"/>
-              <a:t>Click to edit Master text styles</a:t>
-            </a:r>
-          </a:p>
-          <a:p>
-            <a:pPr lvl="1"/>
-            <a:r>
-              <a:rPr lang="en-US"/>
-              <a:t>Second level</a:t>
-            </a:r>
-          </a:p>
-          <a:p>
-            <a:pPr lvl="2"/>
-            <a:r>
-              <a:rPr lang="en-US"/>
-              <a:t>Third level</a:t>
-            </a:r>
-          </a:p>
-          <a:p>
-            <a:pPr lvl="3"/>
-            <a:r>
-              <a:rPr lang="en-US"/>
-              <a:t>Fourth level</a:t>
-            </a:r>
-          </a:p>
-          <a:p>
-            <a:pPr lvl="4"/>
-            <a:r>
-              <a:rPr lang="en-US"/>
-              <a:t>Fifth level</a:t>
-            </a:r>
-          </a:p>
-        </p:txBody>
-      </p:sp>
-      <p:sp>
-        <p:nvSpPr>
-          <p:cNvPr id="5" name="Date Placeholder 4">
-            <a:extLst>
-              <a:ext uri="{FF2B5EF4-FFF2-40B4-BE49-F238E27FC236}">
-                <a16:creationId xmlns:a16="http://schemas.microsoft.com/office/drawing/2014/main" id="{5B760625-D128-A5BE-C994-4172F0FDE937}"/>
-              </a:ext>
-            </a:extLst>
-          </p:cNvPr>
-          <p:cNvSpPr>
-            <a:spLocks noGrp="1"/>
-          </p:cNvSpPr>
-          <p:nvPr>
-            <p:ph type="dt" sz="half" idx="10"/>
-          </p:nvPr>
-        </p:nvSpPr>
-        <p:spPr/>
-        <p:txBody>
-          <a:bodyPr/>
-          <a:lstStyle/>
-          <a:p>
-            <a:fld id="{B47610B7-7070-2342-A63A-E03E53EFBD9E}" type="datetimeFigureOut">
-              <a:rPr lang="en-US" smtClean="0"/>
-              <a:t>8/25/23</a:t>
-            </a:fld>
             <a:endParaRPr lang="en-US"/>
           </a:p>
         </p:txBody>
       </p:sp>
       <p:sp>
         <p:nvSpPr>
-          <p:cNvPr id="6" name="Footer Placeholder 5">
-            <a:extLst>
-              <a:ext uri="{FF2B5EF4-FFF2-40B4-BE49-F238E27FC236}">
-                <a16:creationId xmlns:a16="http://schemas.microsoft.com/office/drawing/2014/main" id="{D85F4088-BF51-82C8-421F-A8F5DBFF736A}"/>
-              </a:ext>
-            </a:extLst>
-          </p:cNvPr>
-          <p:cNvSpPr>
-            <a:spLocks noGrp="1"/>
-          </p:cNvSpPr>
-          <p:nvPr>
-            <p:ph type="ftr" sz="quarter" idx="11"/>
-          </p:nvPr>
-        </p:nvSpPr>
-        <p:spPr/>
-        <p:txBody>
-          <a:bodyPr/>
-          <a:lstStyle/>
-          <a:p>
-            <a:endParaRPr lang="en-US"/>
-          </a:p>
-        </p:txBody>
-      </p:sp>
-      <p:sp>
-        <p:nvSpPr>
-          <p:cNvPr id="7" name="Slide Number Placeholder 6">
-            <a:extLst>
-              <a:ext uri="{FF2B5EF4-FFF2-40B4-BE49-F238E27FC236}">
-                <a16:creationId xmlns:a16="http://schemas.microsoft.com/office/drawing/2014/main" id="{F8C75BBC-A912-A064-6608-00714995A302}"/>
-              </a:ext>
-            </a:extLst>
-          </p:cNvPr>
+          <p:cNvPr id="7" name="Slide Number Placeholder 6"/>
           <p:cNvSpPr>
             <a:spLocks noGrp="1"/>
           </p:cNvSpPr>
@@ -1471,7 +1692,7 @@
     </p:spTree>
     <p:extLst>
       <p:ext uri="{BB962C8B-B14F-4D97-AF65-F5344CB8AC3E}">
-        <p14:creationId xmlns:p14="http://schemas.microsoft.com/office/powerpoint/2010/main" val="543469176"/>
+        <p14:creationId xmlns:p14="http://schemas.microsoft.com/office/powerpoint/2010/main" val="2929384370"/>
       </p:ext>
     </p:extLst>
   </p:cSld>
@@ -1500,13 +1721,7 @@
       </p:grpSpPr>
       <p:sp>
         <p:nvSpPr>
-          <p:cNvPr id="2" name="Title 1">
-            <a:extLst>
-              <a:ext uri="{FF2B5EF4-FFF2-40B4-BE49-F238E27FC236}">
-                <a16:creationId xmlns:a16="http://schemas.microsoft.com/office/drawing/2014/main" id="{4E44FDC2-BB4E-A21C-BCC7-08CCF1A6011C}"/>
-              </a:ext>
-            </a:extLst>
-          </p:cNvPr>
+          <p:cNvPr id="2" name="Title 1"/>
           <p:cNvSpPr>
             <a:spLocks noGrp="1"/>
           </p:cNvSpPr>
@@ -1516,30 +1731,33 @@
         </p:nvSpPr>
         <p:spPr>
           <a:xfrm>
-            <a:off x="839788" y="365125"/>
-            <a:ext cx="10515600" cy="1325563"/>
+            <a:off x="1371600" y="685800"/>
+            <a:ext cx="9601200" cy="1485900"/>
           </a:xfrm>
         </p:spPr>
         <p:txBody>
           <a:bodyPr/>
-          <a:lstStyle/>
+          <a:lstStyle>
+            <a:lvl1pPr>
+              <a:defRPr>
+                <a:solidFill>
+                  <a:schemeClr val="tx2"/>
+                </a:solidFill>
+              </a:defRPr>
+            </a:lvl1pPr>
+          </a:lstStyle>
           <a:p>
             <a:r>
               <a:rPr lang="en-US"/>
               <a:t>Click to edit Master title style</a:t>
             </a:r>
-          </a:p>
-        </p:txBody>
-      </p:sp>
-      <p:sp>
-        <p:nvSpPr>
-          <p:cNvPr id="3" name="Text Placeholder 2">
-            <a:extLst>
-              <a:ext uri="{FF2B5EF4-FFF2-40B4-BE49-F238E27FC236}">
-                <a16:creationId xmlns:a16="http://schemas.microsoft.com/office/drawing/2014/main" id="{6809BDD1-7EF2-EDF0-A34B-091BAC98D841}"/>
-              </a:ext>
-            </a:extLst>
-          </p:cNvPr>
+            <a:endParaRPr lang="en-US" dirty="0"/>
+          </a:p>
+        </p:txBody>
+      </p:sp>
+      <p:sp>
+        <p:nvSpPr>
+          <p:cNvPr id="3" name="Text Placeholder 2"/>
           <p:cNvSpPr>
             <a:spLocks noGrp="1"/>
           </p:cNvSpPr>
@@ -1549,16 +1767,31 @@
         </p:nvSpPr>
         <p:spPr>
           <a:xfrm>
-            <a:off x="839788" y="1681163"/>
-            <a:ext cx="5157787" cy="823912"/>
-          </a:xfrm>
-        </p:spPr>
-        <p:txBody>
-          <a:bodyPr anchor="b"/>
+            <a:off x="1371600" y="2340864"/>
+            <a:ext cx="4443984" cy="823912"/>
+          </a:xfrm>
+        </p:spPr>
+        <p:txBody>
+          <a:bodyPr anchor="b">
+            <a:noAutofit/>
+          </a:bodyPr>
           <a:lstStyle>
             <a:lvl1pPr marL="0" indent="0">
+              <a:lnSpc>
+                <a:spcPct val="84000"/>
+              </a:lnSpc>
+              <a:spcBef>
+                <a:spcPts val="0"/>
+              </a:spcBef>
+              <a:spcAft>
+                <a:spcPts val="0"/>
+              </a:spcAft>
               <a:buNone/>
-              <a:defRPr sz="2400" b="1"/>
+              <a:defRPr sz="3000" b="0" baseline="0">
+                <a:solidFill>
+                  <a:schemeClr val="tx2"/>
+                </a:solidFill>
+              </a:defRPr>
             </a:lvl1pPr>
             <a:lvl2pPr marL="457200" indent="0">
               <a:buNone/>
@@ -1604,13 +1837,7 @@
       </p:sp>
       <p:sp>
         <p:nvSpPr>
-          <p:cNvPr id="4" name="Content Placeholder 3">
-            <a:extLst>
-              <a:ext uri="{FF2B5EF4-FFF2-40B4-BE49-F238E27FC236}">
-                <a16:creationId xmlns:a16="http://schemas.microsoft.com/office/drawing/2014/main" id="{0DB48DC3-2BE6-B7EA-637D-BB8C570F7801}"/>
-              </a:ext>
-            </a:extLst>
-          </p:cNvPr>
+          <p:cNvPr id="4" name="Content Placeholder 3"/>
           <p:cNvSpPr>
             <a:spLocks noGrp="1"/>
           </p:cNvSpPr>
@@ -1620,13 +1847,49 @@
         </p:nvSpPr>
         <p:spPr>
           <a:xfrm>
-            <a:off x="839788" y="2505075"/>
-            <a:ext cx="5157787" cy="3684588"/>
+            <a:off x="1371600" y="3305207"/>
+            <a:ext cx="4443984" cy="2562193"/>
           </a:xfrm>
         </p:spPr>
         <p:txBody>
           <a:bodyPr/>
-          <a:lstStyle/>
+          <a:lstStyle>
+            <a:lvl1pPr>
+              <a:defRPr baseline="0">
+                <a:solidFill>
+                  <a:schemeClr val="tx2"/>
+                </a:solidFill>
+              </a:defRPr>
+            </a:lvl1pPr>
+            <a:lvl2pPr>
+              <a:defRPr baseline="0">
+                <a:solidFill>
+                  <a:schemeClr val="tx2"/>
+                </a:solidFill>
+              </a:defRPr>
+            </a:lvl2pPr>
+            <a:lvl3pPr>
+              <a:defRPr baseline="0">
+                <a:solidFill>
+                  <a:schemeClr val="tx2"/>
+                </a:solidFill>
+              </a:defRPr>
+            </a:lvl3pPr>
+            <a:lvl4pPr>
+              <a:defRPr baseline="0">
+                <a:solidFill>
+                  <a:schemeClr val="tx2"/>
+                </a:solidFill>
+              </a:defRPr>
+            </a:lvl4pPr>
+            <a:lvl5pPr>
+              <a:defRPr baseline="0">
+                <a:solidFill>
+                  <a:schemeClr val="tx2"/>
+                </a:solidFill>
+              </a:defRPr>
+            </a:lvl5pPr>
+          </a:lstStyle>
           <a:p>
             <a:pPr lvl="0"/>
             <a:r>
@@ -1661,18 +1924,13 @@
               <a:rPr lang="en-US"/>
               <a:t>Fifth level</a:t>
             </a:r>
-          </a:p>
-        </p:txBody>
-      </p:sp>
-      <p:sp>
-        <p:nvSpPr>
-          <p:cNvPr id="5" name="Text Placeholder 4">
-            <a:extLst>
-              <a:ext uri="{FF2B5EF4-FFF2-40B4-BE49-F238E27FC236}">
-                <a16:creationId xmlns:a16="http://schemas.microsoft.com/office/drawing/2014/main" id="{384DBDD8-6F45-F7F9-36C9-B4E951EDE096}"/>
-              </a:ext>
-            </a:extLst>
-          </p:cNvPr>
+            <a:endParaRPr lang="en-US" dirty="0"/>
+          </a:p>
+        </p:txBody>
+      </p:sp>
+      <p:sp>
+        <p:nvSpPr>
+          <p:cNvPr id="5" name="Text Placeholder 4"/>
           <p:cNvSpPr>
             <a:spLocks noGrp="1"/>
           </p:cNvSpPr>
@@ -1682,16 +1940,31 @@
         </p:nvSpPr>
         <p:spPr>
           <a:xfrm>
-            <a:off x="6172200" y="1681163"/>
-            <a:ext cx="5183188" cy="823912"/>
-          </a:xfrm>
-        </p:spPr>
-        <p:txBody>
-          <a:bodyPr anchor="b"/>
+            <a:off x="6525014" y="2340864"/>
+            <a:ext cx="4443984" cy="823912"/>
+          </a:xfrm>
+        </p:spPr>
+        <p:txBody>
+          <a:bodyPr anchor="b">
+            <a:noAutofit/>
+          </a:bodyPr>
           <a:lstStyle>
             <a:lvl1pPr marL="0" indent="0">
+              <a:lnSpc>
+                <a:spcPct val="84000"/>
+              </a:lnSpc>
+              <a:spcBef>
+                <a:spcPts val="0"/>
+              </a:spcBef>
+              <a:spcAft>
+                <a:spcPts val="0"/>
+              </a:spcAft>
               <a:buNone/>
-              <a:defRPr sz="2400" b="1"/>
+              <a:defRPr sz="3000" b="0" baseline="0">
+                <a:solidFill>
+                  <a:schemeClr val="tx2"/>
+                </a:solidFill>
+              </a:defRPr>
             </a:lvl1pPr>
             <a:lvl2pPr marL="457200" indent="0">
               <a:buNone/>
@@ -1737,13 +2010,7 @@
       </p:sp>
       <p:sp>
         <p:nvSpPr>
-          <p:cNvPr id="6" name="Content Placeholder 5">
-            <a:extLst>
-              <a:ext uri="{FF2B5EF4-FFF2-40B4-BE49-F238E27FC236}">
-                <a16:creationId xmlns:a16="http://schemas.microsoft.com/office/drawing/2014/main" id="{90429909-A4E6-70BF-A450-F57EC1E58D37}"/>
-              </a:ext>
-            </a:extLst>
-          </p:cNvPr>
+          <p:cNvPr id="6" name="Content Placeholder 5"/>
           <p:cNvSpPr>
             <a:spLocks noGrp="1"/>
           </p:cNvSpPr>
@@ -1753,64 +2020,118 @@
         </p:nvSpPr>
         <p:spPr>
           <a:xfrm>
-            <a:off x="6172200" y="2505075"/>
-            <a:ext cx="5183188" cy="3684588"/>
-          </a:xfrm>
-        </p:spPr>
+            <a:off x="6525014" y="3305207"/>
+            <a:ext cx="4443984" cy="2562193"/>
+          </a:xfrm>
+        </p:spPr>
+        <p:txBody>
+          <a:bodyPr/>
+          <a:lstStyle>
+            <a:lvl1pPr>
+              <a:defRPr baseline="0">
+                <a:solidFill>
+                  <a:schemeClr val="tx2"/>
+                </a:solidFill>
+              </a:defRPr>
+            </a:lvl1pPr>
+            <a:lvl2pPr>
+              <a:defRPr baseline="0">
+                <a:solidFill>
+                  <a:schemeClr val="tx2"/>
+                </a:solidFill>
+              </a:defRPr>
+            </a:lvl2pPr>
+            <a:lvl3pPr>
+              <a:defRPr baseline="0">
+                <a:solidFill>
+                  <a:schemeClr val="tx2"/>
+                </a:solidFill>
+              </a:defRPr>
+            </a:lvl3pPr>
+            <a:lvl4pPr>
+              <a:defRPr baseline="0">
+                <a:solidFill>
+                  <a:schemeClr val="tx2"/>
+                </a:solidFill>
+              </a:defRPr>
+            </a:lvl4pPr>
+            <a:lvl5pPr>
+              <a:defRPr baseline="0">
+                <a:solidFill>
+                  <a:schemeClr val="tx2"/>
+                </a:solidFill>
+              </a:defRPr>
+            </a:lvl5pPr>
+          </a:lstStyle>
+          <a:p>
+            <a:pPr lvl="0"/>
+            <a:r>
+              <a:rPr lang="en-US"/>
+              <a:t>Click to edit Master text styles</a:t>
+            </a:r>
+          </a:p>
+          <a:p>
+            <a:pPr lvl="1"/>
+            <a:r>
+              <a:rPr lang="en-US"/>
+              <a:t>Second level</a:t>
+            </a:r>
+          </a:p>
+          <a:p>
+            <a:pPr lvl="2"/>
+            <a:r>
+              <a:rPr lang="en-US"/>
+              <a:t>Third level</a:t>
+            </a:r>
+          </a:p>
+          <a:p>
+            <a:pPr lvl="3"/>
+            <a:r>
+              <a:rPr lang="en-US"/>
+              <a:t>Fourth level</a:t>
+            </a:r>
+          </a:p>
+          <a:p>
+            <a:pPr lvl="4"/>
+            <a:r>
+              <a:rPr lang="en-US"/>
+              <a:t>Fifth level</a:t>
+            </a:r>
+            <a:endParaRPr lang="en-US" dirty="0"/>
+          </a:p>
+        </p:txBody>
+      </p:sp>
+      <p:sp>
+        <p:nvSpPr>
+          <p:cNvPr id="7" name="Date Placeholder 6"/>
+          <p:cNvSpPr>
+            <a:spLocks noGrp="1"/>
+          </p:cNvSpPr>
+          <p:nvPr>
+            <p:ph type="dt" sz="half" idx="10"/>
+          </p:nvPr>
+        </p:nvSpPr>
+        <p:spPr/>
         <p:txBody>
           <a:bodyPr/>
           <a:lstStyle/>
           <a:p>
-            <a:pPr lvl="0"/>
-            <a:r>
-              <a:rPr lang="en-US"/>
-              <a:t>Click to edit Master text styles</a:t>
-            </a:r>
-          </a:p>
-          <a:p>
-            <a:pPr lvl="1"/>
-            <a:r>
-              <a:rPr lang="en-US"/>
-              <a:t>Second level</a:t>
-            </a:r>
-          </a:p>
-          <a:p>
-            <a:pPr lvl="2"/>
-            <a:r>
-              <a:rPr lang="en-US"/>
-              <a:t>Third level</a:t>
-            </a:r>
-          </a:p>
-          <a:p>
-            <a:pPr lvl="3"/>
-            <a:r>
-              <a:rPr lang="en-US"/>
-              <a:t>Fourth level</a:t>
-            </a:r>
-          </a:p>
-          <a:p>
-            <a:pPr lvl="4"/>
-            <a:r>
-              <a:rPr lang="en-US"/>
-              <a:t>Fifth level</a:t>
-            </a:r>
-          </a:p>
-        </p:txBody>
-      </p:sp>
-      <p:sp>
-        <p:nvSpPr>
-          <p:cNvPr id="7" name="Date Placeholder 6">
-            <a:extLst>
-              <a:ext uri="{FF2B5EF4-FFF2-40B4-BE49-F238E27FC236}">
-                <a16:creationId xmlns:a16="http://schemas.microsoft.com/office/drawing/2014/main" id="{DDE7C3AB-A0DF-6AAB-C9F3-DBA9449B82CB}"/>
-              </a:ext>
-            </a:extLst>
-          </p:cNvPr>
-          <p:cNvSpPr>
-            <a:spLocks noGrp="1"/>
-          </p:cNvSpPr>
-          <p:nvPr>
-            <p:ph type="dt" sz="half" idx="10"/>
+            <a:fld id="{B47610B7-7070-2342-A63A-E03E53EFBD9E}" type="datetimeFigureOut">
+              <a:rPr lang="en-US" smtClean="0"/>
+              <a:t>9/5/23</a:t>
+            </a:fld>
+            <a:endParaRPr lang="en-US"/>
+          </a:p>
+        </p:txBody>
+      </p:sp>
+      <p:sp>
+        <p:nvSpPr>
+          <p:cNvPr id="8" name="Footer Placeholder 7"/>
+          <p:cNvSpPr>
+            <a:spLocks noGrp="1"/>
+          </p:cNvSpPr>
+          <p:nvPr>
+            <p:ph type="ftr" sz="quarter" idx="11"/>
           </p:nvPr>
         </p:nvSpPr>
         <p:spPr/>
@@ -1818,48 +2139,13 @@
           <a:bodyPr/>
           <a:lstStyle/>
           <a:p>
-            <a:fld id="{B47610B7-7070-2342-A63A-E03E53EFBD9E}" type="datetimeFigureOut">
-              <a:rPr lang="en-US" smtClean="0"/>
-              <a:t>8/25/23</a:t>
-            </a:fld>
             <a:endParaRPr lang="en-US"/>
           </a:p>
         </p:txBody>
       </p:sp>
       <p:sp>
         <p:nvSpPr>
-          <p:cNvPr id="8" name="Footer Placeholder 7">
-            <a:extLst>
-              <a:ext uri="{FF2B5EF4-FFF2-40B4-BE49-F238E27FC236}">
-                <a16:creationId xmlns:a16="http://schemas.microsoft.com/office/drawing/2014/main" id="{0EF04985-646A-2C96-C656-D603336172DA}"/>
-              </a:ext>
-            </a:extLst>
-          </p:cNvPr>
-          <p:cNvSpPr>
-            <a:spLocks noGrp="1"/>
-          </p:cNvSpPr>
-          <p:nvPr>
-            <p:ph type="ftr" sz="quarter" idx="11"/>
-          </p:nvPr>
-        </p:nvSpPr>
-        <p:spPr/>
-        <p:txBody>
-          <a:bodyPr/>
-          <a:lstStyle/>
-          <a:p>
-            <a:endParaRPr lang="en-US"/>
-          </a:p>
-        </p:txBody>
-      </p:sp>
-      <p:sp>
-        <p:nvSpPr>
-          <p:cNvPr id="9" name="Slide Number Placeholder 8">
-            <a:extLst>
-              <a:ext uri="{FF2B5EF4-FFF2-40B4-BE49-F238E27FC236}">
-                <a16:creationId xmlns:a16="http://schemas.microsoft.com/office/drawing/2014/main" id="{7286D46B-633D-0118-0F2B-3F8547D025BF}"/>
-              </a:ext>
-            </a:extLst>
-          </p:cNvPr>
+          <p:cNvPr id="9" name="Slide Number Placeholder 8"/>
           <p:cNvSpPr>
             <a:spLocks noGrp="1"/>
           </p:cNvSpPr>
@@ -1883,7 +2169,7 @@
     </p:spTree>
     <p:extLst>
       <p:ext uri="{BB962C8B-B14F-4D97-AF65-F5344CB8AC3E}">
-        <p14:creationId xmlns:p14="http://schemas.microsoft.com/office/powerpoint/2010/main" val="1222954727"/>
+        <p14:creationId xmlns:p14="http://schemas.microsoft.com/office/powerpoint/2010/main" val="3890414766"/>
       </p:ext>
     </p:extLst>
   </p:cSld>
@@ -1912,13 +2198,7 @@
       </p:grpSpPr>
       <p:sp>
         <p:nvSpPr>
-          <p:cNvPr id="2" name="Title 1">
-            <a:extLst>
-              <a:ext uri="{FF2B5EF4-FFF2-40B4-BE49-F238E27FC236}">
-                <a16:creationId xmlns:a16="http://schemas.microsoft.com/office/drawing/2014/main" id="{2F5DA98C-22AD-5BF3-A983-A111B5A96D6F}"/>
-              </a:ext>
-            </a:extLst>
-          </p:cNvPr>
+          <p:cNvPr id="2" name="Title 1"/>
           <p:cNvSpPr>
             <a:spLocks noGrp="1"/>
           </p:cNvSpPr>
@@ -1935,18 +2215,13 @@
               <a:rPr lang="en-US"/>
               <a:t>Click to edit Master title style</a:t>
             </a:r>
-          </a:p>
-        </p:txBody>
-      </p:sp>
-      <p:sp>
-        <p:nvSpPr>
-          <p:cNvPr id="3" name="Date Placeholder 2">
-            <a:extLst>
-              <a:ext uri="{FF2B5EF4-FFF2-40B4-BE49-F238E27FC236}">
-                <a16:creationId xmlns:a16="http://schemas.microsoft.com/office/drawing/2014/main" id="{61930040-774D-17FD-90FF-DA5ADAED6F93}"/>
-              </a:ext>
-            </a:extLst>
-          </p:cNvPr>
+            <a:endParaRPr lang="en-US" dirty="0"/>
+          </a:p>
+        </p:txBody>
+      </p:sp>
+      <p:sp>
+        <p:nvSpPr>
+          <p:cNvPr id="3" name="Date Placeholder 2"/>
           <p:cNvSpPr>
             <a:spLocks noGrp="1"/>
           </p:cNvSpPr>
@@ -1961,7 +2236,7 @@
           <a:p>
             <a:fld id="{B47610B7-7070-2342-A63A-E03E53EFBD9E}" type="datetimeFigureOut">
               <a:rPr lang="en-US" smtClean="0"/>
-              <a:t>8/25/23</a:t>
+              <a:t>9/5/23</a:t>
             </a:fld>
             <a:endParaRPr lang="en-US"/>
           </a:p>
@@ -1969,13 +2244,7 @@
       </p:sp>
       <p:sp>
         <p:nvSpPr>
-          <p:cNvPr id="4" name="Footer Placeholder 3">
-            <a:extLst>
-              <a:ext uri="{FF2B5EF4-FFF2-40B4-BE49-F238E27FC236}">
-                <a16:creationId xmlns:a16="http://schemas.microsoft.com/office/drawing/2014/main" id="{D73CE44E-3FED-34DF-49A0-93976519F09C}"/>
-              </a:ext>
-            </a:extLst>
-          </p:cNvPr>
+          <p:cNvPr id="4" name="Footer Placeholder 3"/>
           <p:cNvSpPr>
             <a:spLocks noGrp="1"/>
           </p:cNvSpPr>
@@ -1994,13 +2263,7 @@
       </p:sp>
       <p:sp>
         <p:nvSpPr>
-          <p:cNvPr id="5" name="Slide Number Placeholder 4">
-            <a:extLst>
-              <a:ext uri="{FF2B5EF4-FFF2-40B4-BE49-F238E27FC236}">
-                <a16:creationId xmlns:a16="http://schemas.microsoft.com/office/drawing/2014/main" id="{79EFE2AD-2360-4780-D266-E6BCE4EBC193}"/>
-              </a:ext>
-            </a:extLst>
-          </p:cNvPr>
+          <p:cNvPr id="5" name="Slide Number Placeholder 4"/>
           <p:cNvSpPr>
             <a:spLocks noGrp="1"/>
           </p:cNvSpPr>
@@ -2024,7 +2287,7 @@
     </p:spTree>
     <p:extLst>
       <p:ext uri="{BB962C8B-B14F-4D97-AF65-F5344CB8AC3E}">
-        <p14:creationId xmlns:p14="http://schemas.microsoft.com/office/powerpoint/2010/main" val="3045946075"/>
+        <p14:creationId xmlns:p14="http://schemas.microsoft.com/office/powerpoint/2010/main" val="3867461647"/>
       </p:ext>
     </p:extLst>
   </p:cSld>
@@ -2053,13 +2316,7 @@
       </p:grpSpPr>
       <p:sp>
         <p:nvSpPr>
-          <p:cNvPr id="2" name="Date Placeholder 1">
-            <a:extLst>
-              <a:ext uri="{FF2B5EF4-FFF2-40B4-BE49-F238E27FC236}">
-                <a16:creationId xmlns:a16="http://schemas.microsoft.com/office/drawing/2014/main" id="{A909DF25-1F5D-899A-29BB-1286DACA7BAE}"/>
-              </a:ext>
-            </a:extLst>
-          </p:cNvPr>
+          <p:cNvPr id="2" name="Date Placeholder 1"/>
           <p:cNvSpPr>
             <a:spLocks noGrp="1"/>
           </p:cNvSpPr>
@@ -2074,7 +2331,7 @@
           <a:p>
             <a:fld id="{B47610B7-7070-2342-A63A-E03E53EFBD9E}" type="datetimeFigureOut">
               <a:rPr lang="en-US" smtClean="0"/>
-              <a:t>8/25/23</a:t>
+              <a:t>9/5/23</a:t>
             </a:fld>
             <a:endParaRPr lang="en-US"/>
           </a:p>
@@ -2082,13 +2339,7 @@
       </p:sp>
       <p:sp>
         <p:nvSpPr>
-          <p:cNvPr id="3" name="Footer Placeholder 2">
-            <a:extLst>
-              <a:ext uri="{FF2B5EF4-FFF2-40B4-BE49-F238E27FC236}">
-                <a16:creationId xmlns:a16="http://schemas.microsoft.com/office/drawing/2014/main" id="{EC338FB7-DC8B-4C41-B752-5887772E70A7}"/>
-              </a:ext>
-            </a:extLst>
-          </p:cNvPr>
+          <p:cNvPr id="3" name="Footer Placeholder 2"/>
           <p:cNvSpPr>
             <a:spLocks noGrp="1"/>
           </p:cNvSpPr>
@@ -2107,13 +2358,7 @@
       </p:sp>
       <p:sp>
         <p:nvSpPr>
-          <p:cNvPr id="4" name="Slide Number Placeholder 3">
-            <a:extLst>
-              <a:ext uri="{FF2B5EF4-FFF2-40B4-BE49-F238E27FC236}">
-                <a16:creationId xmlns:a16="http://schemas.microsoft.com/office/drawing/2014/main" id="{47013256-2D17-7C50-FEB9-BDD44B7F6A0D}"/>
-              </a:ext>
-            </a:extLst>
-          </p:cNvPr>
+          <p:cNvPr id="4" name="Slide Number Placeholder 3"/>
           <p:cNvSpPr>
             <a:spLocks noGrp="1"/>
           </p:cNvSpPr>
@@ -2137,7 +2382,7 @@
     </p:spTree>
     <p:extLst>
       <p:ext uri="{BB962C8B-B14F-4D97-AF65-F5344CB8AC3E}">
-        <p14:creationId xmlns:p14="http://schemas.microsoft.com/office/powerpoint/2010/main" val="3205301845"/>
+        <p14:creationId xmlns:p14="http://schemas.microsoft.com/office/powerpoint/2010/main" val="1837189266"/>
       </p:ext>
     </p:extLst>
   </p:cSld>
@@ -2148,7 +2393,7 @@
 </file>
 
 <file path=ppt/slideLayouts/slideLayout8.xml><?xml version="1.0" encoding="utf-8"?>
-<p:sldLayout xmlns:a="http://schemas.openxmlformats.org/drawingml/2006/main" xmlns:r="http://schemas.openxmlformats.org/officeDocument/2006/relationships" xmlns:p="http://schemas.openxmlformats.org/presentationml/2006/main" type="objTx" preserve="1">
+<p:sldLayout xmlns:a="http://schemas.openxmlformats.org/drawingml/2006/main" xmlns:r="http://schemas.openxmlformats.org/officeDocument/2006/relationships" xmlns:p="http://schemas.openxmlformats.org/presentationml/2006/main" showMasterSp="0" type="objTx" preserve="1">
   <p:cSld name="Content with Caption">
     <p:spTree>
       <p:nvGrpSpPr>
@@ -2166,13 +2411,45 @@
       </p:grpSpPr>
       <p:sp>
         <p:nvSpPr>
-          <p:cNvPr id="2" name="Title 1">
-            <a:extLst>
-              <a:ext uri="{FF2B5EF4-FFF2-40B4-BE49-F238E27FC236}">
-                <a16:creationId xmlns:a16="http://schemas.microsoft.com/office/drawing/2014/main" id="{B153E11D-6872-AD54-EDC8-7EA14A8FF01B}"/>
-              </a:ext>
-            </a:extLst>
-          </p:cNvPr>
+          <p:cNvPr id="8" name="Rectangle 7" title="Background Shape"/>
+          <p:cNvSpPr/>
+          <p:nvPr/>
+        </p:nvSpPr>
+        <p:spPr>
+          <a:xfrm>
+            <a:off x="0" y="376"/>
+            <a:ext cx="5303520" cy="6857624"/>
+          </a:xfrm>
+          <a:prstGeom prst="rect">
+            <a:avLst/>
+          </a:prstGeom>
+          <a:solidFill>
+            <a:schemeClr val="accent1"/>
+          </a:solidFill>
+          <a:ln>
+            <a:noFill/>
+          </a:ln>
+        </p:spPr>
+        <p:style>
+          <a:lnRef idx="2">
+            <a:schemeClr val="accent1">
+              <a:shade val="50000"/>
+            </a:schemeClr>
+          </a:lnRef>
+          <a:fillRef idx="1">
+            <a:schemeClr val="accent1"/>
+          </a:fillRef>
+          <a:effectRef idx="0">
+            <a:schemeClr val="accent1"/>
+          </a:effectRef>
+          <a:fontRef idx="minor">
+            <a:schemeClr val="lt1"/>
+          </a:fontRef>
+        </p:style>
+      </p:sp>
+      <p:sp>
+        <p:nvSpPr>
+          <p:cNvPr id="2" name="Title 1"/>
           <p:cNvSpPr>
             <a:spLocks noGrp="1"/>
           </p:cNvSpPr>
@@ -2182,15 +2459,24 @@
         </p:nvSpPr>
         <p:spPr>
           <a:xfrm>
-            <a:off x="839788" y="457200"/>
-            <a:ext cx="3932237" cy="1600200"/>
-          </a:xfrm>
-        </p:spPr>
-        <p:txBody>
-          <a:bodyPr anchor="b"/>
+            <a:off x="723900" y="685800"/>
+            <a:ext cx="3855720" cy="2157884"/>
+          </a:xfrm>
+        </p:spPr>
+        <p:txBody>
+          <a:bodyPr anchor="t">
+            <a:noAutofit/>
+          </a:bodyPr>
           <a:lstStyle>
             <a:lvl1pPr>
-              <a:defRPr sz="3200"/>
+              <a:lnSpc>
+                <a:spcPct val="84000"/>
+              </a:lnSpc>
+              <a:defRPr sz="4800" baseline="0">
+                <a:solidFill>
+                  <a:schemeClr val="tx2"/>
+                </a:solidFill>
+              </a:defRPr>
             </a:lvl1pPr>
           </a:lstStyle>
           <a:p>
@@ -2198,18 +2484,13 @@
               <a:rPr lang="en-US"/>
               <a:t>Click to edit Master title style</a:t>
             </a:r>
-          </a:p>
-        </p:txBody>
-      </p:sp>
-      <p:sp>
-        <p:nvSpPr>
-          <p:cNvPr id="3" name="Content Placeholder 2">
-            <a:extLst>
-              <a:ext uri="{FF2B5EF4-FFF2-40B4-BE49-F238E27FC236}">
-                <a16:creationId xmlns:a16="http://schemas.microsoft.com/office/drawing/2014/main" id="{B01E33CF-651B-E58C-EED3-6C6149BE00BD}"/>
-              </a:ext>
-            </a:extLst>
-          </p:cNvPr>
+            <a:endParaRPr lang="en-US" dirty="0"/>
+          </a:p>
+        </p:txBody>
+      </p:sp>
+      <p:sp>
+        <p:nvSpPr>
+          <p:cNvPr id="3" name="Content Placeholder 2"/>
           <p:cNvSpPr>
             <a:spLocks noGrp="1"/>
           </p:cNvSpPr>
@@ -2219,39 +2500,39 @@
         </p:nvSpPr>
         <p:spPr>
           <a:xfrm>
-            <a:off x="5183188" y="987425"/>
-            <a:ext cx="6172200" cy="4873625"/>
+            <a:off x="6256020" y="685801"/>
+            <a:ext cx="5212080" cy="5175250"/>
           </a:xfrm>
         </p:spPr>
         <p:txBody>
           <a:bodyPr/>
           <a:lstStyle>
             <a:lvl1pPr>
-              <a:defRPr sz="3200"/>
+              <a:defRPr sz="2000"/>
             </a:lvl1pPr>
             <a:lvl2pPr>
-              <a:defRPr sz="2800"/>
+              <a:defRPr sz="2000"/>
             </a:lvl2pPr>
             <a:lvl3pPr>
-              <a:defRPr sz="2400"/>
+              <a:defRPr sz="1800"/>
             </a:lvl3pPr>
             <a:lvl4pPr>
-              <a:defRPr sz="2000"/>
+              <a:defRPr sz="1800"/>
             </a:lvl4pPr>
             <a:lvl5pPr>
-              <a:defRPr sz="2000"/>
+              <a:defRPr sz="1600"/>
             </a:lvl5pPr>
             <a:lvl6pPr>
-              <a:defRPr sz="2000"/>
+              <a:defRPr sz="1600"/>
             </a:lvl6pPr>
             <a:lvl7pPr>
-              <a:defRPr sz="2000"/>
+              <a:defRPr sz="1600"/>
             </a:lvl7pPr>
             <a:lvl8pPr>
-              <a:defRPr sz="2000"/>
+              <a:defRPr sz="1600"/>
             </a:lvl8pPr>
             <a:lvl9pPr>
-              <a:defRPr sz="2000"/>
+              <a:defRPr sz="1600"/>
             </a:lvl9pPr>
           </a:lstStyle>
           <a:p>
@@ -2288,18 +2569,13 @@
               <a:rPr lang="en-US"/>
               <a:t>Fifth level</a:t>
             </a:r>
-          </a:p>
-        </p:txBody>
-      </p:sp>
-      <p:sp>
-        <p:nvSpPr>
-          <p:cNvPr id="4" name="Text Placeholder 3">
-            <a:extLst>
-              <a:ext uri="{FF2B5EF4-FFF2-40B4-BE49-F238E27FC236}">
-                <a16:creationId xmlns:a16="http://schemas.microsoft.com/office/drawing/2014/main" id="{5A500690-6B09-4C79-D9F6-F8D07ED0462D}"/>
-              </a:ext>
-            </a:extLst>
-          </p:cNvPr>
+            <a:endParaRPr lang="en-US" dirty="0"/>
+          </a:p>
+        </p:txBody>
+      </p:sp>
+      <p:sp>
+        <p:nvSpPr>
+          <p:cNvPr id="4" name="Text Placeholder 3"/>
           <p:cNvSpPr>
             <a:spLocks noGrp="1"/>
           </p:cNvSpPr>
@@ -2309,14 +2585,23 @@
         </p:nvSpPr>
         <p:spPr>
           <a:xfrm>
-            <a:off x="839788" y="2057400"/>
-            <a:ext cx="3932237" cy="3811588"/>
+            <a:off x="723900" y="2856344"/>
+            <a:ext cx="3855720" cy="3011056"/>
           </a:xfrm>
         </p:spPr>
         <p:txBody>
           <a:bodyPr/>
           <a:lstStyle>
             <a:lvl1pPr marL="0" indent="0">
+              <a:lnSpc>
+                <a:spcPct val="113000"/>
+              </a:lnSpc>
+              <a:spcBef>
+                <a:spcPts val="0"/>
+              </a:spcBef>
+              <a:spcAft>
+                <a:spcPts val="1500"/>
+              </a:spcAft>
               <a:buNone/>
               <a:defRPr sz="1600"/>
             </a:lvl1pPr>
@@ -2364,13 +2649,7 @@
       </p:sp>
       <p:sp>
         <p:nvSpPr>
-          <p:cNvPr id="5" name="Date Placeholder 4">
-            <a:extLst>
-              <a:ext uri="{FF2B5EF4-FFF2-40B4-BE49-F238E27FC236}">
-                <a16:creationId xmlns:a16="http://schemas.microsoft.com/office/drawing/2014/main" id="{B2FC1105-9A1A-4BCA-D65E-3CC064C4E1E9}"/>
-              </a:ext>
-            </a:extLst>
-          </p:cNvPr>
+          <p:cNvPr id="5" name="Date Placeholder 4"/>
           <p:cNvSpPr>
             <a:spLocks noGrp="1"/>
           </p:cNvSpPr>
@@ -2378,14 +2657,27 @@
             <p:ph type="dt" sz="half" idx="10"/>
           </p:nvPr>
         </p:nvSpPr>
-        <p:spPr/>
+        <p:spPr>
+          <a:xfrm>
+            <a:off x="723900" y="6453386"/>
+            <a:ext cx="1204572" cy="404614"/>
+          </a:xfrm>
+        </p:spPr>
         <p:txBody>
           <a:bodyPr/>
-          <a:lstStyle/>
+          <a:lstStyle>
+            <a:lvl1pPr>
+              <a:defRPr>
+                <a:solidFill>
+                  <a:schemeClr val="tx2"/>
+                </a:solidFill>
+              </a:defRPr>
+            </a:lvl1pPr>
+          </a:lstStyle>
           <a:p>
             <a:fld id="{B47610B7-7070-2342-A63A-E03E53EFBD9E}" type="datetimeFigureOut">
               <a:rPr lang="en-US" smtClean="0"/>
-              <a:t>8/25/23</a:t>
+              <a:t>9/5/23</a:t>
             </a:fld>
             <a:endParaRPr lang="en-US"/>
           </a:p>
@@ -2393,13 +2685,7 @@
       </p:sp>
       <p:sp>
         <p:nvSpPr>
-          <p:cNvPr id="6" name="Footer Placeholder 5">
-            <a:extLst>
-              <a:ext uri="{FF2B5EF4-FFF2-40B4-BE49-F238E27FC236}">
-                <a16:creationId xmlns:a16="http://schemas.microsoft.com/office/drawing/2014/main" id="{4B0827D1-F9DA-F2E2-6B1B-9A9FD9F98A6B}"/>
-              </a:ext>
-            </a:extLst>
-          </p:cNvPr>
+          <p:cNvPr id="6" name="Footer Placeholder 5"/>
           <p:cNvSpPr>
             <a:spLocks noGrp="1"/>
           </p:cNvSpPr>
@@ -2407,10 +2693,23 @@
             <p:ph type="ftr" sz="quarter" idx="11"/>
           </p:nvPr>
         </p:nvSpPr>
-        <p:spPr/>
+        <p:spPr>
+          <a:xfrm>
+            <a:off x="2205945" y="6453386"/>
+            <a:ext cx="2373675" cy="404614"/>
+          </a:xfrm>
+        </p:spPr>
         <p:txBody>
           <a:bodyPr/>
-          <a:lstStyle/>
+          <a:lstStyle>
+            <a:lvl1pPr>
+              <a:defRPr>
+                <a:solidFill>
+                  <a:schemeClr val="tx2"/>
+                </a:solidFill>
+              </a:defRPr>
+            </a:lvl1pPr>
+          </a:lstStyle>
           <a:p>
             <a:endParaRPr lang="en-US"/>
           </a:p>
@@ -2418,13 +2717,7 @@
       </p:sp>
       <p:sp>
         <p:nvSpPr>
-          <p:cNvPr id="7" name="Slide Number Placeholder 6">
-            <a:extLst>
-              <a:ext uri="{FF2B5EF4-FFF2-40B4-BE49-F238E27FC236}">
-                <a16:creationId xmlns:a16="http://schemas.microsoft.com/office/drawing/2014/main" id="{BC04BC8E-70A4-896C-45DD-8D98C837067B}"/>
-              </a:ext>
-            </a:extLst>
-          </p:cNvPr>
+          <p:cNvPr id="7" name="Slide Number Placeholder 6"/>
           <p:cNvSpPr>
             <a:spLocks noGrp="1"/>
           </p:cNvSpPr>
@@ -2432,10 +2725,23 @@
             <p:ph type="sldNum" sz="quarter" idx="12"/>
           </p:nvPr>
         </p:nvSpPr>
-        <p:spPr/>
+        <p:spPr>
+          <a:xfrm>
+            <a:off x="9883140" y="6453386"/>
+            <a:ext cx="1596292" cy="404614"/>
+          </a:xfrm>
+        </p:spPr>
         <p:txBody>
           <a:bodyPr/>
-          <a:lstStyle/>
+          <a:lstStyle>
+            <a:lvl1pPr>
+              <a:defRPr>
+                <a:solidFill>
+                  <a:schemeClr val="tx2"/>
+                </a:solidFill>
+              </a:defRPr>
+            </a:lvl1pPr>
+          </a:lstStyle>
           <a:p>
             <a:fld id="{E73BB8CC-CF95-464F-AA3F-8D059CA33591}" type="slidenum">
               <a:rPr lang="en-US" smtClean="0"/>
@@ -2445,10 +2751,48 @@
           </a:p>
         </p:txBody>
       </p:sp>
+      <p:sp>
+        <p:nvSpPr>
+          <p:cNvPr id="9" name="Rectangle 8" title="Divider Bar"/>
+          <p:cNvSpPr/>
+          <p:nvPr/>
+        </p:nvSpPr>
+        <p:spPr>
+          <a:xfrm>
+            <a:off x="5303520" y="376"/>
+            <a:ext cx="228600" cy="6858000"/>
+          </a:xfrm>
+          <a:prstGeom prst="rect">
+            <a:avLst/>
+          </a:prstGeom>
+          <a:solidFill>
+            <a:schemeClr val="tx2"/>
+          </a:solidFill>
+          <a:ln>
+            <a:noFill/>
+          </a:ln>
+        </p:spPr>
+        <p:style>
+          <a:lnRef idx="2">
+            <a:schemeClr val="accent1">
+              <a:shade val="50000"/>
+            </a:schemeClr>
+          </a:lnRef>
+          <a:fillRef idx="1">
+            <a:schemeClr val="accent1"/>
+          </a:fillRef>
+          <a:effectRef idx="0">
+            <a:schemeClr val="accent1"/>
+          </a:effectRef>
+          <a:fontRef idx="minor">
+            <a:schemeClr val="lt1"/>
+          </a:fontRef>
+        </p:style>
+      </p:sp>
     </p:spTree>
     <p:extLst>
       <p:ext uri="{BB962C8B-B14F-4D97-AF65-F5344CB8AC3E}">
-        <p14:creationId xmlns:p14="http://schemas.microsoft.com/office/powerpoint/2010/main" val="4286791937"/>
+        <p14:creationId xmlns:p14="http://schemas.microsoft.com/office/powerpoint/2010/main" val="3553092308"/>
       </p:ext>
     </p:extLst>
   </p:cSld>
@@ -2459,7 +2803,7 @@
 </file>
 
 <file path=ppt/slideLayouts/slideLayout9.xml><?xml version="1.0" encoding="utf-8"?>
-<p:sldLayout xmlns:a="http://schemas.openxmlformats.org/drawingml/2006/main" xmlns:r="http://schemas.openxmlformats.org/officeDocument/2006/relationships" xmlns:p="http://schemas.openxmlformats.org/presentationml/2006/main" type="picTx" preserve="1">
+<p:sldLayout xmlns:a="http://schemas.openxmlformats.org/drawingml/2006/main" xmlns:r="http://schemas.openxmlformats.org/officeDocument/2006/relationships" xmlns:p="http://schemas.openxmlformats.org/presentationml/2006/main" showMasterSp="0" type="picTx" preserve="1">
   <p:cSld name="Picture with Caption">
     <p:spTree>
       <p:nvGrpSpPr>
@@ -2477,13 +2821,45 @@
       </p:grpSpPr>
       <p:sp>
         <p:nvSpPr>
-          <p:cNvPr id="2" name="Title 1">
-            <a:extLst>
-              <a:ext uri="{FF2B5EF4-FFF2-40B4-BE49-F238E27FC236}">
-                <a16:creationId xmlns:a16="http://schemas.microsoft.com/office/drawing/2014/main" id="{56078B6D-B2BD-4AF2-5111-642D915F3C05}"/>
-              </a:ext>
-            </a:extLst>
-          </p:cNvPr>
+          <p:cNvPr id="8" name="Rectangle 7" title="Background Shape"/>
+          <p:cNvSpPr/>
+          <p:nvPr/>
+        </p:nvSpPr>
+        <p:spPr>
+          <a:xfrm>
+            <a:off x="0" y="376"/>
+            <a:ext cx="5303520" cy="6857624"/>
+          </a:xfrm>
+          <a:prstGeom prst="rect">
+            <a:avLst/>
+          </a:prstGeom>
+          <a:solidFill>
+            <a:schemeClr val="accent1"/>
+          </a:solidFill>
+          <a:ln>
+            <a:noFill/>
+          </a:ln>
+        </p:spPr>
+        <p:style>
+          <a:lnRef idx="2">
+            <a:schemeClr val="accent1">
+              <a:shade val="50000"/>
+            </a:schemeClr>
+          </a:lnRef>
+          <a:fillRef idx="1">
+            <a:schemeClr val="accent1"/>
+          </a:fillRef>
+          <a:effectRef idx="0">
+            <a:schemeClr val="accent1"/>
+          </a:effectRef>
+          <a:fontRef idx="minor">
+            <a:schemeClr val="lt1"/>
+          </a:fontRef>
+        </p:style>
+      </p:sp>
+      <p:sp>
+        <p:nvSpPr>
+          <p:cNvPr id="2" name="Title 1"/>
           <p:cNvSpPr>
             <a:spLocks noGrp="1"/>
           </p:cNvSpPr>
@@ -2493,15 +2869,20 @@
         </p:nvSpPr>
         <p:spPr>
           <a:xfrm>
-            <a:off x="839788" y="457200"/>
-            <a:ext cx="3932237" cy="1600200"/>
-          </a:xfrm>
-        </p:spPr>
-        <p:txBody>
-          <a:bodyPr anchor="b"/>
+            <a:off x="723900" y="685800"/>
+            <a:ext cx="3855720" cy="2157884"/>
+          </a:xfrm>
+        </p:spPr>
+        <p:txBody>
+          <a:bodyPr anchor="t">
+            <a:normAutofit/>
+          </a:bodyPr>
           <a:lstStyle>
             <a:lvl1pPr>
-              <a:defRPr sz="3200"/>
+              <a:lnSpc>
+                <a:spcPct val="84000"/>
+              </a:lnSpc>
+              <a:defRPr sz="4800" baseline="0"/>
             </a:lvl1pPr>
           </a:lstStyle>
           <a:p>
@@ -2509,20 +2890,15 @@
               <a:rPr lang="en-US"/>
               <a:t>Click to edit Master title style</a:t>
             </a:r>
-          </a:p>
-        </p:txBody>
-      </p:sp>
-      <p:sp>
-        <p:nvSpPr>
-          <p:cNvPr id="3" name="Picture Placeholder 2">
-            <a:extLst>
-              <a:ext uri="{FF2B5EF4-FFF2-40B4-BE49-F238E27FC236}">
-                <a16:creationId xmlns:a16="http://schemas.microsoft.com/office/drawing/2014/main" id="{F69B5836-2913-3AC5-01D0-40A8FBBA3253}"/>
-              </a:ext>
-            </a:extLst>
-          </p:cNvPr>
-          <p:cNvSpPr>
-            <a:spLocks noGrp="1"/>
+            <a:endParaRPr lang="en-US" dirty="0"/>
+          </a:p>
+        </p:txBody>
+      </p:sp>
+      <p:sp>
+        <p:nvSpPr>
+          <p:cNvPr id="3" name="Picture Placeholder 2"/>
+          <p:cNvSpPr>
+            <a:spLocks noGrp="1" noChangeAspect="1"/>
           </p:cNvSpPr>
           <p:nvPr>
             <p:ph type="pic" idx="1"/>
@@ -2530,24 +2906,26 @@
         </p:nvSpPr>
         <p:spPr>
           <a:xfrm>
-            <a:off x="5183188" y="987425"/>
-            <a:ext cx="6172200" cy="4873625"/>
-          </a:xfrm>
-        </p:spPr>
-        <p:txBody>
-          <a:bodyPr/>
+            <a:off x="5532120" y="0"/>
+            <a:ext cx="6659880" cy="6857999"/>
+          </a:xfrm>
+        </p:spPr>
+        <p:txBody>
+          <a:bodyPr anchor="t">
+            <a:normAutofit/>
+          </a:bodyPr>
           <a:lstStyle>
             <a:lvl1pPr marL="0" indent="0">
               <a:buNone/>
-              <a:defRPr sz="3200"/>
+              <a:defRPr sz="2000"/>
             </a:lvl1pPr>
             <a:lvl2pPr marL="457200" indent="0">
               <a:buNone/>
-              <a:defRPr sz="2800"/>
+              <a:defRPr sz="2000"/>
             </a:lvl2pPr>
             <a:lvl3pPr marL="914400" indent="0">
               <a:buNone/>
-              <a:defRPr sz="2400"/>
+              <a:defRPr sz="2000"/>
             </a:lvl3pPr>
             <a:lvl4pPr marL="1371600" indent="0">
               <a:buNone/>
@@ -2575,19 +2953,17 @@
             </a:lvl9pPr>
           </a:lstStyle>
           <a:p>
-            <a:endParaRPr lang="en-US"/>
-          </a:p>
-        </p:txBody>
-      </p:sp>
-      <p:sp>
-        <p:nvSpPr>
-          <p:cNvPr id="4" name="Text Placeholder 3">
-            <a:extLst>
-              <a:ext uri="{FF2B5EF4-FFF2-40B4-BE49-F238E27FC236}">
-                <a16:creationId xmlns:a16="http://schemas.microsoft.com/office/drawing/2014/main" id="{64FF6619-1DA8-561D-2121-EEDB018767BE}"/>
-              </a:ext>
-            </a:extLst>
-          </p:cNvPr>
+            <a:r>
+              <a:rPr lang="en-US"/>
+              <a:t>Click icon to add picture</a:t>
+            </a:r>
+            <a:endParaRPr lang="en-US" dirty="0"/>
+          </a:p>
+        </p:txBody>
+      </p:sp>
+      <p:sp>
+        <p:nvSpPr>
+          <p:cNvPr id="4" name="Text Placeholder 3"/>
           <p:cNvSpPr>
             <a:spLocks noGrp="1"/>
           </p:cNvSpPr>
@@ -2597,14 +2973,23 @@
         </p:nvSpPr>
         <p:spPr>
           <a:xfrm>
-            <a:off x="839788" y="2057400"/>
-            <a:ext cx="3932237" cy="3811588"/>
+            <a:off x="723900" y="2855968"/>
+            <a:ext cx="3855720" cy="3011432"/>
           </a:xfrm>
         </p:spPr>
         <p:txBody>
           <a:bodyPr/>
           <a:lstStyle>
             <a:lvl1pPr marL="0" indent="0">
+              <a:lnSpc>
+                <a:spcPct val="113000"/>
+              </a:lnSpc>
+              <a:spcBef>
+                <a:spcPts val="0"/>
+              </a:spcBef>
+              <a:spcAft>
+                <a:spcPts val="1500"/>
+              </a:spcAft>
               <a:buNone/>
               <a:defRPr sz="1600"/>
             </a:lvl1pPr>
@@ -2652,13 +3037,7 @@
       </p:sp>
       <p:sp>
         <p:nvSpPr>
-          <p:cNvPr id="5" name="Date Placeholder 4">
-            <a:extLst>
-              <a:ext uri="{FF2B5EF4-FFF2-40B4-BE49-F238E27FC236}">
-                <a16:creationId xmlns:a16="http://schemas.microsoft.com/office/drawing/2014/main" id="{C8173498-5483-0AAF-D2DE-848455A17005}"/>
-              </a:ext>
-            </a:extLst>
-          </p:cNvPr>
+          <p:cNvPr id="5" name="Date Placeholder 4"/>
           <p:cNvSpPr>
             <a:spLocks noGrp="1"/>
           </p:cNvSpPr>
@@ -2666,14 +3045,27 @@
             <p:ph type="dt" sz="half" idx="10"/>
           </p:nvPr>
         </p:nvSpPr>
-        <p:spPr/>
+        <p:spPr>
+          <a:xfrm>
+            <a:off x="723900" y="6453386"/>
+            <a:ext cx="1204572" cy="404614"/>
+          </a:xfrm>
+        </p:spPr>
         <p:txBody>
           <a:bodyPr/>
-          <a:lstStyle/>
+          <a:lstStyle>
+            <a:lvl1pPr>
+              <a:defRPr>
+                <a:solidFill>
+                  <a:schemeClr val="tx2"/>
+                </a:solidFill>
+              </a:defRPr>
+            </a:lvl1pPr>
+          </a:lstStyle>
           <a:p>
             <a:fld id="{B47610B7-7070-2342-A63A-E03E53EFBD9E}" type="datetimeFigureOut">
               <a:rPr lang="en-US" smtClean="0"/>
-              <a:t>8/25/23</a:t>
+              <a:t>9/5/23</a:t>
             </a:fld>
             <a:endParaRPr lang="en-US"/>
           </a:p>
@@ -2681,13 +3073,7 @@
       </p:sp>
       <p:sp>
         <p:nvSpPr>
-          <p:cNvPr id="6" name="Footer Placeholder 5">
-            <a:extLst>
-              <a:ext uri="{FF2B5EF4-FFF2-40B4-BE49-F238E27FC236}">
-                <a16:creationId xmlns:a16="http://schemas.microsoft.com/office/drawing/2014/main" id="{BAF7FFA1-9696-6820-2247-891EB967EF67}"/>
-              </a:ext>
-            </a:extLst>
-          </p:cNvPr>
+          <p:cNvPr id="6" name="Footer Placeholder 5"/>
           <p:cNvSpPr>
             <a:spLocks noGrp="1"/>
           </p:cNvSpPr>
@@ -2695,10 +3081,23 @@
             <p:ph type="ftr" sz="quarter" idx="11"/>
           </p:nvPr>
         </p:nvSpPr>
-        <p:spPr/>
+        <p:spPr>
+          <a:xfrm>
+            <a:off x="2205945" y="6453386"/>
+            <a:ext cx="2373675" cy="404614"/>
+          </a:xfrm>
+        </p:spPr>
         <p:txBody>
           <a:bodyPr/>
-          <a:lstStyle/>
+          <a:lstStyle>
+            <a:lvl1pPr>
+              <a:defRPr>
+                <a:solidFill>
+                  <a:schemeClr val="tx2"/>
+                </a:solidFill>
+              </a:defRPr>
+            </a:lvl1pPr>
+          </a:lstStyle>
           <a:p>
             <a:endParaRPr lang="en-US"/>
           </a:p>
@@ -2706,13 +3105,7 @@
       </p:sp>
       <p:sp>
         <p:nvSpPr>
-          <p:cNvPr id="7" name="Slide Number Placeholder 6">
-            <a:extLst>
-              <a:ext uri="{FF2B5EF4-FFF2-40B4-BE49-F238E27FC236}">
-                <a16:creationId xmlns:a16="http://schemas.microsoft.com/office/drawing/2014/main" id="{C3C9F244-FD67-4322-0D58-BDC176C7451E}"/>
-              </a:ext>
-            </a:extLst>
-          </p:cNvPr>
+          <p:cNvPr id="7" name="Slide Number Placeholder 6"/>
           <p:cNvSpPr>
             <a:spLocks noGrp="1"/>
           </p:cNvSpPr>
@@ -2720,10 +3113,23 @@
             <p:ph type="sldNum" sz="quarter" idx="12"/>
           </p:nvPr>
         </p:nvSpPr>
-        <p:spPr/>
+        <p:spPr>
+          <a:xfrm>
+            <a:off x="9883140" y="6453386"/>
+            <a:ext cx="1596292" cy="404614"/>
+          </a:xfrm>
+        </p:spPr>
         <p:txBody>
           <a:bodyPr/>
-          <a:lstStyle/>
+          <a:lstStyle>
+            <a:lvl1pPr>
+              <a:defRPr>
+                <a:solidFill>
+                  <a:schemeClr val="tx2"/>
+                </a:solidFill>
+              </a:defRPr>
+            </a:lvl1pPr>
+          </a:lstStyle>
           <a:p>
             <a:fld id="{E73BB8CC-CF95-464F-AA3F-8D059CA33591}" type="slidenum">
               <a:rPr lang="en-US" smtClean="0"/>
@@ -2733,10 +3139,48 @@
           </a:p>
         </p:txBody>
       </p:sp>
+      <p:sp>
+        <p:nvSpPr>
+          <p:cNvPr id="9" name="Rectangle 8" title="Divider Bar"/>
+          <p:cNvSpPr/>
+          <p:nvPr/>
+        </p:nvSpPr>
+        <p:spPr>
+          <a:xfrm>
+            <a:off x="5303520" y="376"/>
+            <a:ext cx="228600" cy="6858000"/>
+          </a:xfrm>
+          <a:prstGeom prst="rect">
+            <a:avLst/>
+          </a:prstGeom>
+          <a:solidFill>
+            <a:schemeClr val="tx2"/>
+          </a:solidFill>
+          <a:ln>
+            <a:noFill/>
+          </a:ln>
+        </p:spPr>
+        <p:style>
+          <a:lnRef idx="2">
+            <a:schemeClr val="accent1">
+              <a:shade val="50000"/>
+            </a:schemeClr>
+          </a:lnRef>
+          <a:fillRef idx="1">
+            <a:schemeClr val="accent1"/>
+          </a:fillRef>
+          <a:effectRef idx="0">
+            <a:schemeClr val="accent1"/>
+          </a:effectRef>
+          <a:fontRef idx="minor">
+            <a:schemeClr val="lt1"/>
+          </a:fontRef>
+        </p:style>
+      </p:sp>
     </p:spTree>
     <p:extLst>
       <p:ext uri="{BB962C8B-B14F-4D97-AF65-F5344CB8AC3E}">
-        <p14:creationId xmlns:p14="http://schemas.microsoft.com/office/powerpoint/2010/main" val="3313243429"/>
+        <p14:creationId xmlns:p14="http://schemas.microsoft.com/office/powerpoint/2010/main" val="4034368923"/>
       </p:ext>
     </p:extLst>
   </p:cSld>
@@ -2750,9 +3194,12 @@
 <p:sldMaster xmlns:a="http://schemas.openxmlformats.org/drawingml/2006/main" xmlns:r="http://schemas.openxmlformats.org/officeDocument/2006/relationships" xmlns:p="http://schemas.openxmlformats.org/presentationml/2006/main">
   <p:cSld>
     <p:bg>
-      <p:bgRef idx="1001">
-        <a:schemeClr val="bg1"/>
-      </p:bgRef>
+      <p:bgPr>
+        <a:solidFill>
+          <a:schemeClr val="bg2"/>
+        </a:solidFill>
+        <a:effectLst/>
+      </p:bgPr>
     </p:bg>
     <p:spTree>
       <p:nvGrpSpPr>
@@ -2770,13 +3217,7 @@
       </p:grpSpPr>
       <p:sp>
         <p:nvSpPr>
-          <p:cNvPr id="2" name="Title Placeholder 1">
-            <a:extLst>
-              <a:ext uri="{FF2B5EF4-FFF2-40B4-BE49-F238E27FC236}">
-                <a16:creationId xmlns:a16="http://schemas.microsoft.com/office/drawing/2014/main" id="{AD7DDF03-2AA4-BBD5-BD93-3B026849F80F}"/>
-              </a:ext>
-            </a:extLst>
-          </p:cNvPr>
+          <p:cNvPr id="2" name="Title Placeholder 1"/>
           <p:cNvSpPr>
             <a:spLocks noGrp="1"/>
           </p:cNvSpPr>
@@ -2786,15 +3227,15 @@
         </p:nvSpPr>
         <p:spPr>
           <a:xfrm>
-            <a:off x="838200" y="365125"/>
-            <a:ext cx="10515600" cy="1325563"/>
+            <a:off x="1371600" y="685800"/>
+            <a:ext cx="9601200" cy="1485900"/>
           </a:xfrm>
           <a:prstGeom prst="rect">
             <a:avLst/>
           </a:prstGeom>
         </p:spPr>
         <p:txBody>
-          <a:bodyPr vert="horz" lIns="91440" tIns="45720" rIns="91440" bIns="45720" rtlCol="0" anchor="ctr">
+          <a:bodyPr vert="horz" lIns="91440" tIns="45720" rIns="91440" bIns="45720" rtlCol="0" anchor="t">
             <a:normAutofit/>
           </a:bodyPr>
           <a:lstStyle/>
@@ -2803,18 +3244,13 @@
               <a:rPr lang="en-US"/>
               <a:t>Click to edit Master title style</a:t>
             </a:r>
-          </a:p>
-        </p:txBody>
-      </p:sp>
-      <p:sp>
-        <p:nvSpPr>
-          <p:cNvPr id="3" name="Text Placeholder 2">
-            <a:extLst>
-              <a:ext uri="{FF2B5EF4-FFF2-40B4-BE49-F238E27FC236}">
-                <a16:creationId xmlns:a16="http://schemas.microsoft.com/office/drawing/2014/main" id="{BBC7CAC6-4A8D-1E73-CFC2-78D7DAF32542}"/>
-              </a:ext>
-            </a:extLst>
-          </p:cNvPr>
+            <a:endParaRPr lang="en-US" dirty="0"/>
+          </a:p>
+        </p:txBody>
+      </p:sp>
+      <p:sp>
+        <p:nvSpPr>
+          <p:cNvPr id="3" name="Text Placeholder 2"/>
           <p:cNvSpPr>
             <a:spLocks noGrp="1"/>
           </p:cNvSpPr>
@@ -2824,8 +3260,8 @@
         </p:nvSpPr>
         <p:spPr>
           <a:xfrm>
-            <a:off x="838200" y="1825625"/>
-            <a:ext cx="10515600" cy="4351338"/>
+            <a:off x="1371600" y="2286000"/>
+            <a:ext cx="9601200" cy="3581400"/>
           </a:xfrm>
           <a:prstGeom prst="rect">
             <a:avLst/>
@@ -2870,18 +3306,13 @@
               <a:rPr lang="en-US"/>
               <a:t>Fifth level</a:t>
             </a:r>
-          </a:p>
-        </p:txBody>
-      </p:sp>
-      <p:sp>
-        <p:nvSpPr>
-          <p:cNvPr id="4" name="Date Placeholder 3">
-            <a:extLst>
-              <a:ext uri="{FF2B5EF4-FFF2-40B4-BE49-F238E27FC236}">
-                <a16:creationId xmlns:a16="http://schemas.microsoft.com/office/drawing/2014/main" id="{27D3289B-933F-7102-5EE2-12CA3AD0524C}"/>
-              </a:ext>
-            </a:extLst>
-          </p:cNvPr>
+            <a:endParaRPr lang="en-US" dirty="0"/>
+          </a:p>
+        </p:txBody>
+      </p:sp>
+      <p:sp>
+        <p:nvSpPr>
+          <p:cNvPr id="4" name="Date Placeholder 3"/>
           <p:cNvSpPr>
             <a:spLocks noGrp="1"/>
           </p:cNvSpPr>
@@ -2891,8 +3322,8 @@
         </p:nvSpPr>
         <p:spPr>
           <a:xfrm>
-            <a:off x="838200" y="6356350"/>
-            <a:ext cx="2743200" cy="365125"/>
+            <a:off x="1390650" y="6453386"/>
+            <a:ext cx="1204572" cy="404614"/>
           </a:xfrm>
           <a:prstGeom prst="rect">
             <a:avLst/>
@@ -2902,11 +3333,9 @@
           <a:bodyPr vert="horz" lIns="91440" tIns="45720" rIns="91440" bIns="45720" rtlCol="0" anchor="ctr"/>
           <a:lstStyle>
             <a:lvl1pPr algn="l">
-              <a:defRPr sz="1200">
-                <a:solidFill>
-                  <a:schemeClr val="tx1">
-                    <a:tint val="75000"/>
-                  </a:schemeClr>
+              <a:defRPr sz="1200" baseline="0">
+                <a:solidFill>
+                  <a:schemeClr val="tx2"/>
                 </a:solidFill>
               </a:defRPr>
             </a:lvl1pPr>
@@ -2914,7 +3343,7 @@
           <a:p>
             <a:fld id="{B47610B7-7070-2342-A63A-E03E53EFBD9E}" type="datetimeFigureOut">
               <a:rPr lang="en-US" smtClean="0"/>
-              <a:t>8/25/23</a:t>
+              <a:t>9/5/23</a:t>
             </a:fld>
             <a:endParaRPr lang="en-US"/>
           </a:p>
@@ -2922,13 +3351,7 @@
       </p:sp>
       <p:sp>
         <p:nvSpPr>
-          <p:cNvPr id="5" name="Footer Placeholder 4">
-            <a:extLst>
-              <a:ext uri="{FF2B5EF4-FFF2-40B4-BE49-F238E27FC236}">
-                <a16:creationId xmlns:a16="http://schemas.microsoft.com/office/drawing/2014/main" id="{13F79608-C39D-A165-AD86-325FEEEFCCB4}"/>
-              </a:ext>
-            </a:extLst>
-          </p:cNvPr>
+          <p:cNvPr id="5" name="Footer Placeholder 4"/>
           <p:cNvSpPr>
             <a:spLocks noGrp="1"/>
           </p:cNvSpPr>
@@ -2938,8 +3361,8 @@
         </p:nvSpPr>
         <p:spPr>
           <a:xfrm>
-            <a:off x="4038600" y="6356350"/>
-            <a:ext cx="4114800" cy="365125"/>
+            <a:off x="2893564" y="6453386"/>
+            <a:ext cx="6280830" cy="404614"/>
           </a:xfrm>
           <a:prstGeom prst="rect">
             <a:avLst/>
@@ -2948,12 +3371,10 @@
         <p:txBody>
           <a:bodyPr vert="horz" lIns="91440" tIns="45720" rIns="91440" bIns="45720" rtlCol="0" anchor="ctr"/>
           <a:lstStyle>
-            <a:lvl1pPr algn="ctr">
-              <a:defRPr sz="1200">
-                <a:solidFill>
-                  <a:schemeClr val="tx1">
-                    <a:tint val="75000"/>
-                  </a:schemeClr>
+            <a:lvl1pPr algn="l">
+              <a:defRPr sz="1200" baseline="0">
+                <a:solidFill>
+                  <a:schemeClr val="tx2"/>
                 </a:solidFill>
               </a:defRPr>
             </a:lvl1pPr>
@@ -2965,13 +3386,7 @@
       </p:sp>
       <p:sp>
         <p:nvSpPr>
-          <p:cNvPr id="6" name="Slide Number Placeholder 5">
-            <a:extLst>
-              <a:ext uri="{FF2B5EF4-FFF2-40B4-BE49-F238E27FC236}">
-                <a16:creationId xmlns:a16="http://schemas.microsoft.com/office/drawing/2014/main" id="{DD00CDD6-C310-C6B5-F780-D060A623C3FF}"/>
-              </a:ext>
-            </a:extLst>
-          </p:cNvPr>
+          <p:cNvPr id="6" name="Slide Number Placeholder 5"/>
           <p:cNvSpPr>
             <a:spLocks noGrp="1"/>
           </p:cNvSpPr>
@@ -2981,8 +3396,8 @@
         </p:nvSpPr>
         <p:spPr>
           <a:xfrm>
-            <a:off x="8610600" y="6356350"/>
-            <a:ext cx="2743200" cy="365125"/>
+            <a:off x="9472736" y="6453386"/>
+            <a:ext cx="1596292" cy="404614"/>
           </a:xfrm>
           <a:prstGeom prst="rect">
             <a:avLst/>
@@ -2992,11 +3407,9 @@
           <a:bodyPr vert="horz" lIns="91440" tIns="45720" rIns="91440" bIns="45720" rtlCol="0" anchor="ctr"/>
           <a:lstStyle>
             <a:lvl1pPr algn="r">
-              <a:defRPr sz="1200">
-                <a:solidFill>
-                  <a:schemeClr val="tx1">
-                    <a:tint val="75000"/>
-                  </a:schemeClr>
+              <a:defRPr sz="1200" baseline="0">
+                <a:solidFill>
+                  <a:schemeClr val="tx2"/>
                 </a:solidFill>
               </a:defRPr>
             </a:lvl1pPr>
@@ -3010,40 +3423,78 @@
           </a:p>
         </p:txBody>
       </p:sp>
+      <p:sp>
+        <p:nvSpPr>
+          <p:cNvPr id="9" name="Rectangle 8" title="Side bar"/>
+          <p:cNvSpPr/>
+          <p:nvPr/>
+        </p:nvSpPr>
+        <p:spPr>
+          <a:xfrm>
+            <a:off x="478095" y="376"/>
+            <a:ext cx="228600" cy="6858000"/>
+          </a:xfrm>
+          <a:prstGeom prst="rect">
+            <a:avLst/>
+          </a:prstGeom>
+          <a:solidFill>
+            <a:schemeClr val="tx2"/>
+          </a:solidFill>
+          <a:ln>
+            <a:noFill/>
+          </a:ln>
+        </p:spPr>
+        <p:style>
+          <a:lnRef idx="2">
+            <a:schemeClr val="accent1">
+              <a:shade val="50000"/>
+            </a:schemeClr>
+          </a:lnRef>
+          <a:fillRef idx="1">
+            <a:schemeClr val="accent1"/>
+          </a:fillRef>
+          <a:effectRef idx="0">
+            <a:schemeClr val="accent1"/>
+          </a:effectRef>
+          <a:fontRef idx="minor">
+            <a:schemeClr val="lt1"/>
+          </a:fontRef>
+        </p:style>
+      </p:sp>
     </p:spTree>
     <p:extLst>
       <p:ext uri="{BB962C8B-B14F-4D97-AF65-F5344CB8AC3E}">
-        <p14:creationId xmlns:p14="http://schemas.microsoft.com/office/powerpoint/2010/main" val="964887004"/>
+        <p14:creationId xmlns:p14="http://schemas.microsoft.com/office/powerpoint/2010/main" val="3177911621"/>
       </p:ext>
     </p:extLst>
   </p:cSld>
   <p:clrMap bg1="lt1" tx1="dk1" bg2="lt2" tx2="dk2" accent1="accent1" accent2="accent2" accent3="accent3" accent4="accent4" accent5="accent5" accent6="accent6" hlink="hlink" folHlink="folHlink"/>
   <p:sldLayoutIdLst>
-    <p:sldLayoutId id="2147483649" r:id="rId1"/>
-    <p:sldLayoutId id="2147483650" r:id="rId2"/>
-    <p:sldLayoutId id="2147483651" r:id="rId3"/>
-    <p:sldLayoutId id="2147483652" r:id="rId4"/>
-    <p:sldLayoutId id="2147483653" r:id="rId5"/>
-    <p:sldLayoutId id="2147483654" r:id="rId6"/>
-    <p:sldLayoutId id="2147483655" r:id="rId7"/>
-    <p:sldLayoutId id="2147483656" r:id="rId8"/>
-    <p:sldLayoutId id="2147483657" r:id="rId9"/>
-    <p:sldLayoutId id="2147483658" r:id="rId10"/>
-    <p:sldLayoutId id="2147483659" r:id="rId11"/>
+    <p:sldLayoutId id="2147483703" r:id="rId1"/>
+    <p:sldLayoutId id="2147483704" r:id="rId2"/>
+    <p:sldLayoutId id="2147483705" r:id="rId3"/>
+    <p:sldLayoutId id="2147483706" r:id="rId4"/>
+    <p:sldLayoutId id="2147483707" r:id="rId5"/>
+    <p:sldLayoutId id="2147483708" r:id="rId6"/>
+    <p:sldLayoutId id="2147483709" r:id="rId7"/>
+    <p:sldLayoutId id="2147483710" r:id="rId8"/>
+    <p:sldLayoutId id="2147483711" r:id="rId9"/>
+    <p:sldLayoutId id="2147483712" r:id="rId10"/>
+    <p:sldLayoutId id="2147483713" r:id="rId11"/>
   </p:sldLayoutIdLst>
   <p:txStyles>
     <p:titleStyle>
       <a:lvl1pPr algn="l" defTabSz="914400" rtl="0" eaLnBrk="1" latinLnBrk="0" hangingPunct="1">
         <a:lnSpc>
-          <a:spcPct val="90000"/>
+          <a:spcPct val="89000"/>
         </a:lnSpc>
         <a:spcBef>
           <a:spcPct val="0"/>
         </a:spcBef>
         <a:buNone/>
-        <a:defRPr sz="4400" kern="1200">
+        <a:defRPr sz="4400" kern="1200" baseline="0">
           <a:solidFill>
-            <a:schemeClr val="tx1"/>
+            <a:schemeClr val="tx2"/>
           </a:solidFill>
           <a:latin typeface="+mj-lt"/>
           <a:ea typeface="+mj-ea"/>
@@ -3052,162 +3503,189 @@
       </a:lvl1pPr>
     </p:titleStyle>
     <p:bodyStyle>
-      <a:lvl1pPr marL="228600" indent="-228600" algn="l" defTabSz="914400" rtl="0" eaLnBrk="1" latinLnBrk="0" hangingPunct="1">
+      <a:lvl1pPr marL="384048" indent="-384048" algn="l" defTabSz="914400" rtl="0" eaLnBrk="1" latinLnBrk="0" hangingPunct="1">
         <a:lnSpc>
-          <a:spcPct val="90000"/>
+          <a:spcPct val="94000"/>
         </a:lnSpc>
         <a:spcBef>
           <a:spcPts val="1000"/>
         </a:spcBef>
-        <a:buFont typeface="Arial" panose="020B0604020202020204" pitchFamily="34" charset="0"/>
-        <a:buChar char="•"/>
-        <a:defRPr sz="2800" kern="1200">
+        <a:spcAft>
+          <a:spcPts val="200"/>
+        </a:spcAft>
+        <a:buFont typeface="Franklin Gothic Book" panose="020B0503020102020204" pitchFamily="34" charset="0"/>
+        <a:buChar char="■"/>
+        <a:defRPr sz="2000" kern="1200" baseline="0">
           <a:solidFill>
-            <a:schemeClr val="tx1"/>
+            <a:schemeClr val="tx2"/>
           </a:solidFill>
           <a:latin typeface="+mn-lt"/>
           <a:ea typeface="+mn-ea"/>
           <a:cs typeface="+mn-cs"/>
         </a:defRPr>
       </a:lvl1pPr>
-      <a:lvl2pPr marL="685800" indent="-228600" algn="l" defTabSz="914400" rtl="0" eaLnBrk="1" latinLnBrk="0" hangingPunct="1">
+      <a:lvl2pPr marL="914400" indent="-384048" algn="l" defTabSz="914400" rtl="0" eaLnBrk="1" latinLnBrk="0" hangingPunct="1">
         <a:lnSpc>
-          <a:spcPct val="90000"/>
+          <a:spcPct val="94000"/>
         </a:lnSpc>
         <a:spcBef>
           <a:spcPts val="500"/>
         </a:spcBef>
-        <a:buFont typeface="Arial" panose="020B0604020202020204" pitchFamily="34" charset="0"/>
-        <a:buChar char="•"/>
-        <a:defRPr sz="2400" kern="1200">
+        <a:spcAft>
+          <a:spcPts val="200"/>
+        </a:spcAft>
+        <a:buFont typeface="Franklin Gothic Book" panose="020B0503020102020204" pitchFamily="34" charset="0"/>
+        <a:buChar char="–"/>
+        <a:defRPr sz="2000" i="1" kern="1200" baseline="0">
           <a:solidFill>
-            <a:schemeClr val="tx1"/>
+            <a:schemeClr val="tx2"/>
           </a:solidFill>
           <a:latin typeface="+mn-lt"/>
           <a:ea typeface="+mn-ea"/>
           <a:cs typeface="+mn-cs"/>
         </a:defRPr>
       </a:lvl2pPr>
-      <a:lvl3pPr marL="1143000" indent="-228600" algn="l" defTabSz="914400" rtl="0" eaLnBrk="1" latinLnBrk="0" hangingPunct="1">
+      <a:lvl3pPr marL="1371600" indent="-384048" algn="l" defTabSz="914400" rtl="0" eaLnBrk="1" latinLnBrk="0" hangingPunct="1">
         <a:lnSpc>
-          <a:spcPct val="90000"/>
+          <a:spcPct val="94000"/>
         </a:lnSpc>
         <a:spcBef>
           <a:spcPts val="500"/>
         </a:spcBef>
-        <a:buFont typeface="Arial" panose="020B0604020202020204" pitchFamily="34" charset="0"/>
-        <a:buChar char="•"/>
-        <a:defRPr sz="2000" kern="1200">
+        <a:spcAft>
+          <a:spcPts val="200"/>
+        </a:spcAft>
+        <a:buFont typeface="Franklin Gothic Book" panose="020B0503020102020204" pitchFamily="34" charset="0"/>
+        <a:buChar char="■"/>
+        <a:defRPr sz="1800" kern="1200" baseline="0">
           <a:solidFill>
-            <a:schemeClr val="tx1"/>
+            <a:schemeClr val="tx2"/>
           </a:solidFill>
           <a:latin typeface="+mn-lt"/>
           <a:ea typeface="+mn-ea"/>
           <a:cs typeface="+mn-cs"/>
         </a:defRPr>
       </a:lvl3pPr>
-      <a:lvl4pPr marL="1600200" indent="-228600" algn="l" defTabSz="914400" rtl="0" eaLnBrk="1" latinLnBrk="0" hangingPunct="1">
+      <a:lvl4pPr marL="1828800" indent="-384048" algn="l" defTabSz="914400" rtl="0" eaLnBrk="1" latinLnBrk="0" hangingPunct="1">
         <a:lnSpc>
-          <a:spcPct val="90000"/>
+          <a:spcPct val="94000"/>
         </a:lnSpc>
         <a:spcBef>
           <a:spcPts val="500"/>
         </a:spcBef>
-        <a:buFont typeface="Arial" panose="020B0604020202020204" pitchFamily="34" charset="0"/>
-        <a:buChar char="•"/>
-        <a:defRPr sz="1800" kern="1200">
+        <a:spcAft>
+          <a:spcPts val="200"/>
+        </a:spcAft>
+        <a:buFont typeface="Franklin Gothic Book" panose="020B0503020102020204" pitchFamily="34" charset="0"/>
+        <a:buChar char="–"/>
+        <a:defRPr sz="1800" i="1" kern="1200" baseline="0">
           <a:solidFill>
-            <a:schemeClr val="tx1"/>
+            <a:schemeClr val="tx2"/>
           </a:solidFill>
           <a:latin typeface="+mn-lt"/>
           <a:ea typeface="+mn-ea"/>
           <a:cs typeface="+mn-cs"/>
         </a:defRPr>
       </a:lvl4pPr>
-      <a:lvl5pPr marL="2057400" indent="-228600" algn="l" defTabSz="914400" rtl="0" eaLnBrk="1" latinLnBrk="0" hangingPunct="1">
+      <a:lvl5pPr marL="2286000" indent="-384048" algn="l" defTabSz="914400" rtl="0" eaLnBrk="1" latinLnBrk="0" hangingPunct="1">
         <a:lnSpc>
-          <a:spcPct val="90000"/>
+          <a:spcPct val="94000"/>
         </a:lnSpc>
         <a:spcBef>
           <a:spcPts val="500"/>
         </a:spcBef>
-        <a:buFont typeface="Arial" panose="020B0604020202020204" pitchFamily="34" charset="0"/>
-        <a:buChar char="•"/>
-        <a:defRPr sz="1800" kern="1200">
+        <a:spcAft>
+          <a:spcPts val="200"/>
+        </a:spcAft>
+        <a:buFont typeface="Franklin Gothic Book" panose="020B0503020102020204" pitchFamily="34" charset="0"/>
+        <a:buChar char="■"/>
+        <a:defRPr sz="1600" kern="1200" baseline="0">
           <a:solidFill>
-            <a:schemeClr val="tx1"/>
+            <a:schemeClr val="tx2"/>
           </a:solidFill>
           <a:latin typeface="+mn-lt"/>
           <a:ea typeface="+mn-ea"/>
           <a:cs typeface="+mn-cs"/>
         </a:defRPr>
       </a:lvl5pPr>
-      <a:lvl6pPr marL="2514600" indent="-228600" algn="l" defTabSz="914400" rtl="0" eaLnBrk="1" latinLnBrk="0" hangingPunct="1">
+      <a:lvl6pPr marL="2743200" indent="-384048" algn="l" defTabSz="914400" rtl="0" eaLnBrk="1" latinLnBrk="0" hangingPunct="1">
         <a:lnSpc>
-          <a:spcPct val="90000"/>
+          <a:spcPct val="94000"/>
         </a:lnSpc>
         <a:spcBef>
           <a:spcPts val="500"/>
         </a:spcBef>
-        <a:buFont typeface="Arial" panose="020B0604020202020204" pitchFamily="34" charset="0"/>
-        <a:buChar char="•"/>
-        <a:defRPr sz="1800" kern="1200">
+        <a:spcAft>
+          <a:spcPts val="200"/>
+        </a:spcAft>
+        <a:buFont typeface="Franklin Gothic Book" panose="020B0503020102020204" pitchFamily="34" charset="0"/>
+        <a:buChar char="–"/>
+        <a:defRPr sz="1600" i="1" kern="1200" baseline="0">
           <a:solidFill>
-            <a:schemeClr val="tx1"/>
+            <a:schemeClr val="tx2"/>
           </a:solidFill>
           <a:latin typeface="+mn-lt"/>
           <a:ea typeface="+mn-ea"/>
           <a:cs typeface="+mn-cs"/>
         </a:defRPr>
       </a:lvl6pPr>
-      <a:lvl7pPr marL="2971800" indent="-228600" algn="l" defTabSz="914400" rtl="0" eaLnBrk="1" latinLnBrk="0" hangingPunct="1">
+      <a:lvl7pPr marL="3200400" indent="-384048" algn="l" defTabSz="914400" rtl="0" eaLnBrk="1" latinLnBrk="0" hangingPunct="1">
         <a:lnSpc>
-          <a:spcPct val="90000"/>
+          <a:spcPct val="94000"/>
         </a:lnSpc>
         <a:spcBef>
           <a:spcPts val="500"/>
         </a:spcBef>
-        <a:buFont typeface="Arial" panose="020B0604020202020204" pitchFamily="34" charset="0"/>
-        <a:buChar char="•"/>
-        <a:defRPr sz="1800" kern="1200">
+        <a:spcAft>
+          <a:spcPts val="200"/>
+        </a:spcAft>
+        <a:buFont typeface="Franklin Gothic Book" panose="020B0503020102020204" pitchFamily="34" charset="0"/>
+        <a:buChar char="■"/>
+        <a:defRPr sz="1400" kern="1200" baseline="0">
           <a:solidFill>
-            <a:schemeClr val="tx1"/>
+            <a:schemeClr val="tx2"/>
           </a:solidFill>
           <a:latin typeface="+mn-lt"/>
           <a:ea typeface="+mn-ea"/>
           <a:cs typeface="+mn-cs"/>
         </a:defRPr>
       </a:lvl7pPr>
-      <a:lvl8pPr marL="3429000" indent="-228600" algn="l" defTabSz="914400" rtl="0" eaLnBrk="1" latinLnBrk="0" hangingPunct="1">
+      <a:lvl8pPr marL="3657600" indent="-384048" algn="l" defTabSz="914400" rtl="0" eaLnBrk="1" latinLnBrk="0" hangingPunct="1">
         <a:lnSpc>
-          <a:spcPct val="90000"/>
+          <a:spcPct val="94000"/>
         </a:lnSpc>
         <a:spcBef>
           <a:spcPts val="500"/>
         </a:spcBef>
-        <a:buFont typeface="Arial" panose="020B0604020202020204" pitchFamily="34" charset="0"/>
-        <a:buChar char="•"/>
-        <a:defRPr sz="1800" kern="1200">
+        <a:spcAft>
+          <a:spcPts val="200"/>
+        </a:spcAft>
+        <a:buFont typeface="Franklin Gothic Book" panose="020B0503020102020204" pitchFamily="34" charset="0"/>
+        <a:buChar char="–"/>
+        <a:defRPr sz="1400" i="1" kern="1200" baseline="0">
           <a:solidFill>
-            <a:schemeClr val="tx1"/>
+            <a:schemeClr val="tx2"/>
           </a:solidFill>
           <a:latin typeface="+mn-lt"/>
           <a:ea typeface="+mn-ea"/>
           <a:cs typeface="+mn-cs"/>
         </a:defRPr>
       </a:lvl8pPr>
-      <a:lvl9pPr marL="3886200" indent="-228600" algn="l" defTabSz="914400" rtl="0" eaLnBrk="1" latinLnBrk="0" hangingPunct="1">
+      <a:lvl9pPr marL="4114800" indent="-384048" algn="l" defTabSz="914400" rtl="0" eaLnBrk="1" latinLnBrk="0" hangingPunct="1">
         <a:lnSpc>
-          <a:spcPct val="90000"/>
+          <a:spcPct val="94000"/>
         </a:lnSpc>
         <a:spcBef>
           <a:spcPts val="500"/>
         </a:spcBef>
-        <a:buFont typeface="Arial" panose="020B0604020202020204" pitchFamily="34" charset="0"/>
-        <a:buChar char="•"/>
-        <a:defRPr sz="1800" kern="1200">
+        <a:spcAft>
+          <a:spcPts val="200"/>
+        </a:spcAft>
+        <a:buFont typeface="Franklin Gothic Book" panose="020B0503020102020204" pitchFamily="34" charset="0"/>
+        <a:buChar char="■"/>
+        <a:defRPr sz="1400" kern="1200" baseline="0">
           <a:solidFill>
-            <a:schemeClr val="tx1"/>
+            <a:schemeClr val="tx2"/>
           </a:solidFill>
           <a:latin typeface="+mn-lt"/>
           <a:ea typeface="+mn-ea"/>
@@ -3311,6 +3789,52 @@
       </a:lvl9pPr>
     </p:otherStyle>
   </p:txStyles>
+  <p:extLst>
+    <p:ext uri="{27BBF7A9-308A-43DC-89C8-2F10F3537804}">
+      <p15:sldGuideLst xmlns:p15="http://schemas.microsoft.com/office/powerpoint/2012/main">
+        <p15:guide id="3" orient="horz" pos="1368">
+          <p15:clr>
+            <a:srgbClr val="F26B43"/>
+          </p15:clr>
+        </p15:guide>
+        <p15:guide id="4" orient="horz" pos="1440">
+          <p15:clr>
+            <a:srgbClr val="F26B43"/>
+          </p15:clr>
+        </p15:guide>
+        <p15:guide id="6" orient="horz" pos="3696">
+          <p15:clr>
+            <a:srgbClr val="F26B43"/>
+          </p15:clr>
+        </p15:guide>
+        <p15:guide id="7" orient="horz" pos="432">
+          <p15:clr>
+            <a:srgbClr val="F26B43"/>
+          </p15:clr>
+        </p15:guide>
+        <p15:guide id="8" orient="horz" pos="1512">
+          <p15:clr>
+            <a:srgbClr val="F26B43"/>
+          </p15:clr>
+        </p15:guide>
+        <p15:guide id="9" pos="6912">
+          <p15:clr>
+            <a:srgbClr val="F26B43"/>
+          </p15:clr>
+        </p15:guide>
+        <p15:guide id="10" pos="936">
+          <p15:clr>
+            <a:srgbClr val="F26B43"/>
+          </p15:clr>
+        </p15:guide>
+        <p15:guide id="11" pos="864">
+          <p15:clr>
+            <a:srgbClr val="F26B43"/>
+          </p15:clr>
+        </p15:guide>
+      </p15:sldGuideLst>
+    </p:ext>
+  </p:extLst>
 </p:sldMaster>
 </file>
 
@@ -3354,7 +3878,7 @@
           <a:p>
             <a:r>
               <a:rPr lang="en-US" dirty="0"/>
-              <a:t>Project 4</a:t>
+              <a:t>Ames Housing Price Analysis</a:t>
             </a:r>
           </a:p>
         </p:txBody>
@@ -3391,6 +3915,100 @@
     <p:extLst>
       <p:ext uri="{BB962C8B-B14F-4D97-AF65-F5344CB8AC3E}">
         <p14:creationId xmlns:p14="http://schemas.microsoft.com/office/powerpoint/2010/main" val="1240736353"/>
+      </p:ext>
+    </p:extLst>
+  </p:cSld>
+  <p:clrMapOvr>
+    <a:masterClrMapping/>
+  </p:clrMapOvr>
+</p:sld>
+</file>
+
+<file path=ppt/slides/slide10.xml><?xml version="1.0" encoding="utf-8"?>
+<p:sld xmlns:a="http://schemas.openxmlformats.org/drawingml/2006/main" xmlns:r="http://schemas.openxmlformats.org/officeDocument/2006/relationships" xmlns:p="http://schemas.openxmlformats.org/presentationml/2006/main">
+  <p:cSld>
+    <p:spTree>
+      <p:nvGrpSpPr>
+        <p:cNvPr id="1" name=""/>
+        <p:cNvGrpSpPr/>
+        <p:nvPr/>
+      </p:nvGrpSpPr>
+      <p:grpSpPr>
+        <a:xfrm>
+          <a:off x="0" y="0"/>
+          <a:ext cx="0" cy="0"/>
+          <a:chOff x="0" y="0"/>
+          <a:chExt cx="0" cy="0"/>
+        </a:xfrm>
+      </p:grpSpPr>
+      <p:sp>
+        <p:nvSpPr>
+          <p:cNvPr id="4" name="Title 3">
+            <a:extLst>
+              <a:ext uri="{FF2B5EF4-FFF2-40B4-BE49-F238E27FC236}">
+                <a16:creationId xmlns:a16="http://schemas.microsoft.com/office/drawing/2014/main" id="{F17AF95F-802B-8046-67B5-87AD84606689}"/>
+              </a:ext>
+            </a:extLst>
+          </p:cNvPr>
+          <p:cNvSpPr>
+            <a:spLocks noGrp="1"/>
+          </p:cNvSpPr>
+          <p:nvPr>
+            <p:ph type="title"/>
+          </p:nvPr>
+        </p:nvSpPr>
+        <p:spPr/>
+        <p:txBody>
+          <a:bodyPr/>
+          <a:lstStyle/>
+          <a:p>
+            <a:r>
+              <a:rPr lang="en-US" dirty="0"/>
+              <a:t>Demo Time</a:t>
+            </a:r>
+          </a:p>
+        </p:txBody>
+      </p:sp>
+      <p:sp>
+        <p:nvSpPr>
+          <p:cNvPr id="5" name="Text Placeholder 4">
+            <a:extLst>
+              <a:ext uri="{FF2B5EF4-FFF2-40B4-BE49-F238E27FC236}">
+                <a16:creationId xmlns:a16="http://schemas.microsoft.com/office/drawing/2014/main" id="{F9BFE6C5-A285-6A45-630C-B152BA54BB21}"/>
+              </a:ext>
+            </a:extLst>
+          </p:cNvPr>
+          <p:cNvSpPr>
+            <a:spLocks noGrp="1"/>
+          </p:cNvSpPr>
+          <p:nvPr>
+            <p:ph type="body" idx="1"/>
+          </p:nvPr>
+        </p:nvSpPr>
+        <p:spPr/>
+        <p:txBody>
+          <a:bodyPr>
+            <a:normAutofit/>
+          </a:bodyPr>
+          <a:lstStyle/>
+          <a:p>
+            <a:r>
+              <a:rPr lang="en-US" dirty="0"/>
+              <a:t>Predictions Webpage</a:t>
+            </a:r>
+          </a:p>
+          <a:p>
+            <a:r>
+              <a:rPr lang="en-US" dirty="0"/>
+              <a:t>Report Webpage</a:t>
+            </a:r>
+          </a:p>
+        </p:txBody>
+      </p:sp>
+    </p:spTree>
+    <p:extLst>
+      <p:ext uri="{BB962C8B-B14F-4D97-AF65-F5344CB8AC3E}">
+        <p14:creationId xmlns:p14="http://schemas.microsoft.com/office/powerpoint/2010/main" val="1728851342"/>
       </p:ext>
     </p:extLst>
   </p:cSld>
@@ -3461,14 +4079,14 @@
             <p:ph idx="1"/>
             <p:extLst>
               <p:ext uri="{D42A27DB-BD31-4B8C-83A1-F6EECF244321}">
-                <p14:modId xmlns:p14="http://schemas.microsoft.com/office/powerpoint/2010/main" val="2901625029"/>
+                <p14:modId xmlns:p14="http://schemas.microsoft.com/office/powerpoint/2010/main" val="953016085"/>
               </p:ext>
             </p:extLst>
           </p:nvPr>
         </p:nvGraphicFramePr>
         <p:xfrm>
-          <a:off x="838200" y="1825624"/>
-          <a:ext cx="10515600" cy="4477231"/>
+          <a:off x="1371600" y="2286000"/>
+          <a:ext cx="10248472" cy="4477231"/>
         </p:xfrm>
         <a:graphic>
           <a:graphicData uri="http://schemas.openxmlformats.org/drawingml/2006/table">
@@ -3477,14 +4095,14 @@
                 <a:tableStyleId>{5C22544A-7EE6-4342-B048-85BDC9FD1C3A}</a:tableStyleId>
               </a:tblPr>
               <a:tblGrid>
-                <a:gridCol w="2744096">
+                <a:gridCol w="2674387">
                   <a:extLst>
                     <a:ext uri="{9D8B030D-6E8A-4147-A177-3AD203B41FA5}">
                       <a16:colId xmlns:a16="http://schemas.microsoft.com/office/drawing/2014/main" val="1868315842"/>
                     </a:ext>
                   </a:extLst>
                 </a:gridCol>
-                <a:gridCol w="7771504">
+                <a:gridCol w="7574085">
                   <a:extLst>
                     <a:ext uri="{9D8B030D-6E8A-4147-A177-3AD203B41FA5}">
                       <a16:colId xmlns:a16="http://schemas.microsoft.com/office/drawing/2014/main" val="715968046"/>
@@ -3518,7 +4136,27 @@
                       </a:endParaRPr>
                     </a:p>
                   </a:txBody>
-                  <a:tcPr>
+                  <a:tcPr marL="83490" marR="83490">
+                    <a:lnL w="12700" cmpd="sng">
+                      <a:noFill/>
+                    </a:lnL>
+                    <a:lnR w="12700" cmpd="sng">
+                      <a:noFill/>
+                    </a:lnR>
+                    <a:lnT w="12700" cmpd="sng">
+                      <a:noFill/>
+                    </a:lnT>
+                    <a:lnB w="38100" cmpd="sng">
+                      <a:noFill/>
+                    </a:lnB>
+                    <a:lnTlToBr w="12700" cmpd="sng">
+                      <a:noFill/>
+                      <a:prstDash val="solid"/>
+                    </a:lnTlToBr>
+                    <a:lnBlToTr w="12700" cmpd="sng">
+                      <a:noFill/>
+                      <a:prstDash val="solid"/>
+                    </a:lnBlToTr>
                     <a:noFill/>
                   </a:tcPr>
                 </a:tc>
@@ -3554,7 +4192,27 @@
                       </a:r>
                     </a:p>
                   </a:txBody>
-                  <a:tcPr>
+                  <a:tcPr marL="83490" marR="83490">
+                    <a:lnL w="12700" cmpd="sng">
+                      <a:noFill/>
+                    </a:lnL>
+                    <a:lnR w="12700" cmpd="sng">
+                      <a:noFill/>
+                    </a:lnR>
+                    <a:lnT w="12700" cmpd="sng">
+                      <a:noFill/>
+                    </a:lnT>
+                    <a:lnB w="38100" cmpd="sng">
+                      <a:noFill/>
+                    </a:lnB>
+                    <a:lnTlToBr w="12700" cmpd="sng">
+                      <a:noFill/>
+                      <a:prstDash val="solid"/>
+                    </a:lnTlToBr>
+                    <a:lnBlToTr w="12700" cmpd="sng">
+                      <a:noFill/>
+                      <a:prstDash val="solid"/>
+                    </a:lnBlToTr>
                     <a:noFill/>
                   </a:tcPr>
                 </a:tc>
@@ -3599,7 +4257,27 @@
                       </a:r>
                     </a:p>
                   </a:txBody>
-                  <a:tcPr>
+                  <a:tcPr marL="83490" marR="83490">
+                    <a:lnL w="12700" cmpd="sng">
+                      <a:noFill/>
+                    </a:lnL>
+                    <a:lnR w="12700" cmpd="sng">
+                      <a:noFill/>
+                    </a:lnR>
+                    <a:lnT w="38100" cmpd="sng">
+                      <a:noFill/>
+                    </a:lnT>
+                    <a:lnB w="12700" cmpd="sng">
+                      <a:noFill/>
+                    </a:lnB>
+                    <a:lnTlToBr w="12700" cmpd="sng">
+                      <a:noFill/>
+                      <a:prstDash val="solid"/>
+                    </a:lnTlToBr>
+                    <a:lnBlToTr w="12700" cmpd="sng">
+                      <a:noFill/>
+                      <a:prstDash val="solid"/>
+                    </a:lnBlToTr>
                     <a:noFill/>
                   </a:tcPr>
                 </a:tc>
@@ -3635,7 +4313,27 @@
                       </a:r>
                     </a:p>
                   </a:txBody>
-                  <a:tcPr>
+                  <a:tcPr marL="83490" marR="83490">
+                    <a:lnL w="12700" cmpd="sng">
+                      <a:noFill/>
+                    </a:lnL>
+                    <a:lnR w="12700" cmpd="sng">
+                      <a:noFill/>
+                    </a:lnR>
+                    <a:lnT w="38100" cmpd="sng">
+                      <a:noFill/>
+                    </a:lnT>
+                    <a:lnB w="12700" cmpd="sng">
+                      <a:noFill/>
+                    </a:lnB>
+                    <a:lnTlToBr w="12700" cmpd="sng">
+                      <a:noFill/>
+                      <a:prstDash val="solid"/>
+                    </a:lnTlToBr>
+                    <a:lnBlToTr w="12700" cmpd="sng">
+                      <a:noFill/>
+                      <a:prstDash val="solid"/>
+                    </a:lnBlToTr>
                     <a:noFill/>
                   </a:tcPr>
                 </a:tc>
@@ -3680,7 +4378,27 @@
                       </a:r>
                     </a:p>
                   </a:txBody>
-                  <a:tcPr>
+                  <a:tcPr marL="83490" marR="83490">
+                    <a:lnL w="12700" cmpd="sng">
+                      <a:noFill/>
+                    </a:lnL>
+                    <a:lnR w="12700" cmpd="sng">
+                      <a:noFill/>
+                    </a:lnR>
+                    <a:lnT w="12700" cmpd="sng">
+                      <a:noFill/>
+                    </a:lnT>
+                    <a:lnB w="12700" cmpd="sng">
+                      <a:noFill/>
+                    </a:lnB>
+                    <a:lnTlToBr w="12700" cmpd="sng">
+                      <a:noFill/>
+                      <a:prstDash val="solid"/>
+                    </a:lnTlToBr>
+                    <a:lnBlToTr w="12700" cmpd="sng">
+                      <a:noFill/>
+                      <a:prstDash val="solid"/>
+                    </a:lnBlToTr>
                     <a:noFill/>
                   </a:tcPr>
                 </a:tc>
@@ -3800,11 +4518,31 @@
                       </a:pPr>
                       <a:r>
                         <a:rPr lang="en-US" b="1" dirty="0"/>
-                        <a:t>Develop</a:t>
+                        <a:t>Develop a website to make predictions from user input</a:t>
                       </a:r>
                     </a:p>
                   </a:txBody>
-                  <a:tcPr>
+                  <a:tcPr marL="83490" marR="83490">
+                    <a:lnL w="12700" cmpd="sng">
+                      <a:noFill/>
+                    </a:lnL>
+                    <a:lnR w="12700" cmpd="sng">
+                      <a:noFill/>
+                    </a:lnR>
+                    <a:lnT w="12700" cmpd="sng">
+                      <a:noFill/>
+                    </a:lnT>
+                    <a:lnB w="12700" cmpd="sng">
+                      <a:noFill/>
+                    </a:lnB>
+                    <a:lnTlToBr w="12700" cmpd="sng">
+                      <a:noFill/>
+                      <a:prstDash val="solid"/>
+                    </a:lnTlToBr>
+                    <a:lnBlToTr w="12700" cmpd="sng">
+                      <a:noFill/>
+                      <a:prstDash val="solid"/>
+                    </a:lnBlToTr>
                     <a:noFill/>
                   </a:tcPr>
                 </a:tc>
@@ -3878,10 +4616,10 @@
       </p:sp>
       <p:sp>
         <p:nvSpPr>
-          <p:cNvPr id="5" name="Content Placeholder 4">
+          <p:cNvPr id="4" name="Content Placeholder 3">
             <a:extLst>
               <a:ext uri="{FF2B5EF4-FFF2-40B4-BE49-F238E27FC236}">
-                <a16:creationId xmlns:a16="http://schemas.microsoft.com/office/drawing/2014/main" id="{34B7E9C4-CDC2-B460-6F2F-95F9E2594211}"/>
+                <a16:creationId xmlns:a16="http://schemas.microsoft.com/office/drawing/2014/main" id="{7B4ADCC6-D1DD-0902-32E6-D6D14491A888}"/>
               </a:ext>
             </a:extLst>
           </p:cNvPr>
@@ -3892,18 +4630,120 @@
             <p:ph idx="1"/>
           </p:nvPr>
         </p:nvSpPr>
-        <p:spPr/>
-        <p:txBody>
-          <a:bodyPr/>
+        <p:spPr>
+          <a:xfrm>
+            <a:off x="838200" y="1825625"/>
+            <a:ext cx="3262900" cy="4351338"/>
+          </a:xfrm>
+        </p:spPr>
+        <p:txBody>
+          <a:bodyPr>
+            <a:normAutofit/>
+          </a:bodyPr>
           <a:lstStyle/>
           <a:p>
             <a:r>
-              <a:rPr lang="en-US" dirty="0"/>
-              <a:t>Screenshots of top 3 findings here</a:t>
-            </a:r>
-          </a:p>
-        </p:txBody>
-      </p:sp>
+              <a:rPr lang="en-US" sz="1800" dirty="0"/>
+              <a:t>Various factors that typically drive home prices were viewed in a Tableau dashboard</a:t>
+            </a:r>
+          </a:p>
+          <a:p>
+            <a:r>
+              <a:rPr lang="en-US" sz="1800" dirty="0"/>
+              <a:t>Neighborhood data provided some interested initial insights:</a:t>
+            </a:r>
+          </a:p>
+          <a:p>
+            <a:pPr lvl="1"/>
+            <a:r>
+              <a:rPr lang="en-US" sz="1800" dirty="0" err="1"/>
+              <a:t>Sqft</a:t>
+            </a:r>
+            <a:r>
+              <a:rPr lang="en-US" sz="1800" dirty="0"/>
+              <a:t> / $ relationships</a:t>
+            </a:r>
+          </a:p>
+          <a:p>
+            <a:pPr lvl="1"/>
+            <a:r>
+              <a:rPr lang="en-US" sz="1800" dirty="0"/>
+              <a:t>Amenities</a:t>
+            </a:r>
+          </a:p>
+        </p:txBody>
+      </p:sp>
+      <p:sp>
+        <p:nvSpPr>
+          <p:cNvPr id="8" name="TextBox 7">
+            <a:extLst>
+              <a:ext uri="{FF2B5EF4-FFF2-40B4-BE49-F238E27FC236}">
+                <a16:creationId xmlns:a16="http://schemas.microsoft.com/office/drawing/2014/main" id="{6D7F2497-F5ED-3934-9A4C-8DB7BD5D336A}"/>
+              </a:ext>
+            </a:extLst>
+          </p:cNvPr>
+          <p:cNvSpPr txBox="1"/>
+          <p:nvPr/>
+        </p:nvSpPr>
+        <p:spPr>
+          <a:xfrm>
+            <a:off x="961489" y="6596390"/>
+            <a:ext cx="7607158" cy="415498"/>
+          </a:xfrm>
+          <a:prstGeom prst="rect">
+            <a:avLst/>
+          </a:prstGeom>
+          <a:noFill/>
+        </p:spPr>
+        <p:txBody>
+          <a:bodyPr wrap="square">
+            <a:spAutoFit/>
+          </a:bodyPr>
+          <a:lstStyle/>
+          <a:p>
+            <a:r>
+              <a:rPr lang="en-US" sz="1050" dirty="0">
+                <a:hlinkClick r:id="rId2"/>
+              </a:rPr>
+              <a:t>https://public.tableau.com/app/profile/mary.hills/viz/AmesHousingData_16929331848960/NeighborhoodData</a:t>
+            </a:r>
+            <a:endParaRPr lang="en-US" sz="1050" dirty="0"/>
+          </a:p>
+          <a:p>
+            <a:endParaRPr lang="en-US" sz="1050" dirty="0"/>
+          </a:p>
+        </p:txBody>
+      </p:sp>
+      <p:pic>
+        <p:nvPicPr>
+          <p:cNvPr id="9" name="Picture 8">
+            <a:extLst>
+              <a:ext uri="{FF2B5EF4-FFF2-40B4-BE49-F238E27FC236}">
+                <a16:creationId xmlns:a16="http://schemas.microsoft.com/office/drawing/2014/main" id="{6C68B860-B265-1CC3-63D0-6685172416B1}"/>
+              </a:ext>
+            </a:extLst>
+          </p:cNvPr>
+          <p:cNvPicPr>
+            <a:picLocks noChangeAspect="1"/>
+          </p:cNvPicPr>
+          <p:nvPr/>
+        </p:nvPicPr>
+        <p:blipFill>
+          <a:blip r:embed="rId3"/>
+          <a:stretch>
+            <a:fillRect/>
+          </a:stretch>
+        </p:blipFill>
+        <p:spPr>
+          <a:xfrm>
+            <a:off x="4101100" y="1611477"/>
+            <a:ext cx="7010400" cy="4775200"/>
+          </a:xfrm>
+          <a:prstGeom prst="rect">
+            <a:avLst/>
+          </a:prstGeom>
+        </p:spPr>
+      </p:pic>
     </p:spTree>
     <p:extLst>
       <p:ext uri="{BB962C8B-B14F-4D97-AF65-F5344CB8AC3E}">
@@ -3957,17 +4797,17 @@
           <a:p>
             <a:r>
               <a:rPr lang="en-US" dirty="0"/>
-              <a:t>Results - Clustering</a:t>
-            </a:r>
-          </a:p>
-        </p:txBody>
-      </p:sp>
-      <p:sp>
-        <p:nvSpPr>
-          <p:cNvPr id="5" name="Content Placeholder 4">
+              <a:t>Results – Data Visualization</a:t>
+            </a:r>
+          </a:p>
+        </p:txBody>
+      </p:sp>
+      <p:sp>
+        <p:nvSpPr>
+          <p:cNvPr id="4" name="Content Placeholder 3">
             <a:extLst>
               <a:ext uri="{FF2B5EF4-FFF2-40B4-BE49-F238E27FC236}">
-                <a16:creationId xmlns:a16="http://schemas.microsoft.com/office/drawing/2014/main" id="{11695171-2795-5319-F08A-B5DD0720B93F}"/>
+                <a16:creationId xmlns:a16="http://schemas.microsoft.com/office/drawing/2014/main" id="{7B4ADCC6-D1DD-0902-32E6-D6D14491A888}"/>
               </a:ext>
             </a:extLst>
           </p:cNvPr>
@@ -3978,7 +4818,12 @@
             <p:ph idx="1"/>
           </p:nvPr>
         </p:nvSpPr>
-        <p:spPr/>
+        <p:spPr>
+          <a:xfrm>
+            <a:off x="1371600" y="1556535"/>
+            <a:ext cx="9601200" cy="3581400"/>
+          </a:xfrm>
+        </p:spPr>
         <p:txBody>
           <a:bodyPr>
             <a:normAutofit/>
@@ -3986,35 +4831,9 @@
           <a:lstStyle/>
           <a:p>
             <a:r>
-              <a:rPr lang="en-US" sz="2000" dirty="0"/>
-              <a:t>Screenshots of clusters here </a:t>
-            </a:r>
-          </a:p>
-          <a:p>
-            <a:pPr lvl="1"/>
-            <a:r>
               <a:rPr lang="en-US" sz="1800" dirty="0"/>
-              <a:t>2-3 plots of the clusters based on different variables</a:t>
-            </a:r>
-          </a:p>
-          <a:p>
-            <a:pPr lvl="1"/>
-            <a:r>
-              <a:rPr lang="en-US" sz="1800" dirty="0"/>
-              <a:t>Table with the clusters and key summary stats for each (see example below)</a:t>
-            </a:r>
-          </a:p>
-          <a:p>
-            <a:pPr lvl="1"/>
-            <a:r>
-              <a:rPr lang="en-US" sz="1800" dirty="0"/>
-              <a:t>Top things that correlate with price, and what composes that thing (ex: quality is highly correlated, so what correlates with quality: this tells us something about what “quality” means to </a:t>
-            </a:r>
-            <a:r>
-              <a:rPr lang="en-US" sz="1800"/>
-              <a:t>the market”)</a:t>
-            </a:r>
-            <a:endParaRPr lang="en-US" sz="1800" dirty="0"/>
+              <a:t>Amenities do not show strong relationships with price</a:t>
+            </a:r>
           </a:p>
         </p:txBody>
       </p:sp>
@@ -4023,7 +4842,7 @@
           <p:cNvPr id="6" name="Picture 5">
             <a:extLst>
               <a:ext uri="{FF2B5EF4-FFF2-40B4-BE49-F238E27FC236}">
-                <a16:creationId xmlns:a16="http://schemas.microsoft.com/office/drawing/2014/main" id="{E7BAA566-5BA3-70C2-D61D-43151692E68C}"/>
+                <a16:creationId xmlns:a16="http://schemas.microsoft.com/office/drawing/2014/main" id="{7E2C01E4-A9DF-9880-AF53-389052DE867A}"/>
               </a:ext>
             </a:extLst>
           </p:cNvPr>
@@ -4040,108 +4859,56 @@
         </p:blipFill>
         <p:spPr>
           <a:xfrm>
-            <a:off x="1597026" y="5270458"/>
-            <a:ext cx="7066412" cy="1352764"/>
+            <a:off x="1448656" y="2171700"/>
+            <a:ext cx="8652245" cy="4000500"/>
           </a:xfrm>
           <a:prstGeom prst="rect">
             <a:avLst/>
           </a:prstGeom>
         </p:spPr>
       </p:pic>
-      <p:pic>
-        <p:nvPicPr>
-          <p:cNvPr id="7" name="Picture 6">
+      <p:sp>
+        <p:nvSpPr>
+          <p:cNvPr id="8" name="TextBox 7">
             <a:extLst>
               <a:ext uri="{FF2B5EF4-FFF2-40B4-BE49-F238E27FC236}">
-                <a16:creationId xmlns:a16="http://schemas.microsoft.com/office/drawing/2014/main" id="{5C990834-22A3-EFDC-DA18-7B91ABEC2A51}"/>
+                <a16:creationId xmlns:a16="http://schemas.microsoft.com/office/drawing/2014/main" id="{6D7F2497-F5ED-3934-9A4C-8DB7BD5D336A}"/>
               </a:ext>
             </a:extLst>
           </p:cNvPr>
-          <p:cNvPicPr>
-            <a:picLocks noChangeAspect="1"/>
-          </p:cNvPicPr>
+          <p:cNvSpPr txBox="1"/>
           <p:nvPr/>
-        </p:nvPicPr>
-        <p:blipFill>
-          <a:blip r:embed="rId3"/>
-          <a:stretch>
-            <a:fillRect/>
-          </a:stretch>
-        </p:blipFill>
-        <p:spPr>
-          <a:xfrm>
-            <a:off x="4578351" y="3429000"/>
-            <a:ext cx="2819400" cy="1731099"/>
+        </p:nvSpPr>
+        <p:spPr>
+          <a:xfrm>
+            <a:off x="961489" y="6596390"/>
+            <a:ext cx="6097712" cy="261610"/>
           </a:xfrm>
           <a:prstGeom prst="rect">
             <a:avLst/>
           </a:prstGeom>
-        </p:spPr>
-      </p:pic>
-      <p:pic>
-        <p:nvPicPr>
-          <p:cNvPr id="8" name="Picture 7">
-            <a:extLst>
-              <a:ext uri="{FF2B5EF4-FFF2-40B4-BE49-F238E27FC236}">
-                <a16:creationId xmlns:a16="http://schemas.microsoft.com/office/drawing/2014/main" id="{F30232B5-82EE-2872-5017-4C401C644AF6}"/>
-              </a:ext>
-            </a:extLst>
-          </p:cNvPr>
-          <p:cNvPicPr>
-            <a:picLocks noChangeAspect="1"/>
-          </p:cNvPicPr>
-          <p:nvPr/>
-        </p:nvPicPr>
-        <p:blipFill>
-          <a:blip r:embed="rId3"/>
-          <a:stretch>
-            <a:fillRect/>
-          </a:stretch>
-        </p:blipFill>
-        <p:spPr>
-          <a:xfrm>
-            <a:off x="7613650" y="3429000"/>
-            <a:ext cx="2819400" cy="1731099"/>
-          </a:xfrm>
-          <a:prstGeom prst="rect">
-            <a:avLst/>
-          </a:prstGeom>
-        </p:spPr>
-      </p:pic>
-      <p:pic>
-        <p:nvPicPr>
-          <p:cNvPr id="9" name="Picture 8">
-            <a:extLst>
-              <a:ext uri="{FF2B5EF4-FFF2-40B4-BE49-F238E27FC236}">
-                <a16:creationId xmlns:a16="http://schemas.microsoft.com/office/drawing/2014/main" id="{B116FAFD-389A-E3D4-E558-CF955B1EC2CD}"/>
-              </a:ext>
-            </a:extLst>
-          </p:cNvPr>
-          <p:cNvPicPr>
-            <a:picLocks noChangeAspect="1"/>
-          </p:cNvPicPr>
-          <p:nvPr/>
-        </p:nvPicPr>
-        <p:blipFill>
-          <a:blip r:embed="rId3"/>
-          <a:stretch>
-            <a:fillRect/>
-          </a:stretch>
-        </p:blipFill>
-        <p:spPr>
-          <a:xfrm>
-            <a:off x="1298576" y="3429000"/>
-            <a:ext cx="2819400" cy="1731099"/>
-          </a:xfrm>
-          <a:prstGeom prst="rect">
-            <a:avLst/>
-          </a:prstGeom>
-        </p:spPr>
-      </p:pic>
+          <a:noFill/>
+        </p:spPr>
+        <p:txBody>
+          <a:bodyPr wrap="square">
+            <a:spAutoFit/>
+          </a:bodyPr>
+          <a:lstStyle/>
+          <a:p>
+            <a:r>
+              <a:rPr lang="en-US" sz="1050" dirty="0">
+                <a:hlinkClick r:id="rId3"/>
+              </a:rPr>
+              <a:t>https://public.tableau.com/app/profile/mary.hills/viz/AmesAmenitiesComparison/AmenitesComparison</a:t>
+            </a:r>
+            <a:endParaRPr lang="en-US" sz="1050" dirty="0"/>
+          </a:p>
+        </p:txBody>
+      </p:sp>
     </p:spTree>
     <p:extLst>
       <p:ext uri="{BB962C8B-B14F-4D97-AF65-F5344CB8AC3E}">
-        <p14:creationId xmlns:p14="http://schemas.microsoft.com/office/powerpoint/2010/main" val="1633031557"/>
+        <p14:creationId xmlns:p14="http://schemas.microsoft.com/office/powerpoint/2010/main" val="1857452810"/>
       </p:ext>
     </p:extLst>
   </p:cSld>
@@ -4173,7 +4940,7 @@
           <p:cNvPr id="2" name="Title 1">
             <a:extLst>
               <a:ext uri="{FF2B5EF4-FFF2-40B4-BE49-F238E27FC236}">
-                <a16:creationId xmlns:a16="http://schemas.microsoft.com/office/drawing/2014/main" id="{648977E0-42B4-282F-D0D1-F97673C641B7}"/>
+                <a16:creationId xmlns:a16="http://schemas.microsoft.com/office/drawing/2014/main" id="{08D2179F-65F4-EBF6-F43B-E9AA8825405E}"/>
               </a:ext>
             </a:extLst>
           </p:cNvPr>
@@ -4191,17 +4958,17 @@
           <a:p>
             <a:r>
               <a:rPr lang="en-US" dirty="0"/>
-              <a:t>Results - Modeling</a:t>
-            </a:r>
-          </a:p>
-        </p:txBody>
-      </p:sp>
-      <p:sp>
-        <p:nvSpPr>
-          <p:cNvPr id="3" name="Content Placeholder 2">
+              <a:t>Results – Feature Correlations</a:t>
+            </a:r>
+          </a:p>
+        </p:txBody>
+      </p:sp>
+      <p:sp>
+        <p:nvSpPr>
+          <p:cNvPr id="5" name="Content Placeholder 4">
             <a:extLst>
               <a:ext uri="{FF2B5EF4-FFF2-40B4-BE49-F238E27FC236}">
-                <a16:creationId xmlns:a16="http://schemas.microsoft.com/office/drawing/2014/main" id="{7649B4D3-8D05-FBC5-0961-A61E0EDAC1EB}"/>
+                <a16:creationId xmlns:a16="http://schemas.microsoft.com/office/drawing/2014/main" id="{11695171-2795-5319-F08A-B5DD0720B93F}"/>
               </a:ext>
             </a:extLst>
           </p:cNvPr>
@@ -4212,7 +4979,12 @@
             <p:ph idx="1"/>
           </p:nvPr>
         </p:nvSpPr>
-        <p:spPr/>
+        <p:spPr>
+          <a:xfrm>
+            <a:off x="1371600" y="1578699"/>
+            <a:ext cx="3878494" cy="3581400"/>
+          </a:xfrm>
+        </p:spPr>
         <p:txBody>
           <a:bodyPr>
             <a:normAutofit/>
@@ -4220,96 +4992,29 @@
           <a:lstStyle/>
           <a:p>
             <a:r>
-              <a:rPr lang="en-US" sz="1600" dirty="0"/>
-              <a:t>Trained Linear Regression &amp; XG Boost</a:t>
-            </a:r>
-          </a:p>
-          <a:p>
-            <a:r>
-              <a:rPr lang="en-US" sz="1600" dirty="0"/>
-              <a:t>Q-Q plots suggest there is an interaction or variable not accounted for in the model; overall good fit</a:t>
-            </a:r>
-          </a:p>
-          <a:p>
-            <a:r>
-              <a:rPr lang="en-US" sz="1600" dirty="0"/>
-              <a:t>Linear Regression was powerful out of the box, more complex models only gave marginal gains</a:t>
-            </a:r>
-          </a:p>
-        </p:txBody>
-      </p:sp>
-      <p:sp>
-        <p:nvSpPr>
-          <p:cNvPr id="5" name="TextBox 4">
+              <a:rPr lang="en-US" sz="2000" dirty="0"/>
+              <a:t>Square footage &amp; similar features (room count, floor space) appears strongly correlated to price on </a:t>
+            </a:r>
+            <a:r>
+              <a:rPr lang="en-US" dirty="0"/>
+              <a:t>visual inspection</a:t>
+            </a:r>
+          </a:p>
+          <a:p>
+            <a:r>
+              <a:rPr lang="en-US" dirty="0"/>
+              <a:t>Amenities are clearly weaker</a:t>
+            </a:r>
+            <a:endParaRPr lang="en-US" sz="2000" dirty="0"/>
+          </a:p>
+        </p:txBody>
+      </p:sp>
+      <p:pic>
+        <p:nvPicPr>
+          <p:cNvPr id="4" name="Picture 3">
             <a:extLst>
               <a:ext uri="{FF2B5EF4-FFF2-40B4-BE49-F238E27FC236}">
-                <a16:creationId xmlns:a16="http://schemas.microsoft.com/office/drawing/2014/main" id="{ECB5B000-AE9E-EAF0-3B9E-97C36ACE5B06}"/>
-              </a:ext>
-            </a:extLst>
-          </p:cNvPr>
-          <p:cNvSpPr txBox="1"/>
-          <p:nvPr/>
-        </p:nvSpPr>
-        <p:spPr>
-          <a:xfrm>
-            <a:off x="902748" y="3712036"/>
-            <a:ext cx="6099586" cy="646331"/>
-          </a:xfrm>
-          <a:prstGeom prst="rect">
-            <a:avLst/>
-          </a:prstGeom>
-          <a:noFill/>
-        </p:spPr>
-        <p:txBody>
-          <a:bodyPr wrap="square">
-            <a:spAutoFit/>
-          </a:bodyPr>
-          <a:lstStyle/>
-          <a:p>
-            <a:r>
-              <a:rPr lang="en-US" sz="1200" b="0" i="0" dirty="0">
-                <a:solidFill>
-                  <a:srgbClr val="212121"/>
-                </a:solidFill>
-                <a:effectLst/>
-                <a:latin typeface="Courier New" panose="02070309020205020404" pitchFamily="49" charset="0"/>
-              </a:rPr>
-              <a:t>Training R-Squared: 0.9401</a:t>
-            </a:r>
-          </a:p>
-          <a:p>
-            <a:r>
-              <a:rPr lang="en-US" sz="1200" b="0" i="0" dirty="0">
-                <a:solidFill>
-                  <a:srgbClr val="212121"/>
-                </a:solidFill>
-                <a:effectLst/>
-                <a:latin typeface="Courier New" panose="02070309020205020404" pitchFamily="49" charset="0"/>
-              </a:rPr>
-              <a:t>Testing R-Squared: 0.9397</a:t>
-            </a:r>
-          </a:p>
-          <a:p>
-            <a:r>
-              <a:rPr lang="en-US" sz="1200" b="0" i="0" dirty="0">
-                <a:solidFill>
-                  <a:srgbClr val="212121"/>
-                </a:solidFill>
-                <a:effectLst/>
-                <a:latin typeface="Courier New" panose="02070309020205020404" pitchFamily="49" charset="0"/>
-              </a:rPr>
-              <a:t>Mean Squared Error: 0.0695</a:t>
-            </a:r>
-            <a:endParaRPr lang="en-US" sz="1200" dirty="0"/>
-          </a:p>
-        </p:txBody>
-      </p:sp>
-      <p:pic>
-        <p:nvPicPr>
-          <p:cNvPr id="6" name="Picture 5">
-            <a:extLst>
-              <a:ext uri="{FF2B5EF4-FFF2-40B4-BE49-F238E27FC236}">
-                <a16:creationId xmlns:a16="http://schemas.microsoft.com/office/drawing/2014/main" id="{0DAF551B-2ABE-4D81-8628-0E6F8D1B518E}"/>
+                <a16:creationId xmlns:a16="http://schemas.microsoft.com/office/drawing/2014/main" id="{05CA8EE9-D3BB-E04D-C283-6677038BC0AF}"/>
               </a:ext>
             </a:extLst>
           </p:cNvPr>
@@ -4326,276 +5031,18 @@
         </p:blipFill>
         <p:spPr>
           <a:xfrm>
-            <a:off x="721155" y="4851951"/>
-            <a:ext cx="2496925" cy="1920712"/>
+            <a:off x="5609689" y="1428750"/>
+            <a:ext cx="5637990" cy="5191968"/>
           </a:xfrm>
           <a:prstGeom prst="rect">
             <a:avLst/>
           </a:prstGeom>
         </p:spPr>
       </p:pic>
-      <p:sp>
-        <p:nvSpPr>
-          <p:cNvPr id="8" name="TextBox 7">
-            <a:extLst>
-              <a:ext uri="{FF2B5EF4-FFF2-40B4-BE49-F238E27FC236}">
-                <a16:creationId xmlns:a16="http://schemas.microsoft.com/office/drawing/2014/main" id="{A6DA83AA-1A5A-9A30-B936-511F3F4E9D6A}"/>
-              </a:ext>
-            </a:extLst>
-          </p:cNvPr>
-          <p:cNvSpPr txBox="1"/>
-          <p:nvPr/>
-        </p:nvSpPr>
-        <p:spPr>
-          <a:xfrm>
-            <a:off x="6279394" y="3712036"/>
-            <a:ext cx="6098058" cy="1015663"/>
-          </a:xfrm>
-          <a:prstGeom prst="rect">
-            <a:avLst/>
-          </a:prstGeom>
-          <a:noFill/>
-        </p:spPr>
-        <p:txBody>
-          <a:bodyPr wrap="square">
-            <a:spAutoFit/>
-          </a:bodyPr>
-          <a:lstStyle/>
-          <a:p>
-            <a:r>
-              <a:rPr lang="en-US" sz="1200" b="0" i="0" dirty="0">
-                <a:solidFill>
-                  <a:srgbClr val="212121"/>
-                </a:solidFill>
-                <a:effectLst/>
-                <a:latin typeface="Courier New" panose="02070309020205020404" pitchFamily="49" charset="0"/>
-              </a:rPr>
-              <a:t>Best Parameters: {'</a:t>
-            </a:r>
-            <a:r>
-              <a:rPr lang="en-US" sz="1200" b="0" i="0" dirty="0" err="1">
-                <a:solidFill>
-                  <a:srgbClr val="212121"/>
-                </a:solidFill>
-                <a:effectLst/>
-                <a:latin typeface="Courier New" panose="02070309020205020404" pitchFamily="49" charset="0"/>
-              </a:rPr>
-              <a:t>learning_rate</a:t>
-            </a:r>
-            <a:r>
-              <a:rPr lang="en-US" sz="1200" b="0" i="0" dirty="0">
-                <a:solidFill>
-                  <a:srgbClr val="212121"/>
-                </a:solidFill>
-                <a:effectLst/>
-                <a:latin typeface="Courier New" panose="02070309020205020404" pitchFamily="49" charset="0"/>
-              </a:rPr>
-              <a:t>': 0.1, 'loss': '</a:t>
-            </a:r>
-            <a:r>
-              <a:rPr lang="en-US" sz="1200" b="0" i="0" dirty="0" err="1">
-                <a:solidFill>
-                  <a:srgbClr val="212121"/>
-                </a:solidFill>
-                <a:effectLst/>
-                <a:latin typeface="Courier New" panose="02070309020205020404" pitchFamily="49" charset="0"/>
-              </a:rPr>
-              <a:t>huber</a:t>
-            </a:r>
-            <a:r>
-              <a:rPr lang="en-US" sz="1200" b="0" i="0" dirty="0">
-                <a:solidFill>
-                  <a:srgbClr val="212121"/>
-                </a:solidFill>
-                <a:effectLst/>
-                <a:latin typeface="Courier New" panose="02070309020205020404" pitchFamily="49" charset="0"/>
-              </a:rPr>
-              <a:t>', '</a:t>
-            </a:r>
-            <a:r>
-              <a:rPr lang="en-US" sz="1200" b="0" i="0" dirty="0" err="1">
-                <a:solidFill>
-                  <a:srgbClr val="212121"/>
-                </a:solidFill>
-                <a:effectLst/>
-                <a:latin typeface="Courier New" panose="02070309020205020404" pitchFamily="49" charset="0"/>
-              </a:rPr>
-              <a:t>max_depth</a:t>
-            </a:r>
-            <a:r>
-              <a:rPr lang="en-US" sz="1200" b="0" i="0" dirty="0">
-                <a:solidFill>
-                  <a:srgbClr val="212121"/>
-                </a:solidFill>
-                <a:effectLst/>
-                <a:latin typeface="Courier New" panose="02070309020205020404" pitchFamily="49" charset="0"/>
-              </a:rPr>
-              <a:t>': 3, '</a:t>
-            </a:r>
-            <a:r>
-              <a:rPr lang="en-US" sz="1200" b="0" i="0" dirty="0" err="1">
-                <a:solidFill>
-                  <a:srgbClr val="212121"/>
-                </a:solidFill>
-                <a:effectLst/>
-                <a:latin typeface="Courier New" panose="02070309020205020404" pitchFamily="49" charset="0"/>
-              </a:rPr>
-              <a:t>n_estimators</a:t>
-            </a:r>
-            <a:r>
-              <a:rPr lang="en-US" sz="1200" b="0" i="0" dirty="0">
-                <a:solidFill>
-                  <a:srgbClr val="212121"/>
-                </a:solidFill>
-                <a:effectLst/>
-                <a:latin typeface="Courier New" panose="02070309020205020404" pitchFamily="49" charset="0"/>
-              </a:rPr>
-              <a:t>': 200, 'subsample': 1.0}</a:t>
-            </a:r>
-          </a:p>
-          <a:p>
-            <a:r>
-              <a:rPr lang="en-US" sz="1200" b="0" i="0" dirty="0">
-                <a:solidFill>
-                  <a:srgbClr val="212121"/>
-                </a:solidFill>
-                <a:effectLst/>
-                <a:latin typeface="Courier New" panose="02070309020205020404" pitchFamily="49" charset="0"/>
-              </a:rPr>
-              <a:t>Training R-Squared: 0.9676501961674518</a:t>
-            </a:r>
-          </a:p>
-          <a:p>
-            <a:r>
-              <a:rPr lang="en-US" sz="1200" b="0" i="0" dirty="0">
-                <a:solidFill>
-                  <a:srgbClr val="212121"/>
-                </a:solidFill>
-                <a:effectLst/>
-                <a:latin typeface="Courier New" panose="02070309020205020404" pitchFamily="49" charset="0"/>
-              </a:rPr>
-              <a:t>Testing R-Squared: 0.9501703258657423</a:t>
-            </a:r>
-          </a:p>
-          <a:p>
-            <a:r>
-              <a:rPr lang="en-US" sz="1200" b="0" i="0" dirty="0">
-                <a:solidFill>
-                  <a:srgbClr val="212121"/>
-                </a:solidFill>
-                <a:effectLst/>
-                <a:latin typeface="Courier New" panose="02070309020205020404" pitchFamily="49" charset="0"/>
-              </a:rPr>
-              <a:t>Mean Squared Error: 0.05743137013095087</a:t>
-            </a:r>
-            <a:endParaRPr lang="en-US" sz="1200" dirty="0"/>
-          </a:p>
-        </p:txBody>
-      </p:sp>
-      <p:pic>
-        <p:nvPicPr>
-          <p:cNvPr id="9" name="Picture 8">
-            <a:extLst>
-              <a:ext uri="{FF2B5EF4-FFF2-40B4-BE49-F238E27FC236}">
-                <a16:creationId xmlns:a16="http://schemas.microsoft.com/office/drawing/2014/main" id="{66DE6F22-C19C-6DDD-72D6-C2CC440844A9}"/>
-              </a:ext>
-            </a:extLst>
-          </p:cNvPr>
-          <p:cNvPicPr>
-            <a:picLocks noChangeAspect="1"/>
-          </p:cNvPicPr>
-          <p:nvPr/>
-        </p:nvPicPr>
-        <p:blipFill>
-          <a:blip r:embed="rId3"/>
-          <a:stretch>
-            <a:fillRect/>
-          </a:stretch>
-        </p:blipFill>
-        <p:spPr>
-          <a:xfrm>
-            <a:off x="6235465" y="4843221"/>
-            <a:ext cx="2496925" cy="1929442"/>
-          </a:xfrm>
-          <a:prstGeom prst="rect">
-            <a:avLst/>
-          </a:prstGeom>
-        </p:spPr>
-      </p:pic>
-      <p:sp>
-        <p:nvSpPr>
-          <p:cNvPr id="10" name="TextBox 9">
-            <a:extLst>
-              <a:ext uri="{FF2B5EF4-FFF2-40B4-BE49-F238E27FC236}">
-                <a16:creationId xmlns:a16="http://schemas.microsoft.com/office/drawing/2014/main" id="{AB9BED85-BF37-EBC4-9E47-828EB9A25EF5}"/>
-              </a:ext>
-            </a:extLst>
-          </p:cNvPr>
-          <p:cNvSpPr txBox="1"/>
-          <p:nvPr/>
-        </p:nvSpPr>
-        <p:spPr>
-          <a:xfrm>
-            <a:off x="902748" y="3254835"/>
-            <a:ext cx="1857047" cy="369332"/>
-          </a:xfrm>
-          <a:prstGeom prst="rect">
-            <a:avLst/>
-          </a:prstGeom>
-          <a:noFill/>
-        </p:spPr>
-        <p:txBody>
-          <a:bodyPr wrap="none" rtlCol="0">
-            <a:spAutoFit/>
-          </a:bodyPr>
-          <a:lstStyle/>
-          <a:p>
-            <a:r>
-              <a:rPr lang="en-US" b="1" dirty="0"/>
-              <a:t>Linear Regression</a:t>
-            </a:r>
-          </a:p>
-        </p:txBody>
-      </p:sp>
-      <p:sp>
-        <p:nvSpPr>
-          <p:cNvPr id="11" name="TextBox 10">
-            <a:extLst>
-              <a:ext uri="{FF2B5EF4-FFF2-40B4-BE49-F238E27FC236}">
-                <a16:creationId xmlns:a16="http://schemas.microsoft.com/office/drawing/2014/main" id="{922308BE-A560-9116-D370-48D64EFD8336}"/>
-              </a:ext>
-            </a:extLst>
-          </p:cNvPr>
-          <p:cNvSpPr txBox="1"/>
-          <p:nvPr/>
-        </p:nvSpPr>
-        <p:spPr>
-          <a:xfrm>
-            <a:off x="6300013" y="3254835"/>
-            <a:ext cx="1048877" cy="369332"/>
-          </a:xfrm>
-          <a:prstGeom prst="rect">
-            <a:avLst/>
-          </a:prstGeom>
-          <a:noFill/>
-        </p:spPr>
-        <p:txBody>
-          <a:bodyPr wrap="none" rtlCol="0">
-            <a:spAutoFit/>
-          </a:bodyPr>
-          <a:lstStyle/>
-          <a:p>
-            <a:r>
-              <a:rPr lang="en-US" b="1" dirty="0"/>
-              <a:t>XG Boost</a:t>
-            </a:r>
-          </a:p>
-        </p:txBody>
-      </p:sp>
     </p:spTree>
     <p:extLst>
       <p:ext uri="{BB962C8B-B14F-4D97-AF65-F5344CB8AC3E}">
-        <p14:creationId xmlns:p14="http://schemas.microsoft.com/office/powerpoint/2010/main" val="1935017643"/>
+        <p14:creationId xmlns:p14="http://schemas.microsoft.com/office/powerpoint/2010/main" val="619546377"/>
       </p:ext>
     </p:extLst>
   </p:cSld>
@@ -4624,10 +5071,10 @@
       </p:grpSpPr>
       <p:sp>
         <p:nvSpPr>
-          <p:cNvPr id="4" name="Title 3">
+          <p:cNvPr id="2" name="Title 1">
             <a:extLst>
               <a:ext uri="{FF2B5EF4-FFF2-40B4-BE49-F238E27FC236}">
-                <a16:creationId xmlns:a16="http://schemas.microsoft.com/office/drawing/2014/main" id="{F17AF95F-802B-8046-67B5-87AD84606689}"/>
+                <a16:creationId xmlns:a16="http://schemas.microsoft.com/office/drawing/2014/main" id="{08D2179F-65F4-EBF6-F43B-E9AA8825405E}"/>
               </a:ext>
             </a:extLst>
           </p:cNvPr>
@@ -4645,17 +5092,17 @@
           <a:p>
             <a:r>
               <a:rPr lang="en-US" dirty="0"/>
-              <a:t>Demo Time</a:t>
-            </a:r>
-          </a:p>
-        </p:txBody>
-      </p:sp>
-      <p:sp>
-        <p:nvSpPr>
-          <p:cNvPr id="5" name="Text Placeholder 4">
+              <a:t>Results - Clustering</a:t>
+            </a:r>
+          </a:p>
+        </p:txBody>
+      </p:sp>
+      <p:sp>
+        <p:nvSpPr>
+          <p:cNvPr id="5" name="Content Placeholder 4">
             <a:extLst>
               <a:ext uri="{FF2B5EF4-FFF2-40B4-BE49-F238E27FC236}">
-                <a16:creationId xmlns:a16="http://schemas.microsoft.com/office/drawing/2014/main" id="{F9BFE6C5-A285-6A45-630C-B152BA54BB21}"/>
+                <a16:creationId xmlns:a16="http://schemas.microsoft.com/office/drawing/2014/main" id="{11695171-2795-5319-F08A-B5DD0720B93F}"/>
               </a:ext>
             </a:extLst>
           </p:cNvPr>
@@ -4663,31 +5110,1009 @@
             <a:spLocks noGrp="1"/>
           </p:cNvSpPr>
           <p:nvPr>
-            <p:ph type="body" idx="1"/>
-          </p:nvPr>
-        </p:nvSpPr>
-        <p:spPr/>
-        <p:txBody>
-          <a:bodyPr/>
+            <p:ph idx="1"/>
+          </p:nvPr>
+        </p:nvSpPr>
+        <p:spPr>
+          <a:xfrm>
+            <a:off x="1371600" y="1578699"/>
+            <a:ext cx="10361488" cy="3581400"/>
+          </a:xfrm>
+        </p:spPr>
+        <p:txBody>
+          <a:bodyPr>
+            <a:normAutofit/>
+          </a:bodyPr>
           <a:lstStyle/>
           <a:p>
             <a:r>
+              <a:rPr lang="en-US" sz="2000" dirty="0"/>
+              <a:t>Price and condition appeared to be clearly visible strong elements in our cluster analysis</a:t>
+            </a:r>
+          </a:p>
+          <a:p>
+            <a:r>
               <a:rPr lang="en-US" dirty="0"/>
-              <a:t>Predictions Webpage</a:t>
-            </a:r>
-          </a:p>
-          <a:p>
-            <a:r>
-              <a:rPr lang="en-US" dirty="0"/>
-              <a:t>Report Webpage</a:t>
-            </a:r>
-          </a:p>
-        </p:txBody>
-      </p:sp>
+              <a:t>Total SF and year built &amp; Overall Quality are correlated</a:t>
+            </a:r>
+          </a:p>
+          <a:p>
+            <a:r>
+              <a:rPr lang="en-US" sz="2000" dirty="0"/>
+              <a:t>Our clusters reflect age, which reflects size</a:t>
+            </a:r>
+          </a:p>
+        </p:txBody>
+      </p:sp>
+      <p:pic>
+        <p:nvPicPr>
+          <p:cNvPr id="6" name="Picture 5">
+            <a:extLst>
+              <a:ext uri="{FF2B5EF4-FFF2-40B4-BE49-F238E27FC236}">
+                <a16:creationId xmlns:a16="http://schemas.microsoft.com/office/drawing/2014/main" id="{E7BAA566-5BA3-70C2-D61D-43151692E68C}"/>
+              </a:ext>
+            </a:extLst>
+          </p:cNvPr>
+          <p:cNvPicPr>
+            <a:picLocks noChangeAspect="1"/>
+          </p:cNvPicPr>
+          <p:nvPr/>
+        </p:nvPicPr>
+        <p:blipFill>
+          <a:blip r:embed="rId2"/>
+          <a:stretch>
+            <a:fillRect/>
+          </a:stretch>
+        </p:blipFill>
+        <p:spPr>
+          <a:xfrm>
+            <a:off x="1484616" y="3151598"/>
+            <a:ext cx="7066412" cy="1352764"/>
+          </a:xfrm>
+          <a:prstGeom prst="rect">
+            <a:avLst/>
+          </a:prstGeom>
+        </p:spPr>
+      </p:pic>
     </p:spTree>
     <p:extLst>
       <p:ext uri="{BB962C8B-B14F-4D97-AF65-F5344CB8AC3E}">
-        <p14:creationId xmlns:p14="http://schemas.microsoft.com/office/powerpoint/2010/main" val="1728851342"/>
+        <p14:creationId xmlns:p14="http://schemas.microsoft.com/office/powerpoint/2010/main" val="1921193494"/>
+      </p:ext>
+    </p:extLst>
+  </p:cSld>
+  <p:clrMapOvr>
+    <a:masterClrMapping/>
+  </p:clrMapOvr>
+</p:sld>
+</file>
+
+<file path=ppt/slides/slide7.xml><?xml version="1.0" encoding="utf-8"?>
+<p:sld xmlns:a="http://schemas.openxmlformats.org/drawingml/2006/main" xmlns:r="http://schemas.openxmlformats.org/officeDocument/2006/relationships" xmlns:p="http://schemas.openxmlformats.org/presentationml/2006/main">
+  <p:cSld>
+    <p:spTree>
+      <p:nvGrpSpPr>
+        <p:cNvPr id="1" name=""/>
+        <p:cNvGrpSpPr/>
+        <p:nvPr/>
+      </p:nvGrpSpPr>
+      <p:grpSpPr>
+        <a:xfrm>
+          <a:off x="0" y="0"/>
+          <a:ext cx="0" cy="0"/>
+          <a:chOff x="0" y="0"/>
+          <a:chExt cx="0" cy="0"/>
+        </a:xfrm>
+      </p:grpSpPr>
+      <p:sp>
+        <p:nvSpPr>
+          <p:cNvPr id="2" name="Title 1">
+            <a:extLst>
+              <a:ext uri="{FF2B5EF4-FFF2-40B4-BE49-F238E27FC236}">
+                <a16:creationId xmlns:a16="http://schemas.microsoft.com/office/drawing/2014/main" id="{08D2179F-65F4-EBF6-F43B-E9AA8825405E}"/>
+              </a:ext>
+            </a:extLst>
+          </p:cNvPr>
+          <p:cNvSpPr>
+            <a:spLocks noGrp="1"/>
+          </p:cNvSpPr>
+          <p:nvPr>
+            <p:ph type="title"/>
+          </p:nvPr>
+        </p:nvSpPr>
+        <p:spPr/>
+        <p:txBody>
+          <a:bodyPr/>
+          <a:lstStyle/>
+          <a:p>
+            <a:r>
+              <a:rPr lang="en-US" dirty="0"/>
+              <a:t>Results - Clustering</a:t>
+            </a:r>
+          </a:p>
+        </p:txBody>
+      </p:sp>
+      <p:sp>
+        <p:nvSpPr>
+          <p:cNvPr id="5" name="Content Placeholder 4">
+            <a:extLst>
+              <a:ext uri="{FF2B5EF4-FFF2-40B4-BE49-F238E27FC236}">
+                <a16:creationId xmlns:a16="http://schemas.microsoft.com/office/drawing/2014/main" id="{11695171-2795-5319-F08A-B5DD0720B93F}"/>
+              </a:ext>
+            </a:extLst>
+          </p:cNvPr>
+          <p:cNvSpPr>
+            <a:spLocks noGrp="1"/>
+          </p:cNvSpPr>
+          <p:nvPr>
+            <p:ph idx="1"/>
+          </p:nvPr>
+        </p:nvSpPr>
+        <p:spPr>
+          <a:xfrm>
+            <a:off x="1371600" y="1578699"/>
+            <a:ext cx="10361488" cy="3581400"/>
+          </a:xfrm>
+        </p:spPr>
+        <p:txBody>
+          <a:bodyPr>
+            <a:normAutofit/>
+          </a:bodyPr>
+          <a:lstStyle/>
+          <a:p>
+            <a:r>
+              <a:rPr lang="en-US" sz="2000" dirty="0"/>
+              <a:t>Condition and home size are key in clusters</a:t>
+            </a:r>
+          </a:p>
+        </p:txBody>
+      </p:sp>
+      <p:pic>
+        <p:nvPicPr>
+          <p:cNvPr id="4" name="Picture 3">
+            <a:extLst>
+              <a:ext uri="{FF2B5EF4-FFF2-40B4-BE49-F238E27FC236}">
+                <a16:creationId xmlns:a16="http://schemas.microsoft.com/office/drawing/2014/main" id="{3BCA8EFC-FBE8-7FF6-5870-439B3ED0A13A}"/>
+              </a:ext>
+            </a:extLst>
+          </p:cNvPr>
+          <p:cNvPicPr>
+            <a:picLocks noChangeAspect="1"/>
+          </p:cNvPicPr>
+          <p:nvPr/>
+        </p:nvPicPr>
+        <p:blipFill>
+          <a:blip r:embed="rId2"/>
+          <a:stretch>
+            <a:fillRect/>
+          </a:stretch>
+        </p:blipFill>
+        <p:spPr>
+          <a:xfrm>
+            <a:off x="1445517" y="2000386"/>
+            <a:ext cx="5109395" cy="2189740"/>
+          </a:xfrm>
+          <a:prstGeom prst="rect">
+            <a:avLst/>
+          </a:prstGeom>
+        </p:spPr>
+      </p:pic>
+      <p:pic>
+        <p:nvPicPr>
+          <p:cNvPr id="11" name="Picture 10">
+            <a:extLst>
+              <a:ext uri="{FF2B5EF4-FFF2-40B4-BE49-F238E27FC236}">
+                <a16:creationId xmlns:a16="http://schemas.microsoft.com/office/drawing/2014/main" id="{30842D55-4E3C-55CE-543A-5A5C9F6A6C00}"/>
+              </a:ext>
+            </a:extLst>
+          </p:cNvPr>
+          <p:cNvPicPr>
+            <a:picLocks noChangeAspect="1"/>
+          </p:cNvPicPr>
+          <p:nvPr/>
+        </p:nvPicPr>
+        <p:blipFill>
+          <a:blip r:embed="rId3"/>
+          <a:stretch>
+            <a:fillRect/>
+          </a:stretch>
+        </p:blipFill>
+        <p:spPr>
+          <a:xfrm>
+            <a:off x="6096000" y="4160589"/>
+            <a:ext cx="5899363" cy="2528298"/>
+          </a:xfrm>
+          <a:prstGeom prst="rect">
+            <a:avLst/>
+          </a:prstGeom>
+        </p:spPr>
+      </p:pic>
+    </p:spTree>
+    <p:extLst>
+      <p:ext uri="{BB962C8B-B14F-4D97-AF65-F5344CB8AC3E}">
+        <p14:creationId xmlns:p14="http://schemas.microsoft.com/office/powerpoint/2010/main" val="1633031557"/>
+      </p:ext>
+    </p:extLst>
+  </p:cSld>
+  <p:clrMapOvr>
+    <a:masterClrMapping/>
+  </p:clrMapOvr>
+</p:sld>
+</file>
+
+<file path=ppt/slides/slide8.xml><?xml version="1.0" encoding="utf-8"?>
+<p:sld xmlns:a="http://schemas.openxmlformats.org/drawingml/2006/main" xmlns:r="http://schemas.openxmlformats.org/officeDocument/2006/relationships" xmlns:p="http://schemas.openxmlformats.org/presentationml/2006/main">
+  <p:cSld>
+    <p:spTree>
+      <p:nvGrpSpPr>
+        <p:cNvPr id="1" name=""/>
+        <p:cNvGrpSpPr/>
+        <p:nvPr/>
+      </p:nvGrpSpPr>
+      <p:grpSpPr>
+        <a:xfrm>
+          <a:off x="0" y="0"/>
+          <a:ext cx="0" cy="0"/>
+          <a:chOff x="0" y="0"/>
+          <a:chExt cx="0" cy="0"/>
+        </a:xfrm>
+      </p:grpSpPr>
+      <p:sp>
+        <p:nvSpPr>
+          <p:cNvPr id="2" name="Title 1">
+            <a:extLst>
+              <a:ext uri="{FF2B5EF4-FFF2-40B4-BE49-F238E27FC236}">
+                <a16:creationId xmlns:a16="http://schemas.microsoft.com/office/drawing/2014/main" id="{648977E0-42B4-282F-D0D1-F97673C641B7}"/>
+              </a:ext>
+            </a:extLst>
+          </p:cNvPr>
+          <p:cNvSpPr>
+            <a:spLocks noGrp="1"/>
+          </p:cNvSpPr>
+          <p:nvPr>
+            <p:ph type="title"/>
+          </p:nvPr>
+        </p:nvSpPr>
+        <p:spPr/>
+        <p:txBody>
+          <a:bodyPr/>
+          <a:lstStyle/>
+          <a:p>
+            <a:r>
+              <a:rPr lang="en-US" dirty="0"/>
+              <a:t>Results - Modeling</a:t>
+            </a:r>
+          </a:p>
+        </p:txBody>
+      </p:sp>
+      <p:sp>
+        <p:nvSpPr>
+          <p:cNvPr id="3" name="Content Placeholder 2">
+            <a:extLst>
+              <a:ext uri="{FF2B5EF4-FFF2-40B4-BE49-F238E27FC236}">
+                <a16:creationId xmlns:a16="http://schemas.microsoft.com/office/drawing/2014/main" id="{7649B4D3-8D05-FBC5-0961-A61E0EDAC1EB}"/>
+              </a:ext>
+            </a:extLst>
+          </p:cNvPr>
+          <p:cNvSpPr>
+            <a:spLocks noGrp="1"/>
+          </p:cNvSpPr>
+          <p:nvPr>
+            <p:ph idx="1"/>
+          </p:nvPr>
+        </p:nvSpPr>
+        <p:spPr>
+          <a:xfrm>
+            <a:off x="1371600" y="1560744"/>
+            <a:ext cx="9601200" cy="3581400"/>
+          </a:xfrm>
+        </p:spPr>
+        <p:txBody>
+          <a:bodyPr>
+            <a:normAutofit/>
+          </a:bodyPr>
+          <a:lstStyle/>
+          <a:p>
+            <a:r>
+              <a:rPr lang="en-US" sz="1600" dirty="0"/>
+              <a:t>Trained Linear Regression &amp; Gradient Boosting</a:t>
+            </a:r>
+          </a:p>
+          <a:p>
+            <a:r>
+              <a:rPr lang="en-US" sz="1600" dirty="0"/>
+              <a:t>Q-Q plots suggest there is an interaction or variable not accounted for in the model; overall good fit</a:t>
+            </a:r>
+          </a:p>
+          <a:p>
+            <a:r>
+              <a:rPr lang="en-US" sz="1600" dirty="0"/>
+              <a:t>Linear Regression was powerful out of the box, more complex models only gave marginal gains</a:t>
+            </a:r>
+          </a:p>
+        </p:txBody>
+      </p:sp>
+      <p:sp>
+        <p:nvSpPr>
+          <p:cNvPr id="5" name="TextBox 4">
+            <a:extLst>
+              <a:ext uri="{FF2B5EF4-FFF2-40B4-BE49-F238E27FC236}">
+                <a16:creationId xmlns:a16="http://schemas.microsoft.com/office/drawing/2014/main" id="{ECB5B000-AE9E-EAF0-3B9E-97C36ACE5B06}"/>
+              </a:ext>
+            </a:extLst>
+          </p:cNvPr>
+          <p:cNvSpPr txBox="1"/>
+          <p:nvPr/>
+        </p:nvSpPr>
+        <p:spPr>
+          <a:xfrm>
+            <a:off x="1858243" y="3506556"/>
+            <a:ext cx="6099586" cy="646331"/>
+          </a:xfrm>
+          <a:prstGeom prst="rect">
+            <a:avLst/>
+          </a:prstGeom>
+          <a:noFill/>
+        </p:spPr>
+        <p:txBody>
+          <a:bodyPr wrap="square">
+            <a:spAutoFit/>
+          </a:bodyPr>
+          <a:lstStyle/>
+          <a:p>
+            <a:r>
+              <a:rPr lang="en-US" sz="1200" b="0" i="0" dirty="0">
+                <a:solidFill>
+                  <a:srgbClr val="212121"/>
+                </a:solidFill>
+                <a:effectLst/>
+                <a:latin typeface="Courier New" panose="02070309020205020404" pitchFamily="49" charset="0"/>
+              </a:rPr>
+              <a:t>Training R-Squared: 0.9401</a:t>
+            </a:r>
+          </a:p>
+          <a:p>
+            <a:r>
+              <a:rPr lang="en-US" sz="1200" b="0" i="0" dirty="0">
+                <a:solidFill>
+                  <a:srgbClr val="212121"/>
+                </a:solidFill>
+                <a:effectLst/>
+                <a:latin typeface="Courier New" panose="02070309020205020404" pitchFamily="49" charset="0"/>
+              </a:rPr>
+              <a:t>Testing R-Squared: 0.9397</a:t>
+            </a:r>
+          </a:p>
+          <a:p>
+            <a:r>
+              <a:rPr lang="en-US" sz="1200" b="0" i="0" dirty="0">
+                <a:solidFill>
+                  <a:srgbClr val="212121"/>
+                </a:solidFill>
+                <a:effectLst/>
+                <a:latin typeface="Courier New" panose="02070309020205020404" pitchFamily="49" charset="0"/>
+              </a:rPr>
+              <a:t>Mean Squared Error: 0.0695</a:t>
+            </a:r>
+            <a:endParaRPr lang="en-US" sz="1200" dirty="0"/>
+          </a:p>
+        </p:txBody>
+      </p:sp>
+      <p:pic>
+        <p:nvPicPr>
+          <p:cNvPr id="6" name="Picture 5">
+            <a:extLst>
+              <a:ext uri="{FF2B5EF4-FFF2-40B4-BE49-F238E27FC236}">
+                <a16:creationId xmlns:a16="http://schemas.microsoft.com/office/drawing/2014/main" id="{0DAF551B-2ABE-4D81-8628-0E6F8D1B518E}"/>
+              </a:ext>
+            </a:extLst>
+          </p:cNvPr>
+          <p:cNvPicPr>
+            <a:picLocks noChangeAspect="1"/>
+          </p:cNvPicPr>
+          <p:nvPr/>
+        </p:nvPicPr>
+        <p:blipFill>
+          <a:blip r:embed="rId2"/>
+          <a:stretch>
+            <a:fillRect/>
+          </a:stretch>
+        </p:blipFill>
+        <p:spPr>
+          <a:xfrm>
+            <a:off x="1676650" y="4851951"/>
+            <a:ext cx="2496925" cy="1920712"/>
+          </a:xfrm>
+          <a:prstGeom prst="rect">
+            <a:avLst/>
+          </a:prstGeom>
+        </p:spPr>
+      </p:pic>
+      <p:sp>
+        <p:nvSpPr>
+          <p:cNvPr id="8" name="TextBox 7">
+            <a:extLst>
+              <a:ext uri="{FF2B5EF4-FFF2-40B4-BE49-F238E27FC236}">
+                <a16:creationId xmlns:a16="http://schemas.microsoft.com/office/drawing/2014/main" id="{A6DA83AA-1A5A-9A30-B936-511F3F4E9D6A}"/>
+              </a:ext>
+            </a:extLst>
+          </p:cNvPr>
+          <p:cNvSpPr txBox="1"/>
+          <p:nvPr/>
+        </p:nvSpPr>
+        <p:spPr>
+          <a:xfrm>
+            <a:off x="5214370" y="3506556"/>
+            <a:ext cx="6098058" cy="1015663"/>
+          </a:xfrm>
+          <a:prstGeom prst="rect">
+            <a:avLst/>
+          </a:prstGeom>
+          <a:noFill/>
+        </p:spPr>
+        <p:txBody>
+          <a:bodyPr wrap="square">
+            <a:spAutoFit/>
+          </a:bodyPr>
+          <a:lstStyle/>
+          <a:p>
+            <a:r>
+              <a:rPr lang="en-US" sz="1200" b="0" i="0" dirty="0">
+                <a:solidFill>
+                  <a:srgbClr val="212121"/>
+                </a:solidFill>
+                <a:effectLst/>
+                <a:latin typeface="Courier New" panose="02070309020205020404" pitchFamily="49" charset="0"/>
+              </a:rPr>
+              <a:t>Best Parameters: {'</a:t>
+            </a:r>
+            <a:r>
+              <a:rPr lang="en-US" sz="1200" b="0" i="0" dirty="0" err="1">
+                <a:solidFill>
+                  <a:srgbClr val="212121"/>
+                </a:solidFill>
+                <a:effectLst/>
+                <a:latin typeface="Courier New" panose="02070309020205020404" pitchFamily="49" charset="0"/>
+              </a:rPr>
+              <a:t>learning_rate</a:t>
+            </a:r>
+            <a:r>
+              <a:rPr lang="en-US" sz="1200" b="0" i="0" dirty="0">
+                <a:solidFill>
+                  <a:srgbClr val="212121"/>
+                </a:solidFill>
+                <a:effectLst/>
+                <a:latin typeface="Courier New" panose="02070309020205020404" pitchFamily="49" charset="0"/>
+              </a:rPr>
+              <a:t>': 0.1, 'loss': '</a:t>
+            </a:r>
+            <a:r>
+              <a:rPr lang="en-US" sz="1200" b="0" i="0" dirty="0" err="1">
+                <a:solidFill>
+                  <a:srgbClr val="212121"/>
+                </a:solidFill>
+                <a:effectLst/>
+                <a:latin typeface="Courier New" panose="02070309020205020404" pitchFamily="49" charset="0"/>
+              </a:rPr>
+              <a:t>huber</a:t>
+            </a:r>
+            <a:r>
+              <a:rPr lang="en-US" sz="1200" b="0" i="0" dirty="0">
+                <a:solidFill>
+                  <a:srgbClr val="212121"/>
+                </a:solidFill>
+                <a:effectLst/>
+                <a:latin typeface="Courier New" panose="02070309020205020404" pitchFamily="49" charset="0"/>
+              </a:rPr>
+              <a:t>', '</a:t>
+            </a:r>
+            <a:r>
+              <a:rPr lang="en-US" sz="1200" b="0" i="0" dirty="0" err="1">
+                <a:solidFill>
+                  <a:srgbClr val="212121"/>
+                </a:solidFill>
+                <a:effectLst/>
+                <a:latin typeface="Courier New" panose="02070309020205020404" pitchFamily="49" charset="0"/>
+              </a:rPr>
+              <a:t>max_depth</a:t>
+            </a:r>
+            <a:r>
+              <a:rPr lang="en-US" sz="1200" b="0" i="0" dirty="0">
+                <a:solidFill>
+                  <a:srgbClr val="212121"/>
+                </a:solidFill>
+                <a:effectLst/>
+                <a:latin typeface="Courier New" panose="02070309020205020404" pitchFamily="49" charset="0"/>
+              </a:rPr>
+              <a:t>': 3, '</a:t>
+            </a:r>
+            <a:r>
+              <a:rPr lang="en-US" sz="1200" b="0" i="0" dirty="0" err="1">
+                <a:solidFill>
+                  <a:srgbClr val="212121"/>
+                </a:solidFill>
+                <a:effectLst/>
+                <a:latin typeface="Courier New" panose="02070309020205020404" pitchFamily="49" charset="0"/>
+              </a:rPr>
+              <a:t>n_estimators</a:t>
+            </a:r>
+            <a:r>
+              <a:rPr lang="en-US" sz="1200" b="0" i="0" dirty="0">
+                <a:solidFill>
+                  <a:srgbClr val="212121"/>
+                </a:solidFill>
+                <a:effectLst/>
+                <a:latin typeface="Courier New" panose="02070309020205020404" pitchFamily="49" charset="0"/>
+              </a:rPr>
+              <a:t>': 200, 'subsample': 1.0}</a:t>
+            </a:r>
+          </a:p>
+          <a:p>
+            <a:r>
+              <a:rPr lang="en-US" sz="1200" b="0" i="0" dirty="0">
+                <a:solidFill>
+                  <a:srgbClr val="212121"/>
+                </a:solidFill>
+                <a:effectLst/>
+                <a:latin typeface="Courier New" panose="02070309020205020404" pitchFamily="49" charset="0"/>
+              </a:rPr>
+              <a:t>Training R-Squared: 0.9676501961674518</a:t>
+            </a:r>
+          </a:p>
+          <a:p>
+            <a:r>
+              <a:rPr lang="en-US" sz="1200" b="0" i="0" dirty="0">
+                <a:solidFill>
+                  <a:srgbClr val="212121"/>
+                </a:solidFill>
+                <a:effectLst/>
+                <a:latin typeface="Courier New" panose="02070309020205020404" pitchFamily="49" charset="0"/>
+              </a:rPr>
+              <a:t>Testing R-Squared: 0.9501703258657423</a:t>
+            </a:r>
+          </a:p>
+          <a:p>
+            <a:r>
+              <a:rPr lang="en-US" sz="1200" b="0" i="0" dirty="0">
+                <a:solidFill>
+                  <a:srgbClr val="212121"/>
+                </a:solidFill>
+                <a:effectLst/>
+                <a:latin typeface="Courier New" panose="02070309020205020404" pitchFamily="49" charset="0"/>
+              </a:rPr>
+              <a:t>Mean Squared Error: 0.05743137013095087</a:t>
+            </a:r>
+            <a:endParaRPr lang="en-US" sz="1200" dirty="0"/>
+          </a:p>
+        </p:txBody>
+      </p:sp>
+      <p:pic>
+        <p:nvPicPr>
+          <p:cNvPr id="9" name="Picture 8">
+            <a:extLst>
+              <a:ext uri="{FF2B5EF4-FFF2-40B4-BE49-F238E27FC236}">
+                <a16:creationId xmlns:a16="http://schemas.microsoft.com/office/drawing/2014/main" id="{66DE6F22-C19C-6DDD-72D6-C2CC440844A9}"/>
+              </a:ext>
+            </a:extLst>
+          </p:cNvPr>
+          <p:cNvPicPr>
+            <a:picLocks noChangeAspect="1"/>
+          </p:cNvPicPr>
+          <p:nvPr/>
+        </p:nvPicPr>
+        <p:blipFill>
+          <a:blip r:embed="rId3"/>
+          <a:stretch>
+            <a:fillRect/>
+          </a:stretch>
+        </p:blipFill>
+        <p:spPr>
+          <a:xfrm>
+            <a:off x="5170441" y="4843221"/>
+            <a:ext cx="2496925" cy="1929442"/>
+          </a:xfrm>
+          <a:prstGeom prst="rect">
+            <a:avLst/>
+          </a:prstGeom>
+        </p:spPr>
+      </p:pic>
+      <p:sp>
+        <p:nvSpPr>
+          <p:cNvPr id="10" name="TextBox 9">
+            <a:extLst>
+              <a:ext uri="{FF2B5EF4-FFF2-40B4-BE49-F238E27FC236}">
+                <a16:creationId xmlns:a16="http://schemas.microsoft.com/office/drawing/2014/main" id="{AB9BED85-BF37-EBC4-9E47-828EB9A25EF5}"/>
+              </a:ext>
+            </a:extLst>
+          </p:cNvPr>
+          <p:cNvSpPr txBox="1"/>
+          <p:nvPr/>
+        </p:nvSpPr>
+        <p:spPr>
+          <a:xfrm>
+            <a:off x="1858243" y="3049355"/>
+            <a:ext cx="1857047" cy="369332"/>
+          </a:xfrm>
+          <a:prstGeom prst="rect">
+            <a:avLst/>
+          </a:prstGeom>
+          <a:noFill/>
+        </p:spPr>
+        <p:txBody>
+          <a:bodyPr wrap="none" rtlCol="0">
+            <a:spAutoFit/>
+          </a:bodyPr>
+          <a:lstStyle/>
+          <a:p>
+            <a:r>
+              <a:rPr lang="en-US" b="1" dirty="0"/>
+              <a:t>Linear Regression</a:t>
+            </a:r>
+          </a:p>
+        </p:txBody>
+      </p:sp>
+      <p:sp>
+        <p:nvSpPr>
+          <p:cNvPr id="11" name="TextBox 10">
+            <a:extLst>
+              <a:ext uri="{FF2B5EF4-FFF2-40B4-BE49-F238E27FC236}">
+                <a16:creationId xmlns:a16="http://schemas.microsoft.com/office/drawing/2014/main" id="{922308BE-A560-9116-D370-48D64EFD8336}"/>
+              </a:ext>
+            </a:extLst>
+          </p:cNvPr>
+          <p:cNvSpPr txBox="1"/>
+          <p:nvPr/>
+        </p:nvSpPr>
+        <p:spPr>
+          <a:xfrm>
+            <a:off x="5234989" y="3049355"/>
+            <a:ext cx="1048877" cy="369332"/>
+          </a:xfrm>
+          <a:prstGeom prst="rect">
+            <a:avLst/>
+          </a:prstGeom>
+          <a:noFill/>
+        </p:spPr>
+        <p:txBody>
+          <a:bodyPr wrap="none" rtlCol="0">
+            <a:spAutoFit/>
+          </a:bodyPr>
+          <a:lstStyle/>
+          <a:p>
+            <a:r>
+              <a:rPr lang="en-US" b="1" dirty="0"/>
+              <a:t>XG Boost</a:t>
+            </a:r>
+          </a:p>
+        </p:txBody>
+      </p:sp>
+      <p:pic>
+        <p:nvPicPr>
+          <p:cNvPr id="15" name="Picture 14">
+            <a:extLst>
+              <a:ext uri="{FF2B5EF4-FFF2-40B4-BE49-F238E27FC236}">
+                <a16:creationId xmlns:a16="http://schemas.microsoft.com/office/drawing/2014/main" id="{D24092CE-3A2C-6A2E-8914-E3A13959B8C7}"/>
+              </a:ext>
+            </a:extLst>
+          </p:cNvPr>
+          <p:cNvPicPr>
+            <a:picLocks noChangeAspect="1"/>
+          </p:cNvPicPr>
+          <p:nvPr/>
+        </p:nvPicPr>
+        <p:blipFill>
+          <a:blip r:embed="rId4"/>
+          <a:stretch>
+            <a:fillRect/>
+          </a:stretch>
+        </p:blipFill>
+        <p:spPr>
+          <a:xfrm>
+            <a:off x="8664232" y="4860681"/>
+            <a:ext cx="2417448" cy="1920712"/>
+          </a:xfrm>
+          <a:prstGeom prst="rect">
+            <a:avLst/>
+          </a:prstGeom>
+        </p:spPr>
+      </p:pic>
+    </p:spTree>
+    <p:extLst>
+      <p:ext uri="{BB962C8B-B14F-4D97-AF65-F5344CB8AC3E}">
+        <p14:creationId xmlns:p14="http://schemas.microsoft.com/office/powerpoint/2010/main" val="1935017643"/>
+      </p:ext>
+    </p:extLst>
+  </p:cSld>
+  <p:clrMapOvr>
+    <a:masterClrMapping/>
+  </p:clrMapOvr>
+</p:sld>
+</file>
+
+<file path=ppt/slides/slide9.xml><?xml version="1.0" encoding="utf-8"?>
+<p:sld xmlns:a="http://schemas.openxmlformats.org/drawingml/2006/main" xmlns:r="http://schemas.openxmlformats.org/officeDocument/2006/relationships" xmlns:p="http://schemas.openxmlformats.org/presentationml/2006/main">
+  <p:cSld>
+    <p:spTree>
+      <p:nvGrpSpPr>
+        <p:cNvPr id="1" name=""/>
+        <p:cNvGrpSpPr/>
+        <p:nvPr/>
+      </p:nvGrpSpPr>
+      <p:grpSpPr>
+        <a:xfrm>
+          <a:off x="0" y="0"/>
+          <a:ext cx="0" cy="0"/>
+          <a:chOff x="0" y="0"/>
+          <a:chExt cx="0" cy="0"/>
+        </a:xfrm>
+      </p:grpSpPr>
+      <p:sp>
+        <p:nvSpPr>
+          <p:cNvPr id="2" name="Title 1">
+            <a:extLst>
+              <a:ext uri="{FF2B5EF4-FFF2-40B4-BE49-F238E27FC236}">
+                <a16:creationId xmlns:a16="http://schemas.microsoft.com/office/drawing/2014/main" id="{4063CB4B-1705-45EC-CD37-E41B9D1B5BAC}"/>
+              </a:ext>
+            </a:extLst>
+          </p:cNvPr>
+          <p:cNvSpPr>
+            <a:spLocks noGrp="1"/>
+          </p:cNvSpPr>
+          <p:nvPr>
+            <p:ph type="title"/>
+          </p:nvPr>
+        </p:nvSpPr>
+        <p:spPr/>
+        <p:txBody>
+          <a:bodyPr/>
+          <a:lstStyle/>
+          <a:p>
+            <a:r>
+              <a:rPr lang="en-US" dirty="0"/>
+              <a:t>Results – Model Features</a:t>
+            </a:r>
+          </a:p>
+        </p:txBody>
+      </p:sp>
+      <p:sp>
+        <p:nvSpPr>
+          <p:cNvPr id="5" name="Content Placeholder 2">
+            <a:extLst>
+              <a:ext uri="{FF2B5EF4-FFF2-40B4-BE49-F238E27FC236}">
+                <a16:creationId xmlns:a16="http://schemas.microsoft.com/office/drawing/2014/main" id="{50A6A1E3-6E1C-A7C0-BC55-DE669CCAD43B}"/>
+              </a:ext>
+            </a:extLst>
+          </p:cNvPr>
+          <p:cNvSpPr txBox="1">
+            <a:spLocks/>
+          </p:cNvSpPr>
+          <p:nvPr/>
+        </p:nvSpPr>
+        <p:spPr>
+          <a:xfrm>
+            <a:off x="1371600" y="1743432"/>
+            <a:ext cx="10515600" cy="4351338"/>
+          </a:xfrm>
+          <a:prstGeom prst="rect">
+            <a:avLst/>
+          </a:prstGeom>
+        </p:spPr>
+        <p:txBody>
+          <a:bodyPr vert="horz" lIns="91440" tIns="45720" rIns="91440" bIns="45720" rtlCol="0">
+            <a:normAutofit/>
+          </a:bodyPr>
+          <a:lstStyle>
+            <a:lvl1pPr marL="228600" indent="-228600" algn="l" defTabSz="914400" rtl="0" eaLnBrk="1" latinLnBrk="0" hangingPunct="1">
+              <a:lnSpc>
+                <a:spcPct val="90000"/>
+              </a:lnSpc>
+              <a:spcBef>
+                <a:spcPts val="1000"/>
+              </a:spcBef>
+              <a:buFont typeface="Arial" panose="020B0604020202020204" pitchFamily="34" charset="0"/>
+              <a:buChar char="•"/>
+              <a:defRPr sz="2800" kern="1200">
+                <a:solidFill>
+                  <a:schemeClr val="tx1"/>
+                </a:solidFill>
+                <a:latin typeface="+mn-lt"/>
+                <a:ea typeface="+mn-ea"/>
+                <a:cs typeface="+mn-cs"/>
+              </a:defRPr>
+            </a:lvl1pPr>
+            <a:lvl2pPr marL="685800" indent="-228600" algn="l" defTabSz="914400" rtl="0" eaLnBrk="1" latinLnBrk="0" hangingPunct="1">
+              <a:lnSpc>
+                <a:spcPct val="90000"/>
+              </a:lnSpc>
+              <a:spcBef>
+                <a:spcPts val="500"/>
+              </a:spcBef>
+              <a:buFont typeface="Arial" panose="020B0604020202020204" pitchFamily="34" charset="0"/>
+              <a:buChar char="•"/>
+              <a:defRPr sz="2400" kern="1200">
+                <a:solidFill>
+                  <a:schemeClr val="tx1"/>
+                </a:solidFill>
+                <a:latin typeface="+mn-lt"/>
+                <a:ea typeface="+mn-ea"/>
+                <a:cs typeface="+mn-cs"/>
+              </a:defRPr>
+            </a:lvl2pPr>
+            <a:lvl3pPr marL="1143000" indent="-228600" algn="l" defTabSz="914400" rtl="0" eaLnBrk="1" latinLnBrk="0" hangingPunct="1">
+              <a:lnSpc>
+                <a:spcPct val="90000"/>
+              </a:lnSpc>
+              <a:spcBef>
+                <a:spcPts val="500"/>
+              </a:spcBef>
+              <a:buFont typeface="Arial" panose="020B0604020202020204" pitchFamily="34" charset="0"/>
+              <a:buChar char="•"/>
+              <a:defRPr sz="2000" kern="1200">
+                <a:solidFill>
+                  <a:schemeClr val="tx1"/>
+                </a:solidFill>
+                <a:latin typeface="+mn-lt"/>
+                <a:ea typeface="+mn-ea"/>
+                <a:cs typeface="+mn-cs"/>
+              </a:defRPr>
+            </a:lvl3pPr>
+            <a:lvl4pPr marL="1600200" indent="-228600" algn="l" defTabSz="914400" rtl="0" eaLnBrk="1" latinLnBrk="0" hangingPunct="1">
+              <a:lnSpc>
+                <a:spcPct val="90000"/>
+              </a:lnSpc>
+              <a:spcBef>
+                <a:spcPts val="500"/>
+              </a:spcBef>
+              <a:buFont typeface="Arial" panose="020B0604020202020204" pitchFamily="34" charset="0"/>
+              <a:buChar char="•"/>
+              <a:defRPr sz="1800" kern="1200">
+                <a:solidFill>
+                  <a:schemeClr val="tx1"/>
+                </a:solidFill>
+                <a:latin typeface="+mn-lt"/>
+                <a:ea typeface="+mn-ea"/>
+                <a:cs typeface="+mn-cs"/>
+              </a:defRPr>
+            </a:lvl4pPr>
+            <a:lvl5pPr marL="2057400" indent="-228600" algn="l" defTabSz="914400" rtl="0" eaLnBrk="1" latinLnBrk="0" hangingPunct="1">
+              <a:lnSpc>
+                <a:spcPct val="90000"/>
+              </a:lnSpc>
+              <a:spcBef>
+                <a:spcPts val="500"/>
+              </a:spcBef>
+              <a:buFont typeface="Arial" panose="020B0604020202020204" pitchFamily="34" charset="0"/>
+              <a:buChar char="•"/>
+              <a:defRPr sz="1800" kern="1200">
+                <a:solidFill>
+                  <a:schemeClr val="tx1"/>
+                </a:solidFill>
+                <a:latin typeface="+mn-lt"/>
+                <a:ea typeface="+mn-ea"/>
+                <a:cs typeface="+mn-cs"/>
+              </a:defRPr>
+            </a:lvl5pPr>
+            <a:lvl6pPr marL="2514600" indent="-228600" algn="l" defTabSz="914400" rtl="0" eaLnBrk="1" latinLnBrk="0" hangingPunct="1">
+              <a:lnSpc>
+                <a:spcPct val="90000"/>
+              </a:lnSpc>
+              <a:spcBef>
+                <a:spcPts val="500"/>
+              </a:spcBef>
+              <a:buFont typeface="Arial" panose="020B0604020202020204" pitchFamily="34" charset="0"/>
+              <a:buChar char="•"/>
+              <a:defRPr sz="1800" kern="1200">
+                <a:solidFill>
+                  <a:schemeClr val="tx1"/>
+                </a:solidFill>
+                <a:latin typeface="+mn-lt"/>
+                <a:ea typeface="+mn-ea"/>
+                <a:cs typeface="+mn-cs"/>
+              </a:defRPr>
+            </a:lvl6pPr>
+            <a:lvl7pPr marL="2971800" indent="-228600" algn="l" defTabSz="914400" rtl="0" eaLnBrk="1" latinLnBrk="0" hangingPunct="1">
+              <a:lnSpc>
+                <a:spcPct val="90000"/>
+              </a:lnSpc>
+              <a:spcBef>
+                <a:spcPts val="500"/>
+              </a:spcBef>
+              <a:buFont typeface="Arial" panose="020B0604020202020204" pitchFamily="34" charset="0"/>
+              <a:buChar char="•"/>
+              <a:defRPr sz="1800" kern="1200">
+                <a:solidFill>
+                  <a:schemeClr val="tx1"/>
+                </a:solidFill>
+                <a:latin typeface="+mn-lt"/>
+                <a:ea typeface="+mn-ea"/>
+                <a:cs typeface="+mn-cs"/>
+              </a:defRPr>
+            </a:lvl7pPr>
+            <a:lvl8pPr marL="3429000" indent="-228600" algn="l" defTabSz="914400" rtl="0" eaLnBrk="1" latinLnBrk="0" hangingPunct="1">
+              <a:lnSpc>
+                <a:spcPct val="90000"/>
+              </a:lnSpc>
+              <a:spcBef>
+                <a:spcPts val="500"/>
+              </a:spcBef>
+              <a:buFont typeface="Arial" panose="020B0604020202020204" pitchFamily="34" charset="0"/>
+              <a:buChar char="•"/>
+              <a:defRPr sz="1800" kern="1200">
+                <a:solidFill>
+                  <a:schemeClr val="tx1"/>
+                </a:solidFill>
+                <a:latin typeface="+mn-lt"/>
+                <a:ea typeface="+mn-ea"/>
+                <a:cs typeface="+mn-cs"/>
+              </a:defRPr>
+            </a:lvl8pPr>
+            <a:lvl9pPr marL="3886200" indent="-228600" algn="l" defTabSz="914400" rtl="0" eaLnBrk="1" latinLnBrk="0" hangingPunct="1">
+              <a:lnSpc>
+                <a:spcPct val="90000"/>
+              </a:lnSpc>
+              <a:spcBef>
+                <a:spcPts val="500"/>
+              </a:spcBef>
+              <a:buFont typeface="Arial" panose="020B0604020202020204" pitchFamily="34" charset="0"/>
+              <a:buChar char="•"/>
+              <a:defRPr sz="1800" kern="1200">
+                <a:solidFill>
+                  <a:schemeClr val="tx1"/>
+                </a:solidFill>
+                <a:latin typeface="+mn-lt"/>
+                <a:ea typeface="+mn-ea"/>
+                <a:cs typeface="+mn-cs"/>
+              </a:defRPr>
+            </a:lvl9pPr>
+          </a:lstStyle>
+          <a:p>
+            <a:r>
+              <a:rPr lang="en-US" sz="1600" dirty="0"/>
+              <a:t>The model is primarily driven by quality elements and size elements of the home.</a:t>
+            </a:r>
+          </a:p>
+          <a:p>
+            <a:r>
+              <a:rPr lang="en-US" sz="1600" dirty="0"/>
+              <a:t>Other features that contribute are ones we already saw correlate with those two core features.</a:t>
+            </a:r>
+          </a:p>
+        </p:txBody>
+      </p:sp>
+      <p:pic>
+        <p:nvPicPr>
+          <p:cNvPr id="10" name="Picture 9">
+            <a:extLst>
+              <a:ext uri="{FF2B5EF4-FFF2-40B4-BE49-F238E27FC236}">
+                <a16:creationId xmlns:a16="http://schemas.microsoft.com/office/drawing/2014/main" id="{094FC2D0-0FEE-0827-A2B5-D7E5FB470E7B}"/>
+              </a:ext>
+            </a:extLst>
+          </p:cNvPr>
+          <p:cNvPicPr>
+            <a:picLocks noChangeAspect="1"/>
+          </p:cNvPicPr>
+          <p:nvPr/>
+        </p:nvPicPr>
+        <p:blipFill>
+          <a:blip r:embed="rId2"/>
+          <a:stretch>
+            <a:fillRect/>
+          </a:stretch>
+        </p:blipFill>
+        <p:spPr>
+          <a:xfrm>
+            <a:off x="1648574" y="2543878"/>
+            <a:ext cx="8389278" cy="4284846"/>
+          </a:xfrm>
+          <a:prstGeom prst="rect">
+            <a:avLst/>
+          </a:prstGeom>
+        </p:spPr>
+      </p:pic>
+    </p:spTree>
+    <p:extLst>
+      <p:ext uri="{BB962C8B-B14F-4D97-AF65-F5344CB8AC3E}">
+        <p14:creationId xmlns:p14="http://schemas.microsoft.com/office/powerpoint/2010/main" val="938006113"/>
       </p:ext>
     </p:extLst>
   </p:cSld>
@@ -4698,9 +6123,9 @@
 </file>
 
 <file path=ppt/theme/theme1.xml><?xml version="1.0" encoding="utf-8"?>
-<a:theme xmlns:a="http://schemas.openxmlformats.org/drawingml/2006/main" name="Office Theme">
+<a:theme xmlns:a="http://schemas.openxmlformats.org/drawingml/2006/main" name="Crop">
   <a:themeElements>
-    <a:clrScheme name="Office">
+    <a:clrScheme name="Crop">
       <a:dk1>
         <a:sysClr val="windowText" lastClr="000000"/>
       </a:dk1>
@@ -4708,100 +6133,48 @@
         <a:sysClr val="window" lastClr="FFFFFF"/>
       </a:lt1>
       <a:dk2>
-        <a:srgbClr val="44546A"/>
+        <a:srgbClr val="191B0E"/>
       </a:dk2>
       <a:lt2>
-        <a:srgbClr val="E7E6E6"/>
+        <a:srgbClr val="EFEDE3"/>
       </a:lt2>
       <a:accent1>
-        <a:srgbClr val="4472C4"/>
+        <a:srgbClr val="8C8D86"/>
       </a:accent1>
       <a:accent2>
-        <a:srgbClr val="ED7D31"/>
+        <a:srgbClr val="E6C069"/>
       </a:accent2>
       <a:accent3>
-        <a:srgbClr val="A5A5A5"/>
+        <a:srgbClr val="897B61"/>
       </a:accent3>
       <a:accent4>
-        <a:srgbClr val="FFC000"/>
+        <a:srgbClr val="8DAB8E"/>
       </a:accent4>
       <a:accent5>
-        <a:srgbClr val="5B9BD5"/>
+        <a:srgbClr val="77A2BB"/>
       </a:accent5>
       <a:accent6>
-        <a:srgbClr val="70AD47"/>
+        <a:srgbClr val="E28394"/>
       </a:accent6>
       <a:hlink>
-        <a:srgbClr val="0563C1"/>
+        <a:srgbClr val="77A2BB"/>
       </a:hlink>
       <a:folHlink>
-        <a:srgbClr val="954F72"/>
+        <a:srgbClr val="957A99"/>
       </a:folHlink>
     </a:clrScheme>
-    <a:fontScheme name="Office">
+    <a:fontScheme name="Crop">
       <a:majorFont>
-        <a:latin typeface="Calibri Light" panose="020F0302020204030204"/>
+        <a:latin typeface="Franklin Gothic Book" panose="020B0503020102020204"/>
         <a:ea typeface=""/>
         <a:cs typeface=""/>
-        <a:font script="Jpan" typeface="游ゴシック Light"/>
-        <a:font script="Hang" typeface="맑은 고딕"/>
-        <a:font script="Hans" typeface="等线 Light"/>
-        <a:font script="Hant" typeface="新細明體"/>
-        <a:font script="Arab" typeface="Times New Roman"/>
-        <a:font script="Hebr" typeface="Times New Roman"/>
-        <a:font script="Thai" typeface="Angsana New"/>
-        <a:font script="Ethi" typeface="Nyala"/>
-        <a:font script="Beng" typeface="Vrinda"/>
-        <a:font script="Gujr" typeface="Shruti"/>
-        <a:font script="Khmr" typeface="MoolBoran"/>
-        <a:font script="Knda" typeface="Tunga"/>
-        <a:font script="Guru" typeface="Raavi"/>
-        <a:font script="Cans" typeface="Euphemia"/>
-        <a:font script="Cher" typeface="Plantagenet Cherokee"/>
-        <a:font script="Yiii" typeface="Microsoft Yi Baiti"/>
-        <a:font script="Tibt" typeface="Microsoft Himalaya"/>
-        <a:font script="Thaa" typeface="MV Boli"/>
-        <a:font script="Deva" typeface="Mangal"/>
-        <a:font script="Telu" typeface="Gautami"/>
-        <a:font script="Taml" typeface="Latha"/>
-        <a:font script="Syrc" typeface="Estrangelo Edessa"/>
-        <a:font script="Orya" typeface="Kalinga"/>
-        <a:font script="Mlym" typeface="Kartika"/>
-        <a:font script="Laoo" typeface="DokChampa"/>
-        <a:font script="Sinh" typeface="Iskoola Pota"/>
-        <a:font script="Mong" typeface="Mongolian Baiti"/>
-        <a:font script="Viet" typeface="Times New Roman"/>
-        <a:font script="Uigh" typeface="Microsoft Uighur"/>
-        <a:font script="Geor" typeface="Sylfaen"/>
-        <a:font script="Armn" typeface="Arial"/>
-        <a:font script="Bugi" typeface="Leelawadee UI"/>
-        <a:font script="Bopo" typeface="Microsoft JhengHei"/>
-        <a:font script="Java" typeface="Javanese Text"/>
-        <a:font script="Lisu" typeface="Segoe UI"/>
-        <a:font script="Mymr" typeface="Myanmar Text"/>
-        <a:font script="Nkoo" typeface="Ebrima"/>
-        <a:font script="Olck" typeface="Nirmala UI"/>
-        <a:font script="Osma" typeface="Ebrima"/>
-        <a:font script="Phag" typeface="Phagspa"/>
-        <a:font script="Syrn" typeface="Estrangelo Edessa"/>
-        <a:font script="Syrj" typeface="Estrangelo Edessa"/>
-        <a:font script="Syre" typeface="Estrangelo Edessa"/>
-        <a:font script="Sora" typeface="Nirmala UI"/>
-        <a:font script="Tale" typeface="Microsoft Tai Le"/>
-        <a:font script="Talu" typeface="Microsoft New Tai Lue"/>
-        <a:font script="Tfng" typeface="Ebrima"/>
-      </a:majorFont>
-      <a:minorFont>
-        <a:latin typeface="Calibri" panose="020F0502020204030204"/>
-        <a:ea typeface=""/>
-        <a:cs typeface=""/>
-        <a:font script="Jpan" typeface="游ゴシック"/>
-        <a:font script="Hang" typeface="맑은 고딕"/>
-        <a:font script="Hans" typeface="等线"/>
-        <a:font script="Hant" typeface="新細明體"/>
-        <a:font script="Arab" typeface="Arial"/>
-        <a:font script="Hebr" typeface="Arial"/>
-        <a:font script="Thai" typeface="Cordia New"/>
+        <a:font script="Jpan" typeface="メイリオ"/>
+        <a:font script="Hang" typeface="돋움"/>
+        <a:font script="Hans" typeface="华文楷体"/>
+        <a:font script="Hant" typeface="微軟正黑體"/>
+        <a:font script="Arab" typeface="Tahoma"/>
+        <a:font script="Hebr" typeface="Aharoni"/>
+        <a:font script="Thai" typeface="LilyUPC"/>
         <a:font script="Ethi" typeface="Nyala"/>
         <a:font script="Beng" typeface="Vrinda"/>
         <a:font script="Gujr" typeface="Shruti"/>
@@ -4822,29 +6195,47 @@
         <a:font script="Laoo" typeface="DokChampa"/>
         <a:font script="Sinh" typeface="Iskoola Pota"/>
         <a:font script="Mong" typeface="Mongolian Baiti"/>
-        <a:font script="Viet" typeface="Arial"/>
+        <a:font script="Viet" typeface="Tahoma"/>
         <a:font script="Uigh" typeface="Microsoft Uighur"/>
         <a:font script="Geor" typeface="Sylfaen"/>
-        <a:font script="Armn" typeface="Arial"/>
-        <a:font script="Bugi" typeface="Leelawadee UI"/>
-        <a:font script="Bopo" typeface="Microsoft JhengHei"/>
-        <a:font script="Java" typeface="Javanese Text"/>
-        <a:font script="Lisu" typeface="Segoe UI"/>
-        <a:font script="Mymr" typeface="Myanmar Text"/>
-        <a:font script="Nkoo" typeface="Ebrima"/>
-        <a:font script="Olck" typeface="Nirmala UI"/>
-        <a:font script="Osma" typeface="Ebrima"/>
-        <a:font script="Phag" typeface="Phagspa"/>
-        <a:font script="Syrn" typeface="Estrangelo Edessa"/>
-        <a:font script="Syrj" typeface="Estrangelo Edessa"/>
-        <a:font script="Syre" typeface="Estrangelo Edessa"/>
-        <a:font script="Sora" typeface="Nirmala UI"/>
-        <a:font script="Tale" typeface="Microsoft Tai Le"/>
-        <a:font script="Talu" typeface="Microsoft New Tai Lue"/>
-        <a:font script="Tfng" typeface="Ebrima"/>
+      </a:majorFont>
+      <a:minorFont>
+        <a:latin typeface="Franklin Gothic Book" panose="020B0503020102020204"/>
+        <a:ea typeface=""/>
+        <a:cs typeface=""/>
+        <a:font script="Jpan" typeface="メイリオ"/>
+        <a:font script="Hang" typeface="돋움"/>
+        <a:font script="Hans" typeface="华文楷体"/>
+        <a:font script="Hant" typeface="微軟正黑體"/>
+        <a:font script="Arab" typeface="Tahoma"/>
+        <a:font script="Hebr" typeface="Aharoni"/>
+        <a:font script="Thai" typeface="LilyUPC"/>
+        <a:font script="Ethi" typeface="Nyala"/>
+        <a:font script="Beng" typeface="Vrinda"/>
+        <a:font script="Gujr" typeface="Shruti"/>
+        <a:font script="Khmr" typeface="DaunPenh"/>
+        <a:font script="Knda" typeface="Tunga"/>
+        <a:font script="Guru" typeface="Raavi"/>
+        <a:font script="Cans" typeface="Euphemia"/>
+        <a:font script="Cher" typeface="Plantagenet Cherokee"/>
+        <a:font script="Yiii" typeface="Microsoft Yi Baiti"/>
+        <a:font script="Tibt" typeface="Microsoft Himalaya"/>
+        <a:font script="Thaa" typeface="MV Boli"/>
+        <a:font script="Deva" typeface="Mangal"/>
+        <a:font script="Telu" typeface="Gautami"/>
+        <a:font script="Taml" typeface="Latha"/>
+        <a:font script="Syrc" typeface="Estrangelo Edessa"/>
+        <a:font script="Orya" typeface="Kalinga"/>
+        <a:font script="Mlym" typeface="Kartika"/>
+        <a:font script="Laoo" typeface="DokChampa"/>
+        <a:font script="Sinh" typeface="Iskoola Pota"/>
+        <a:font script="Mong" typeface="Mongolian Baiti"/>
+        <a:font script="Viet" typeface="Tahoma"/>
+        <a:font script="Uigh" typeface="Microsoft Uighur"/>
+        <a:font script="Geor" typeface="Sylfaen"/>
       </a:minorFont>
     </a:fontScheme>
-    <a:fmtScheme name="Office">
+    <a:fmtScheme name="Crop">
       <a:fillStyleLst>
         <a:solidFill>
           <a:schemeClr val="phClr"/>
@@ -4853,23 +6244,23 @@
           <a:gsLst>
             <a:gs pos="0">
               <a:schemeClr val="phClr">
+                <a:tint val="67000"/>
+                <a:satMod val="105000"/>
                 <a:lumMod val="110000"/>
-                <a:satMod val="105000"/>
-                <a:tint val="67000"/>
               </a:schemeClr>
             </a:gs>
             <a:gs pos="50000">
               <a:schemeClr val="phClr">
+                <a:tint val="73000"/>
+                <a:satMod val="103000"/>
                 <a:lumMod val="105000"/>
-                <a:satMod val="103000"/>
-                <a:tint val="73000"/>
               </a:schemeClr>
             </a:gs>
             <a:gs pos="100000">
               <a:schemeClr val="phClr">
+                <a:tint val="81000"/>
+                <a:satMod val="109000"/>
                 <a:lumMod val="105000"/>
-                <a:satMod val="109000"/>
-                <a:tint val="81000"/>
               </a:schemeClr>
             </a:gs>
           </a:gsLst>
@@ -4879,23 +6270,23 @@
           <a:gsLst>
             <a:gs pos="0">
               <a:schemeClr val="phClr">
+                <a:tint val="94000"/>
                 <a:satMod val="103000"/>
                 <a:lumMod val="102000"/>
-                <a:tint val="94000"/>
               </a:schemeClr>
             </a:gs>
             <a:gs pos="50000">
               <a:schemeClr val="phClr">
+                <a:shade val="100000"/>
                 <a:satMod val="110000"/>
                 <a:lumMod val="100000"/>
-                <a:shade val="100000"/>
               </a:schemeClr>
             </a:gs>
             <a:gs pos="100000">
               <a:schemeClr val="phClr">
+                <a:shade val="78000"/>
+                <a:satMod val="120000"/>
                 <a:lumMod val="99000"/>
-                <a:satMod val="120000"/>
-                <a:shade val="78000"/>
               </a:schemeClr>
             </a:gs>
           </a:gsLst>
@@ -4903,26 +6294,23 @@
         </a:gradFill>
       </a:fillStyleLst>
       <a:lnStyleLst>
-        <a:ln w="6350" cap="flat" cmpd="sng" algn="ctr">
+        <a:ln w="6350" cap="flat" cmpd="sng" algn="in">
           <a:solidFill>
             <a:schemeClr val="phClr"/>
           </a:solidFill>
           <a:prstDash val="solid"/>
-          <a:miter lim="800000"/>
         </a:ln>
-        <a:ln w="12700" cap="flat" cmpd="sng" algn="ctr">
+        <a:ln w="34925" cap="flat" cmpd="sng" algn="in">
           <a:solidFill>
             <a:schemeClr val="phClr"/>
           </a:solidFill>
           <a:prstDash val="solid"/>
-          <a:miter lim="800000"/>
         </a:ln>
-        <a:ln w="19050" cap="flat" cmpd="sng" algn="ctr">
+        <a:ln w="19050" cap="flat" cmpd="sng" algn="in">
           <a:solidFill>
             <a:schemeClr val="phClr"/>
           </a:solidFill>
           <a:prstDash val="solid"/>
-          <a:miter lim="800000"/>
         </a:ln>
       </a:lnStyleLst>
       <a:effectStyleLst>
@@ -4936,7 +6324,7 @@
           <a:effectLst>
             <a:outerShdw blurRad="57150" dist="19050" dir="5400000" algn="ctr" rotWithShape="0">
               <a:srgbClr val="000000">
-                <a:alpha val="63000"/>
+                <a:alpha val="35000"/>
               </a:srgbClr>
             </a:outerShdw>
           </a:effectLst>
@@ -4957,16 +6345,16 @@
             <a:gs pos="0">
               <a:schemeClr val="phClr">
                 <a:tint val="93000"/>
+                <a:shade val="98000"/>
                 <a:satMod val="150000"/>
-                <a:shade val="98000"/>
                 <a:lumMod val="102000"/>
               </a:schemeClr>
             </a:gs>
             <a:gs pos="50000">
               <a:schemeClr val="phClr">
                 <a:tint val="98000"/>
+                <a:shade val="90000"/>
                 <a:satMod val="130000"/>
-                <a:shade val="90000"/>
                 <a:lumMod val="103000"/>
               </a:schemeClr>
             </a:gs>
@@ -4986,7 +6374,7 @@
   <a:extraClrSchemeLst/>
   <a:extLst>
     <a:ext uri="{05A4C25C-085E-4340-85A3-A5531E510DB2}">
-      <thm15:themeFamily xmlns:thm15="http://schemas.microsoft.com/office/thememl/2012/main" name="Office Theme" id="{62F939B6-93AF-4DB8-9C6B-D6C7DFDC589F}" vid="{4A3C46E8-61CC-4603-A589-7422A47A8E4A}"/>
+      <thm15:themeFamily xmlns:thm15="http://schemas.microsoft.com/office/thememl/2012/main" name="Crop" id="{EC9488ED-E761-4D60-9AC4-764D1FE2C171}" vid="{CE19780C-D67D-4C13-9DE9-A52BC3BA51B4}"/>
     </a:ext>
   </a:extLst>
 </a:theme>

--- a/Team Presentation.pptx
+++ b/Team Presentation.pptx
@@ -5031,8 +5031,38 @@
         </p:blipFill>
         <p:spPr>
           <a:xfrm>
-            <a:off x="5609689" y="1428750"/>
+            <a:off x="6434959" y="1473467"/>
             <a:ext cx="5637990" cy="5191968"/>
+          </a:xfrm>
+          <a:prstGeom prst="rect">
+            <a:avLst/>
+          </a:prstGeom>
+        </p:spPr>
+      </p:pic>
+      <p:pic>
+        <p:nvPicPr>
+          <p:cNvPr id="3" name="Picture 2" descr="A graph of a graph showing the growth of a car&#10;&#10;Description automatically generated with medium confidence">
+            <a:extLst>
+              <a:ext uri="{FF2B5EF4-FFF2-40B4-BE49-F238E27FC236}">
+                <a16:creationId xmlns:a16="http://schemas.microsoft.com/office/drawing/2014/main" id="{90C73CD4-08B9-73A2-CACD-3383D8067012}"/>
+              </a:ext>
+            </a:extLst>
+          </p:cNvPr>
+          <p:cNvPicPr>
+            <a:picLocks noChangeAspect="1"/>
+          </p:cNvPicPr>
+          <p:nvPr/>
+        </p:nvPicPr>
+        <p:blipFill>
+          <a:blip r:embed="rId3"/>
+          <a:stretch>
+            <a:fillRect/>
+          </a:stretch>
+        </p:blipFill>
+        <p:spPr>
+          <a:xfrm>
+            <a:off x="775738" y="3893167"/>
+            <a:ext cx="5544536" cy="2772268"/>
           </a:xfrm>
           <a:prstGeom prst="rect">
             <a:avLst/>
@@ -5166,8 +5196,8 @@
         </p:blipFill>
         <p:spPr>
           <a:xfrm>
-            <a:off x="1484616" y="3151598"/>
-            <a:ext cx="7066412" cy="1352764"/>
+            <a:off x="1689522" y="3369399"/>
+            <a:ext cx="9725643" cy="1861836"/>
           </a:xfrm>
           <a:prstGeom prst="rect">
             <a:avLst/>
@@ -5226,9 +5256,10 @@
           <a:lstStyle/>
           <a:p>
             <a:r>
-              <a:rPr lang="en-US" dirty="0"/>
+              <a:rPr lang="en-US"/>
               <a:t>Results - Clustering</a:t>
             </a:r>
+            <a:endParaRPr lang="en-US" dirty="0"/>
           </a:p>
         </p:txBody>
       </p:sp>
@@ -5262,17 +5293,17 @@
           <a:p>
             <a:r>
               <a:rPr lang="en-US" sz="2000" dirty="0"/>
-              <a:t>Condition and home size are key in clusters</a:t>
+              <a:t>Overall quality and home size are key in clusters</a:t>
             </a:r>
           </a:p>
         </p:txBody>
       </p:sp>
       <p:pic>
         <p:nvPicPr>
-          <p:cNvPr id="4" name="Picture 3">
+          <p:cNvPr id="3" name="Content Placeholder 7" descr="A chart with colored dots&#10;&#10;Description automatically generated with medium confidence">
             <a:extLst>
               <a:ext uri="{FF2B5EF4-FFF2-40B4-BE49-F238E27FC236}">
-                <a16:creationId xmlns:a16="http://schemas.microsoft.com/office/drawing/2014/main" id="{3BCA8EFC-FBE8-7FF6-5870-439B3ED0A13A}"/>
+                <a16:creationId xmlns:a16="http://schemas.microsoft.com/office/drawing/2014/main" id="{6FFDFA0E-216A-8EEE-3FB1-0483238C7540}"/>
               </a:ext>
             </a:extLst>
           </p:cNvPr>
@@ -5281,16 +5312,15 @@
           </p:cNvPicPr>
           <p:nvPr/>
         </p:nvPicPr>
-        <p:blipFill>
+        <p:blipFill rotWithShape="1">
           <a:blip r:embed="rId2"/>
-          <a:stretch>
-            <a:fillRect/>
-          </a:stretch>
+          <a:srcRect r="4936"/>
+          <a:stretch/>
         </p:blipFill>
         <p:spPr>
           <a:xfrm>
-            <a:off x="1445517" y="2000386"/>
-            <a:ext cx="5109395" cy="2189740"/>
+            <a:off x="812318" y="2752402"/>
+            <a:ext cx="5559486" cy="2506349"/>
           </a:xfrm>
           <a:prstGeom prst="rect">
             <a:avLst/>
@@ -5299,10 +5329,10 @@
       </p:pic>
       <p:pic>
         <p:nvPicPr>
-          <p:cNvPr id="11" name="Picture 10">
+          <p:cNvPr id="6" name="Content Placeholder 6" descr="A graph of a bar chart&#10;&#10;Description automatically generated with medium confidence">
             <a:extLst>
               <a:ext uri="{FF2B5EF4-FFF2-40B4-BE49-F238E27FC236}">
-                <a16:creationId xmlns:a16="http://schemas.microsoft.com/office/drawing/2014/main" id="{30842D55-4E3C-55CE-543A-5A5C9F6A6C00}"/>
+                <a16:creationId xmlns:a16="http://schemas.microsoft.com/office/drawing/2014/main" id="{8F5E7675-3D37-6E93-4103-0B32B836C6E8}"/>
               </a:ext>
             </a:extLst>
           </p:cNvPr>
@@ -5311,16 +5341,15 @@
           </p:cNvPicPr>
           <p:nvPr/>
         </p:nvPicPr>
-        <p:blipFill>
+        <p:blipFill rotWithShape="1">
           <a:blip r:embed="rId3"/>
-          <a:stretch>
-            <a:fillRect/>
-          </a:stretch>
+          <a:srcRect r="4936"/>
+          <a:stretch/>
         </p:blipFill>
         <p:spPr>
           <a:xfrm>
-            <a:off x="6096000" y="4160589"/>
-            <a:ext cx="5899363" cy="2528298"/>
+            <a:off x="6371804" y="2752403"/>
+            <a:ext cx="5559486" cy="2506349"/>
           </a:xfrm>
           <a:prstGeom prst="rect">
             <a:avLst/>

--- a/Team Presentation.pptx
+++ b/Team Presentation.pptx
@@ -5795,7 +5795,7 @@
         <p:spPr>
           <a:xfrm>
             <a:off x="5234989" y="3049355"/>
-            <a:ext cx="1048877" cy="369332"/>
+            <a:ext cx="2007281" cy="369332"/>
           </a:xfrm>
           <a:prstGeom prst="rect">
             <a:avLst/>
@@ -5810,7 +5810,7 @@
           <a:p>
             <a:r>
               <a:rPr lang="en-US" b="1" dirty="0"/>
-              <a:t>XG Boost</a:t>
+              <a:t>Gradient Boosting</a:t>
             </a:r>
           </a:p>
         </p:txBody>

--- a/Team Presentation.pptx
+++ b/Team Presentation.pptx
@@ -14,7 +14,8 @@
     <p:sldId id="261" r:id="rId8"/>
     <p:sldId id="262" r:id="rId9"/>
     <p:sldId id="263" r:id="rId10"/>
-    <p:sldId id="260" r:id="rId11"/>
+    <p:sldId id="267" r:id="rId11"/>
+    <p:sldId id="260" r:id="rId12"/>
   </p:sldIdLst>
   <p:sldSz cx="12192000" cy="6858000"/>
   <p:notesSz cx="6858000" cy="9144000"/>
@@ -3943,6 +3944,324 @@
       </p:grpSpPr>
       <p:sp>
         <p:nvSpPr>
+          <p:cNvPr id="2" name="Title 1">
+            <a:extLst>
+              <a:ext uri="{FF2B5EF4-FFF2-40B4-BE49-F238E27FC236}">
+                <a16:creationId xmlns:a16="http://schemas.microsoft.com/office/drawing/2014/main" id="{4063CB4B-1705-45EC-CD37-E41B9D1B5BAC}"/>
+              </a:ext>
+            </a:extLst>
+          </p:cNvPr>
+          <p:cNvSpPr>
+            <a:spLocks noGrp="1"/>
+          </p:cNvSpPr>
+          <p:nvPr>
+            <p:ph type="title"/>
+          </p:nvPr>
+        </p:nvSpPr>
+        <p:spPr/>
+        <p:txBody>
+          <a:bodyPr/>
+          <a:lstStyle/>
+          <a:p>
+            <a:r>
+              <a:rPr lang="en-US" dirty="0"/>
+              <a:t>Results – Model Features - </a:t>
+            </a:r>
+            <a:r>
+              <a:rPr lang="en-US" dirty="0" err="1"/>
+              <a:t>CatBoost</a:t>
+            </a:r>
+            <a:endParaRPr lang="en-US" dirty="0"/>
+          </a:p>
+        </p:txBody>
+      </p:sp>
+      <p:sp>
+        <p:nvSpPr>
+          <p:cNvPr id="5" name="Content Placeholder 2">
+            <a:extLst>
+              <a:ext uri="{FF2B5EF4-FFF2-40B4-BE49-F238E27FC236}">
+                <a16:creationId xmlns:a16="http://schemas.microsoft.com/office/drawing/2014/main" id="{50A6A1E3-6E1C-A7C0-BC55-DE669CCAD43B}"/>
+              </a:ext>
+            </a:extLst>
+          </p:cNvPr>
+          <p:cNvSpPr txBox="1">
+            <a:spLocks/>
+          </p:cNvSpPr>
+          <p:nvPr/>
+        </p:nvSpPr>
+        <p:spPr>
+          <a:xfrm>
+            <a:off x="1371600" y="1743432"/>
+            <a:ext cx="10515600" cy="4351338"/>
+          </a:xfrm>
+          <a:prstGeom prst="rect">
+            <a:avLst/>
+          </a:prstGeom>
+        </p:spPr>
+        <p:txBody>
+          <a:bodyPr vert="horz" lIns="91440" tIns="45720" rIns="91440" bIns="45720" rtlCol="0">
+            <a:normAutofit/>
+          </a:bodyPr>
+          <a:lstStyle>
+            <a:lvl1pPr marL="228600" indent="-228600" algn="l" defTabSz="914400" rtl="0" eaLnBrk="1" latinLnBrk="0" hangingPunct="1">
+              <a:lnSpc>
+                <a:spcPct val="90000"/>
+              </a:lnSpc>
+              <a:spcBef>
+                <a:spcPts val="1000"/>
+              </a:spcBef>
+              <a:buFont typeface="Arial" panose="020B0604020202020204" pitchFamily="34" charset="0"/>
+              <a:buChar char="•"/>
+              <a:defRPr sz="2800" kern="1200">
+                <a:solidFill>
+                  <a:schemeClr val="tx1"/>
+                </a:solidFill>
+                <a:latin typeface="+mn-lt"/>
+                <a:ea typeface="+mn-ea"/>
+                <a:cs typeface="+mn-cs"/>
+              </a:defRPr>
+            </a:lvl1pPr>
+            <a:lvl2pPr marL="685800" indent="-228600" algn="l" defTabSz="914400" rtl="0" eaLnBrk="1" latinLnBrk="0" hangingPunct="1">
+              <a:lnSpc>
+                <a:spcPct val="90000"/>
+              </a:lnSpc>
+              <a:spcBef>
+                <a:spcPts val="500"/>
+              </a:spcBef>
+              <a:buFont typeface="Arial" panose="020B0604020202020204" pitchFamily="34" charset="0"/>
+              <a:buChar char="•"/>
+              <a:defRPr sz="2400" kern="1200">
+                <a:solidFill>
+                  <a:schemeClr val="tx1"/>
+                </a:solidFill>
+                <a:latin typeface="+mn-lt"/>
+                <a:ea typeface="+mn-ea"/>
+                <a:cs typeface="+mn-cs"/>
+              </a:defRPr>
+            </a:lvl2pPr>
+            <a:lvl3pPr marL="1143000" indent="-228600" algn="l" defTabSz="914400" rtl="0" eaLnBrk="1" latinLnBrk="0" hangingPunct="1">
+              <a:lnSpc>
+                <a:spcPct val="90000"/>
+              </a:lnSpc>
+              <a:spcBef>
+                <a:spcPts val="500"/>
+              </a:spcBef>
+              <a:buFont typeface="Arial" panose="020B0604020202020204" pitchFamily="34" charset="0"/>
+              <a:buChar char="•"/>
+              <a:defRPr sz="2000" kern="1200">
+                <a:solidFill>
+                  <a:schemeClr val="tx1"/>
+                </a:solidFill>
+                <a:latin typeface="+mn-lt"/>
+                <a:ea typeface="+mn-ea"/>
+                <a:cs typeface="+mn-cs"/>
+              </a:defRPr>
+            </a:lvl3pPr>
+            <a:lvl4pPr marL="1600200" indent="-228600" algn="l" defTabSz="914400" rtl="0" eaLnBrk="1" latinLnBrk="0" hangingPunct="1">
+              <a:lnSpc>
+                <a:spcPct val="90000"/>
+              </a:lnSpc>
+              <a:spcBef>
+                <a:spcPts val="500"/>
+              </a:spcBef>
+              <a:buFont typeface="Arial" panose="020B0604020202020204" pitchFamily="34" charset="0"/>
+              <a:buChar char="•"/>
+              <a:defRPr sz="1800" kern="1200">
+                <a:solidFill>
+                  <a:schemeClr val="tx1"/>
+                </a:solidFill>
+                <a:latin typeface="+mn-lt"/>
+                <a:ea typeface="+mn-ea"/>
+                <a:cs typeface="+mn-cs"/>
+              </a:defRPr>
+            </a:lvl4pPr>
+            <a:lvl5pPr marL="2057400" indent="-228600" algn="l" defTabSz="914400" rtl="0" eaLnBrk="1" latinLnBrk="0" hangingPunct="1">
+              <a:lnSpc>
+                <a:spcPct val="90000"/>
+              </a:lnSpc>
+              <a:spcBef>
+                <a:spcPts val="500"/>
+              </a:spcBef>
+              <a:buFont typeface="Arial" panose="020B0604020202020204" pitchFamily="34" charset="0"/>
+              <a:buChar char="•"/>
+              <a:defRPr sz="1800" kern="1200">
+                <a:solidFill>
+                  <a:schemeClr val="tx1"/>
+                </a:solidFill>
+                <a:latin typeface="+mn-lt"/>
+                <a:ea typeface="+mn-ea"/>
+                <a:cs typeface="+mn-cs"/>
+              </a:defRPr>
+            </a:lvl5pPr>
+            <a:lvl6pPr marL="2514600" indent="-228600" algn="l" defTabSz="914400" rtl="0" eaLnBrk="1" latinLnBrk="0" hangingPunct="1">
+              <a:lnSpc>
+                <a:spcPct val="90000"/>
+              </a:lnSpc>
+              <a:spcBef>
+                <a:spcPts val="500"/>
+              </a:spcBef>
+              <a:buFont typeface="Arial" panose="020B0604020202020204" pitchFamily="34" charset="0"/>
+              <a:buChar char="•"/>
+              <a:defRPr sz="1800" kern="1200">
+                <a:solidFill>
+                  <a:schemeClr val="tx1"/>
+                </a:solidFill>
+                <a:latin typeface="+mn-lt"/>
+                <a:ea typeface="+mn-ea"/>
+                <a:cs typeface="+mn-cs"/>
+              </a:defRPr>
+            </a:lvl6pPr>
+            <a:lvl7pPr marL="2971800" indent="-228600" algn="l" defTabSz="914400" rtl="0" eaLnBrk="1" latinLnBrk="0" hangingPunct="1">
+              <a:lnSpc>
+                <a:spcPct val="90000"/>
+              </a:lnSpc>
+              <a:spcBef>
+                <a:spcPts val="500"/>
+              </a:spcBef>
+              <a:buFont typeface="Arial" panose="020B0604020202020204" pitchFamily="34" charset="0"/>
+              <a:buChar char="•"/>
+              <a:defRPr sz="1800" kern="1200">
+                <a:solidFill>
+                  <a:schemeClr val="tx1"/>
+                </a:solidFill>
+                <a:latin typeface="+mn-lt"/>
+                <a:ea typeface="+mn-ea"/>
+                <a:cs typeface="+mn-cs"/>
+              </a:defRPr>
+            </a:lvl7pPr>
+            <a:lvl8pPr marL="3429000" indent="-228600" algn="l" defTabSz="914400" rtl="0" eaLnBrk="1" latinLnBrk="0" hangingPunct="1">
+              <a:lnSpc>
+                <a:spcPct val="90000"/>
+              </a:lnSpc>
+              <a:spcBef>
+                <a:spcPts val="500"/>
+              </a:spcBef>
+              <a:buFont typeface="Arial" panose="020B0604020202020204" pitchFamily="34" charset="0"/>
+              <a:buChar char="•"/>
+              <a:defRPr sz="1800" kern="1200">
+                <a:solidFill>
+                  <a:schemeClr val="tx1"/>
+                </a:solidFill>
+                <a:latin typeface="+mn-lt"/>
+                <a:ea typeface="+mn-ea"/>
+                <a:cs typeface="+mn-cs"/>
+              </a:defRPr>
+            </a:lvl8pPr>
+            <a:lvl9pPr marL="3886200" indent="-228600" algn="l" defTabSz="914400" rtl="0" eaLnBrk="1" latinLnBrk="0" hangingPunct="1">
+              <a:lnSpc>
+                <a:spcPct val="90000"/>
+              </a:lnSpc>
+              <a:spcBef>
+                <a:spcPts val="500"/>
+              </a:spcBef>
+              <a:buFont typeface="Arial" panose="020B0604020202020204" pitchFamily="34" charset="0"/>
+              <a:buChar char="•"/>
+              <a:defRPr sz="1800" kern="1200">
+                <a:solidFill>
+                  <a:schemeClr val="tx1"/>
+                </a:solidFill>
+                <a:latin typeface="+mn-lt"/>
+                <a:ea typeface="+mn-ea"/>
+                <a:cs typeface="+mn-cs"/>
+              </a:defRPr>
+            </a:lvl9pPr>
+          </a:lstStyle>
+          <a:p>
+            <a:r>
+              <a:rPr lang="en-US" sz="1600" dirty="0"/>
+              <a:t>We re-ran the model using </a:t>
+            </a:r>
+            <a:r>
+              <a:rPr lang="en-US" sz="1600" dirty="0" err="1"/>
+              <a:t>CatBoost</a:t>
+            </a:r>
+            <a:r>
+              <a:rPr lang="en-US" sz="1600" dirty="0"/>
+              <a:t> for use in the web app inferencing, and it gave similar results</a:t>
+            </a:r>
+          </a:p>
+          <a:p>
+            <a:r>
+              <a:rPr lang="en-US" sz="1600" dirty="0" err="1"/>
+              <a:t>CatBoost</a:t>
+            </a:r>
+            <a:r>
+              <a:rPr lang="en-US" sz="1600" dirty="0"/>
+              <a:t> gave </a:t>
+            </a:r>
+            <a:r>
+              <a:rPr lang="en-US" sz="1600" b="1" dirty="0"/>
+              <a:t>r-squared of 0.92</a:t>
+            </a:r>
+            <a:r>
+              <a:rPr lang="en-US" sz="1600" dirty="0"/>
+              <a:t>… not the best performing model, but the least to deploy in real life in our app</a:t>
+            </a:r>
+          </a:p>
+        </p:txBody>
+      </p:sp>
+      <p:pic>
+        <p:nvPicPr>
+          <p:cNvPr id="10" name="Picture 9">
+            <a:extLst>
+              <a:ext uri="{FF2B5EF4-FFF2-40B4-BE49-F238E27FC236}">
+                <a16:creationId xmlns:a16="http://schemas.microsoft.com/office/drawing/2014/main" id="{094FC2D0-0FEE-0827-A2B5-D7E5FB470E7B}"/>
+              </a:ext>
+            </a:extLst>
+          </p:cNvPr>
+          <p:cNvPicPr>
+            <a:picLocks noChangeAspect="1"/>
+          </p:cNvPicPr>
+          <p:nvPr/>
+        </p:nvPicPr>
+        <p:blipFill>
+          <a:blip r:embed="rId2"/>
+          <a:stretch>
+            <a:fillRect/>
+          </a:stretch>
+        </p:blipFill>
+        <p:spPr>
+          <a:xfrm>
+            <a:off x="1648574" y="2543878"/>
+            <a:ext cx="8389278" cy="4284846"/>
+          </a:xfrm>
+          <a:prstGeom prst="rect">
+            <a:avLst/>
+          </a:prstGeom>
+        </p:spPr>
+      </p:pic>
+    </p:spTree>
+    <p:extLst>
+      <p:ext uri="{BB962C8B-B14F-4D97-AF65-F5344CB8AC3E}">
+        <p14:creationId xmlns:p14="http://schemas.microsoft.com/office/powerpoint/2010/main" val="190643397"/>
+      </p:ext>
+    </p:extLst>
+  </p:cSld>
+  <p:clrMapOvr>
+    <a:masterClrMapping/>
+  </p:clrMapOvr>
+</p:sld>
+</file>
+
+<file path=ppt/slides/slide11.xml><?xml version="1.0" encoding="utf-8"?>
+<p:sld xmlns:a="http://schemas.openxmlformats.org/drawingml/2006/main" xmlns:r="http://schemas.openxmlformats.org/officeDocument/2006/relationships" xmlns:p="http://schemas.openxmlformats.org/presentationml/2006/main">
+  <p:cSld>
+    <p:spTree>
+      <p:nvGrpSpPr>
+        <p:cNvPr id="1" name=""/>
+        <p:cNvGrpSpPr/>
+        <p:nvPr/>
+      </p:nvGrpSpPr>
+      <p:grpSpPr>
+        <a:xfrm>
+          <a:off x="0" y="0"/>
+          <a:ext cx="0" cy="0"/>
+          <a:chOff x="0" y="0"/>
+          <a:chExt cx="0" cy="0"/>
+        </a:xfrm>
+      </p:grpSpPr>
+      <p:sp>
+        <p:nvSpPr>
           <p:cNvPr id="4" name="Title 3">
             <a:extLst>
               <a:ext uri="{FF2B5EF4-FFF2-40B4-BE49-F238E27FC236}">
@@ -6108,36 +6427,1158 @@
           </a:p>
         </p:txBody>
       </p:sp>
-      <p:pic>
-        <p:nvPicPr>
-          <p:cNvPr id="10" name="Picture 9">
+      <p:graphicFrame>
+        <p:nvGraphicFramePr>
+          <p:cNvPr id="3" name="Table 2">
             <a:extLst>
               <a:ext uri="{FF2B5EF4-FFF2-40B4-BE49-F238E27FC236}">
-                <a16:creationId xmlns:a16="http://schemas.microsoft.com/office/drawing/2014/main" id="{094FC2D0-0FEE-0827-A2B5-D7E5FB470E7B}"/>
+                <a16:creationId xmlns:a16="http://schemas.microsoft.com/office/drawing/2014/main" id="{51CD6770-DFA0-9C30-0898-065FF8992414}"/>
               </a:ext>
             </a:extLst>
           </p:cNvPr>
-          <p:cNvPicPr>
-            <a:picLocks noChangeAspect="1"/>
-          </p:cNvPicPr>
-          <p:nvPr/>
-        </p:nvPicPr>
-        <p:blipFill>
-          <a:blip r:embed="rId2"/>
-          <a:stretch>
-            <a:fillRect/>
-          </a:stretch>
-        </p:blipFill>
-        <p:spPr>
-          <a:xfrm>
-            <a:off x="1648574" y="2543878"/>
-            <a:ext cx="8389278" cy="4284846"/>
-          </a:xfrm>
-          <a:prstGeom prst="rect">
-            <a:avLst/>
-          </a:prstGeom>
-        </p:spPr>
-      </p:pic>
+          <p:cNvGraphicFramePr>
+            <a:graphicFrameLocks noGrp="1"/>
+          </p:cNvGraphicFramePr>
+          <p:nvPr>
+            <p:extLst>
+              <p:ext uri="{D42A27DB-BD31-4B8C-83A1-F6EECF244321}">
+                <p14:modId xmlns:p14="http://schemas.microsoft.com/office/powerpoint/2010/main" val="2732551183"/>
+              </p:ext>
+            </p:extLst>
+          </p:nvPr>
+        </p:nvGraphicFramePr>
+        <p:xfrm>
+          <a:off x="1784429" y="2901747"/>
+          <a:ext cx="3932518" cy="3580504"/>
+        </p:xfrm>
+        <a:graphic>
+          <a:graphicData uri="http://schemas.openxmlformats.org/drawingml/2006/table">
+            <a:tbl>
+              <a:tblPr/>
+              <a:tblGrid>
+                <a:gridCol w="1966259">
+                  <a:extLst>
+                    <a:ext uri="{9D8B030D-6E8A-4147-A177-3AD203B41FA5}">
+                      <a16:colId xmlns:a16="http://schemas.microsoft.com/office/drawing/2014/main" val="2093518075"/>
+                    </a:ext>
+                  </a:extLst>
+                </a:gridCol>
+                <a:gridCol w="1966259">
+                  <a:extLst>
+                    <a:ext uri="{9D8B030D-6E8A-4147-A177-3AD203B41FA5}">
+                      <a16:colId xmlns:a16="http://schemas.microsoft.com/office/drawing/2014/main" val="1494891037"/>
+                    </a:ext>
+                  </a:extLst>
+                </a:gridCol>
+              </a:tblGrid>
+              <a:tr h="0">
+                <a:tc>
+                  <a:txBody>
+                    <a:bodyPr/>
+                    <a:lstStyle/>
+                    <a:p>
+                      <a:pPr algn="r"/>
+                      <a:r>
+                        <a:rPr lang="en-US" sz="1100" b="1" dirty="0">
+                          <a:effectLst/>
+                        </a:rPr>
+                        <a:t>Feature Names</a:t>
+                      </a:r>
+                    </a:p>
+                  </a:txBody>
+                  <a:tcPr marL="76075" marR="76075" marT="35112" marB="35112" anchor="ctr">
+                    <a:lnL>
+                      <a:noFill/>
+                    </a:lnL>
+                    <a:lnR>
+                      <a:noFill/>
+                    </a:lnR>
+                    <a:lnT>
+                      <a:noFill/>
+                    </a:lnT>
+                    <a:lnB>
+                      <a:noFill/>
+                    </a:lnB>
+                    <a:solidFill>
+                      <a:srgbClr val="FFFFFF"/>
+                    </a:solidFill>
+                  </a:tcPr>
+                </a:tc>
+                <a:tc>
+                  <a:txBody>
+                    <a:bodyPr/>
+                    <a:lstStyle/>
+                    <a:p>
+                      <a:r>
+                        <a:rPr lang="en-US" sz="1100" b="1" dirty="0">
+                          <a:effectLst/>
+                        </a:rPr>
+                        <a:t>Feature </a:t>
+                      </a:r>
+                      <a:r>
+                        <a:rPr lang="en-US" sz="1100" b="1" dirty="0" err="1">
+                          <a:effectLst/>
+                        </a:rPr>
+                        <a:t>Importances</a:t>
+                      </a:r>
+                      <a:endParaRPr lang="en-US" sz="1100" b="1" dirty="0">
+                        <a:effectLst/>
+                      </a:endParaRPr>
+                    </a:p>
+                  </a:txBody>
+                  <a:tcPr marL="76075" marR="76075" marT="35112" marB="35112" anchor="ctr">
+                    <a:lnL>
+                      <a:noFill/>
+                    </a:lnL>
+                    <a:lnR>
+                      <a:noFill/>
+                    </a:lnR>
+                    <a:lnT>
+                      <a:noFill/>
+                    </a:lnT>
+                    <a:lnB>
+                      <a:noFill/>
+                    </a:lnB>
+                    <a:solidFill>
+                      <a:srgbClr val="FFFFFF"/>
+                    </a:solidFill>
+                  </a:tcPr>
+                </a:tc>
+                <a:extLst>
+                  <a:ext uri="{0D108BD9-81ED-4DB2-BD59-A6C34878D82A}">
+                    <a16:rowId xmlns:a16="http://schemas.microsoft.com/office/drawing/2014/main" val="1323296712"/>
+                  </a:ext>
+                </a:extLst>
+              </a:tr>
+              <a:tr h="238760">
+                <a:tc>
+                  <a:txBody>
+                    <a:bodyPr/>
+                    <a:lstStyle/>
+                    <a:p>
+                      <a:pPr algn="r"/>
+                      <a:r>
+                        <a:rPr lang="en-US" sz="1100" dirty="0">
+                          <a:effectLst/>
+                        </a:rPr>
+                        <a:t>Overall Qual</a:t>
+                      </a:r>
+                    </a:p>
+                  </a:txBody>
+                  <a:tcPr marL="76075" marR="76075" marT="35112" marB="35112" anchor="ctr">
+                    <a:lnL>
+                      <a:noFill/>
+                    </a:lnL>
+                    <a:lnR>
+                      <a:noFill/>
+                    </a:lnR>
+                    <a:lnT>
+                      <a:noFill/>
+                    </a:lnT>
+                    <a:lnB>
+                      <a:noFill/>
+                    </a:lnB>
+                    <a:solidFill>
+                      <a:srgbClr val="FFFFFF"/>
+                    </a:solidFill>
+                  </a:tcPr>
+                </a:tc>
+                <a:tc>
+                  <a:txBody>
+                    <a:bodyPr/>
+                    <a:lstStyle/>
+                    <a:p>
+                      <a:r>
+                        <a:rPr lang="en-US" sz="1100" dirty="0">
+                          <a:effectLst/>
+                        </a:rPr>
+                        <a:t>0.39272483495402866</a:t>
+                      </a:r>
+                    </a:p>
+                  </a:txBody>
+                  <a:tcPr marL="76075" marR="76075" marT="35112" marB="35112" anchor="ctr">
+                    <a:lnL>
+                      <a:noFill/>
+                    </a:lnL>
+                    <a:lnR>
+                      <a:noFill/>
+                    </a:lnR>
+                    <a:lnT>
+                      <a:noFill/>
+                    </a:lnT>
+                    <a:lnB>
+                      <a:noFill/>
+                    </a:lnB>
+                    <a:solidFill>
+                      <a:srgbClr val="FFFFFF"/>
+                    </a:solidFill>
+                  </a:tcPr>
+                </a:tc>
+                <a:extLst>
+                  <a:ext uri="{0D108BD9-81ED-4DB2-BD59-A6C34878D82A}">
+                    <a16:rowId xmlns:a16="http://schemas.microsoft.com/office/drawing/2014/main" val="2878877695"/>
+                  </a:ext>
+                </a:extLst>
+              </a:tr>
+              <a:tr h="238760">
+                <a:tc>
+                  <a:txBody>
+                    <a:bodyPr/>
+                    <a:lstStyle/>
+                    <a:p>
+                      <a:pPr algn="r"/>
+                      <a:r>
+                        <a:rPr lang="en-US" sz="1100" dirty="0">
+                          <a:effectLst/>
+                        </a:rPr>
+                        <a:t>Total SF</a:t>
+                      </a:r>
+                    </a:p>
+                  </a:txBody>
+                  <a:tcPr marL="76075" marR="76075" marT="35112" marB="35112" anchor="ctr">
+                    <a:lnL>
+                      <a:noFill/>
+                    </a:lnL>
+                    <a:lnR>
+                      <a:noFill/>
+                    </a:lnR>
+                    <a:lnT>
+                      <a:noFill/>
+                    </a:lnT>
+                    <a:lnB>
+                      <a:noFill/>
+                    </a:lnB>
+                    <a:solidFill>
+                      <a:srgbClr val="FFFFFF"/>
+                    </a:solidFill>
+                  </a:tcPr>
+                </a:tc>
+                <a:tc>
+                  <a:txBody>
+                    <a:bodyPr/>
+                    <a:lstStyle/>
+                    <a:p>
+                      <a:r>
+                        <a:rPr lang="en-US" sz="1100">
+                          <a:effectLst/>
+                        </a:rPr>
+                        <a:t>0.3568763700410612</a:t>
+                      </a:r>
+                    </a:p>
+                  </a:txBody>
+                  <a:tcPr marL="76075" marR="76075" marT="35112" marB="35112" anchor="ctr">
+                    <a:lnL>
+                      <a:noFill/>
+                    </a:lnL>
+                    <a:lnR>
+                      <a:noFill/>
+                    </a:lnR>
+                    <a:lnT>
+                      <a:noFill/>
+                    </a:lnT>
+                    <a:lnB>
+                      <a:noFill/>
+                    </a:lnB>
+                    <a:solidFill>
+                      <a:srgbClr val="FFFFFF"/>
+                    </a:solidFill>
+                  </a:tcPr>
+                </a:tc>
+                <a:extLst>
+                  <a:ext uri="{0D108BD9-81ED-4DB2-BD59-A6C34878D82A}">
+                    <a16:rowId xmlns:a16="http://schemas.microsoft.com/office/drawing/2014/main" val="2772228644"/>
+                  </a:ext>
+                </a:extLst>
+              </a:tr>
+              <a:tr h="238760">
+                <a:tc>
+                  <a:txBody>
+                    <a:bodyPr/>
+                    <a:lstStyle/>
+                    <a:p>
+                      <a:pPr algn="r"/>
+                      <a:r>
+                        <a:rPr lang="en-US" sz="1100" dirty="0">
+                          <a:effectLst/>
+                        </a:rPr>
+                        <a:t>Year Built</a:t>
+                      </a:r>
+                    </a:p>
+                  </a:txBody>
+                  <a:tcPr marL="76075" marR="76075" marT="35112" marB="35112" anchor="ctr">
+                    <a:lnL>
+                      <a:noFill/>
+                    </a:lnL>
+                    <a:lnR>
+                      <a:noFill/>
+                    </a:lnR>
+                    <a:lnT>
+                      <a:noFill/>
+                    </a:lnT>
+                    <a:lnB>
+                      <a:noFill/>
+                    </a:lnB>
+                    <a:solidFill>
+                      <a:srgbClr val="FFFFFF"/>
+                    </a:solidFill>
+                  </a:tcPr>
+                </a:tc>
+                <a:tc>
+                  <a:txBody>
+                    <a:bodyPr/>
+                    <a:lstStyle/>
+                    <a:p>
+                      <a:r>
+                        <a:rPr lang="en-US" sz="1100">
+                          <a:effectLst/>
+                        </a:rPr>
+                        <a:t>0.045396744133224295</a:t>
+                      </a:r>
+                    </a:p>
+                  </a:txBody>
+                  <a:tcPr marL="76075" marR="76075" marT="35112" marB="35112" anchor="ctr">
+                    <a:lnL>
+                      <a:noFill/>
+                    </a:lnL>
+                    <a:lnR>
+                      <a:noFill/>
+                    </a:lnR>
+                    <a:lnT>
+                      <a:noFill/>
+                    </a:lnT>
+                    <a:lnB>
+                      <a:noFill/>
+                    </a:lnB>
+                    <a:solidFill>
+                      <a:srgbClr val="FFFFFF"/>
+                    </a:solidFill>
+                  </a:tcPr>
+                </a:tc>
+                <a:extLst>
+                  <a:ext uri="{0D108BD9-81ED-4DB2-BD59-A6C34878D82A}">
+                    <a16:rowId xmlns:a16="http://schemas.microsoft.com/office/drawing/2014/main" val="1029806459"/>
+                  </a:ext>
+                </a:extLst>
+              </a:tr>
+              <a:tr h="238760">
+                <a:tc>
+                  <a:txBody>
+                    <a:bodyPr/>
+                    <a:lstStyle/>
+                    <a:p>
+                      <a:pPr algn="r"/>
+                      <a:r>
+                        <a:rPr lang="en-US" sz="1100" dirty="0">
+                          <a:effectLst/>
+                        </a:rPr>
+                        <a:t>Year </a:t>
+                      </a:r>
+                      <a:r>
+                        <a:rPr lang="en-US" sz="1100" dirty="0" err="1">
+                          <a:effectLst/>
+                        </a:rPr>
+                        <a:t>Remod</a:t>
+                      </a:r>
+                      <a:r>
+                        <a:rPr lang="en-US" sz="1100" dirty="0">
+                          <a:effectLst/>
+                        </a:rPr>
+                        <a:t>/Add</a:t>
+                      </a:r>
+                    </a:p>
+                  </a:txBody>
+                  <a:tcPr marL="76075" marR="76075" marT="35112" marB="35112" anchor="ctr">
+                    <a:lnL>
+                      <a:noFill/>
+                    </a:lnL>
+                    <a:lnR>
+                      <a:noFill/>
+                    </a:lnR>
+                    <a:lnT>
+                      <a:noFill/>
+                    </a:lnT>
+                    <a:lnB>
+                      <a:noFill/>
+                    </a:lnB>
+                    <a:solidFill>
+                      <a:srgbClr val="FFFFFF"/>
+                    </a:solidFill>
+                  </a:tcPr>
+                </a:tc>
+                <a:tc>
+                  <a:txBody>
+                    <a:bodyPr/>
+                    <a:lstStyle/>
+                    <a:p>
+                      <a:r>
+                        <a:rPr lang="en-US" sz="1100">
+                          <a:effectLst/>
+                        </a:rPr>
+                        <a:t>0.022098346479286855</a:t>
+                      </a:r>
+                    </a:p>
+                  </a:txBody>
+                  <a:tcPr marL="76075" marR="76075" marT="35112" marB="35112" anchor="ctr">
+                    <a:lnL>
+                      <a:noFill/>
+                    </a:lnL>
+                    <a:lnR>
+                      <a:noFill/>
+                    </a:lnR>
+                    <a:lnT>
+                      <a:noFill/>
+                    </a:lnT>
+                    <a:lnB>
+                      <a:noFill/>
+                    </a:lnB>
+                    <a:solidFill>
+                      <a:srgbClr val="FFFFFF"/>
+                    </a:solidFill>
+                  </a:tcPr>
+                </a:tc>
+                <a:extLst>
+                  <a:ext uri="{0D108BD9-81ED-4DB2-BD59-A6C34878D82A}">
+                    <a16:rowId xmlns:a16="http://schemas.microsoft.com/office/drawing/2014/main" val="3301106486"/>
+                  </a:ext>
+                </a:extLst>
+              </a:tr>
+              <a:tr h="238760">
+                <a:tc>
+                  <a:txBody>
+                    <a:bodyPr/>
+                    <a:lstStyle/>
+                    <a:p>
+                      <a:pPr algn="r"/>
+                      <a:r>
+                        <a:rPr lang="en-US" sz="1100" dirty="0">
+                          <a:effectLst/>
+                        </a:rPr>
+                        <a:t>Gr Liv Area</a:t>
+                      </a:r>
+                    </a:p>
+                  </a:txBody>
+                  <a:tcPr marL="76075" marR="76075" marT="35112" marB="35112" anchor="ctr">
+                    <a:lnL>
+                      <a:noFill/>
+                    </a:lnL>
+                    <a:lnR>
+                      <a:noFill/>
+                    </a:lnR>
+                    <a:lnT>
+                      <a:noFill/>
+                    </a:lnT>
+                    <a:lnB>
+                      <a:noFill/>
+                    </a:lnB>
+                    <a:solidFill>
+                      <a:srgbClr val="FFFFFF"/>
+                    </a:solidFill>
+                  </a:tcPr>
+                </a:tc>
+                <a:tc>
+                  <a:txBody>
+                    <a:bodyPr/>
+                    <a:lstStyle/>
+                    <a:p>
+                      <a:r>
+                        <a:rPr lang="en-US" sz="1100">
+                          <a:effectLst/>
+                        </a:rPr>
+                        <a:t>0.0193034148646336</a:t>
+                      </a:r>
+                    </a:p>
+                  </a:txBody>
+                  <a:tcPr marL="76075" marR="76075" marT="35112" marB="35112" anchor="ctr">
+                    <a:lnL>
+                      <a:noFill/>
+                    </a:lnL>
+                    <a:lnR>
+                      <a:noFill/>
+                    </a:lnR>
+                    <a:lnT>
+                      <a:noFill/>
+                    </a:lnT>
+                    <a:lnB>
+                      <a:noFill/>
+                    </a:lnB>
+                    <a:solidFill>
+                      <a:srgbClr val="FFFFFF"/>
+                    </a:solidFill>
+                  </a:tcPr>
+                </a:tc>
+                <a:extLst>
+                  <a:ext uri="{0D108BD9-81ED-4DB2-BD59-A6C34878D82A}">
+                    <a16:rowId xmlns:a16="http://schemas.microsoft.com/office/drawing/2014/main" val="2633295677"/>
+                  </a:ext>
+                </a:extLst>
+              </a:tr>
+              <a:tr h="238760">
+                <a:tc>
+                  <a:txBody>
+                    <a:bodyPr/>
+                    <a:lstStyle/>
+                    <a:p>
+                      <a:pPr algn="r"/>
+                      <a:r>
+                        <a:rPr lang="en-US" sz="1100" dirty="0">
+                          <a:effectLst/>
+                        </a:rPr>
+                        <a:t>Kitchen </a:t>
+                      </a:r>
+                      <a:r>
+                        <a:rPr lang="en-US" sz="1100" dirty="0" err="1">
+                          <a:effectLst/>
+                        </a:rPr>
+                        <a:t>Qual_TA</a:t>
+                      </a:r>
+                      <a:endParaRPr lang="en-US" sz="1100" dirty="0">
+                        <a:effectLst/>
+                      </a:endParaRPr>
+                    </a:p>
+                  </a:txBody>
+                  <a:tcPr marL="76075" marR="76075" marT="35112" marB="35112" anchor="ctr">
+                    <a:lnL>
+                      <a:noFill/>
+                    </a:lnL>
+                    <a:lnR>
+                      <a:noFill/>
+                    </a:lnR>
+                    <a:lnT>
+                      <a:noFill/>
+                    </a:lnT>
+                    <a:lnB>
+                      <a:noFill/>
+                    </a:lnB>
+                    <a:solidFill>
+                      <a:srgbClr val="FFFFFF"/>
+                    </a:solidFill>
+                  </a:tcPr>
+                </a:tc>
+                <a:tc>
+                  <a:txBody>
+                    <a:bodyPr/>
+                    <a:lstStyle/>
+                    <a:p>
+                      <a:r>
+                        <a:rPr lang="en-US" sz="1100">
+                          <a:effectLst/>
+                        </a:rPr>
+                        <a:t>0.017791286766306636</a:t>
+                      </a:r>
+                    </a:p>
+                  </a:txBody>
+                  <a:tcPr marL="76075" marR="76075" marT="35112" marB="35112" anchor="ctr">
+                    <a:lnL>
+                      <a:noFill/>
+                    </a:lnL>
+                    <a:lnR>
+                      <a:noFill/>
+                    </a:lnR>
+                    <a:lnT>
+                      <a:noFill/>
+                    </a:lnT>
+                    <a:lnB>
+                      <a:noFill/>
+                    </a:lnB>
+                    <a:solidFill>
+                      <a:srgbClr val="FFFFFF"/>
+                    </a:solidFill>
+                  </a:tcPr>
+                </a:tc>
+                <a:extLst>
+                  <a:ext uri="{0D108BD9-81ED-4DB2-BD59-A6C34878D82A}">
+                    <a16:rowId xmlns:a16="http://schemas.microsoft.com/office/drawing/2014/main" val="1264219578"/>
+                  </a:ext>
+                </a:extLst>
+              </a:tr>
+              <a:tr h="238760">
+                <a:tc>
+                  <a:txBody>
+                    <a:bodyPr/>
+                    <a:lstStyle/>
+                    <a:p>
+                      <a:pPr algn="r"/>
+                      <a:r>
+                        <a:rPr lang="en-US" sz="1100" dirty="0">
+                          <a:effectLst/>
+                        </a:rPr>
+                        <a:t>Garage Cars</a:t>
+                      </a:r>
+                    </a:p>
+                  </a:txBody>
+                  <a:tcPr marL="76075" marR="76075" marT="35112" marB="35112" anchor="ctr">
+                    <a:lnL>
+                      <a:noFill/>
+                    </a:lnL>
+                    <a:lnR>
+                      <a:noFill/>
+                    </a:lnR>
+                    <a:lnT>
+                      <a:noFill/>
+                    </a:lnT>
+                    <a:lnB>
+                      <a:noFill/>
+                    </a:lnB>
+                    <a:solidFill>
+                      <a:srgbClr val="FFFFFF"/>
+                    </a:solidFill>
+                  </a:tcPr>
+                </a:tc>
+                <a:tc>
+                  <a:txBody>
+                    <a:bodyPr/>
+                    <a:lstStyle/>
+                    <a:p>
+                      <a:r>
+                        <a:rPr lang="en-US" sz="1100">
+                          <a:effectLst/>
+                        </a:rPr>
+                        <a:t>0.016039563131456474</a:t>
+                      </a:r>
+                    </a:p>
+                  </a:txBody>
+                  <a:tcPr marL="76075" marR="76075" marT="35112" marB="35112" anchor="ctr">
+                    <a:lnL>
+                      <a:noFill/>
+                    </a:lnL>
+                    <a:lnR>
+                      <a:noFill/>
+                    </a:lnR>
+                    <a:lnT>
+                      <a:noFill/>
+                    </a:lnT>
+                    <a:lnB>
+                      <a:noFill/>
+                    </a:lnB>
+                    <a:solidFill>
+                      <a:srgbClr val="FFFFFF"/>
+                    </a:solidFill>
+                  </a:tcPr>
+                </a:tc>
+                <a:extLst>
+                  <a:ext uri="{0D108BD9-81ED-4DB2-BD59-A6C34878D82A}">
+                    <a16:rowId xmlns:a16="http://schemas.microsoft.com/office/drawing/2014/main" val="315560299"/>
+                  </a:ext>
+                </a:extLst>
+              </a:tr>
+              <a:tr h="238760">
+                <a:tc>
+                  <a:txBody>
+                    <a:bodyPr/>
+                    <a:lstStyle/>
+                    <a:p>
+                      <a:pPr algn="r"/>
+                      <a:r>
+                        <a:rPr lang="en-US" sz="1100" dirty="0" err="1">
+                          <a:effectLst/>
+                        </a:rPr>
+                        <a:t>BsmtFin</a:t>
+                      </a:r>
+                      <a:r>
+                        <a:rPr lang="en-US" sz="1100" dirty="0">
+                          <a:effectLst/>
+                        </a:rPr>
+                        <a:t> SF 1</a:t>
+                      </a:r>
+                    </a:p>
+                  </a:txBody>
+                  <a:tcPr marL="76075" marR="76075" marT="35112" marB="35112" anchor="ctr">
+                    <a:lnL>
+                      <a:noFill/>
+                    </a:lnL>
+                    <a:lnR>
+                      <a:noFill/>
+                    </a:lnR>
+                    <a:lnT>
+                      <a:noFill/>
+                    </a:lnT>
+                    <a:lnB>
+                      <a:noFill/>
+                    </a:lnB>
+                    <a:solidFill>
+                      <a:srgbClr val="FFFFFF"/>
+                    </a:solidFill>
+                  </a:tcPr>
+                </a:tc>
+                <a:tc>
+                  <a:txBody>
+                    <a:bodyPr/>
+                    <a:lstStyle/>
+                    <a:p>
+                      <a:r>
+                        <a:rPr lang="en-US" sz="1100">
+                          <a:effectLst/>
+                        </a:rPr>
+                        <a:t>0.012385942230966514</a:t>
+                      </a:r>
+                    </a:p>
+                  </a:txBody>
+                  <a:tcPr marL="76075" marR="76075" marT="35112" marB="35112" anchor="ctr">
+                    <a:lnL>
+                      <a:noFill/>
+                    </a:lnL>
+                    <a:lnR>
+                      <a:noFill/>
+                    </a:lnR>
+                    <a:lnT>
+                      <a:noFill/>
+                    </a:lnT>
+                    <a:lnB>
+                      <a:noFill/>
+                    </a:lnB>
+                    <a:solidFill>
+                      <a:srgbClr val="FFFFFF"/>
+                    </a:solidFill>
+                  </a:tcPr>
+                </a:tc>
+                <a:extLst>
+                  <a:ext uri="{0D108BD9-81ED-4DB2-BD59-A6C34878D82A}">
+                    <a16:rowId xmlns:a16="http://schemas.microsoft.com/office/drawing/2014/main" val="1926274401"/>
+                  </a:ext>
+                </a:extLst>
+              </a:tr>
+              <a:tr h="238760">
+                <a:tc>
+                  <a:txBody>
+                    <a:bodyPr/>
+                    <a:lstStyle/>
+                    <a:p>
+                      <a:pPr algn="r"/>
+                      <a:r>
+                        <a:rPr lang="en-US" sz="1100" dirty="0">
+                          <a:effectLst/>
+                        </a:rPr>
+                        <a:t>Garage Area</a:t>
+                      </a:r>
+                    </a:p>
+                  </a:txBody>
+                  <a:tcPr marL="76075" marR="76075" marT="35112" marB="35112" anchor="ctr">
+                    <a:lnL>
+                      <a:noFill/>
+                    </a:lnL>
+                    <a:lnR>
+                      <a:noFill/>
+                    </a:lnR>
+                    <a:lnT>
+                      <a:noFill/>
+                    </a:lnT>
+                    <a:lnB>
+                      <a:noFill/>
+                    </a:lnB>
+                    <a:solidFill>
+                      <a:srgbClr val="FFFFFF"/>
+                    </a:solidFill>
+                  </a:tcPr>
+                </a:tc>
+                <a:tc>
+                  <a:txBody>
+                    <a:bodyPr/>
+                    <a:lstStyle/>
+                    <a:p>
+                      <a:r>
+                        <a:rPr lang="en-US" sz="1100">
+                          <a:effectLst/>
+                        </a:rPr>
+                        <a:t>0.011932867284658226</a:t>
+                      </a:r>
+                    </a:p>
+                  </a:txBody>
+                  <a:tcPr marL="76075" marR="76075" marT="35112" marB="35112" anchor="ctr">
+                    <a:lnL>
+                      <a:noFill/>
+                    </a:lnL>
+                    <a:lnR>
+                      <a:noFill/>
+                    </a:lnR>
+                    <a:lnT>
+                      <a:noFill/>
+                    </a:lnT>
+                    <a:lnB>
+                      <a:noFill/>
+                    </a:lnB>
+                    <a:solidFill>
+                      <a:srgbClr val="FFFFFF"/>
+                    </a:solidFill>
+                  </a:tcPr>
+                </a:tc>
+                <a:extLst>
+                  <a:ext uri="{0D108BD9-81ED-4DB2-BD59-A6C34878D82A}">
+                    <a16:rowId xmlns:a16="http://schemas.microsoft.com/office/drawing/2014/main" val="2329283611"/>
+                  </a:ext>
+                </a:extLst>
+              </a:tr>
+              <a:tr h="238760">
+                <a:tc>
+                  <a:txBody>
+                    <a:bodyPr/>
+                    <a:lstStyle/>
+                    <a:p>
+                      <a:pPr algn="r"/>
+                      <a:r>
+                        <a:rPr lang="en-US" sz="1100" dirty="0">
+                          <a:effectLst/>
+                        </a:rPr>
+                        <a:t>Lot Area</a:t>
+                      </a:r>
+                    </a:p>
+                  </a:txBody>
+                  <a:tcPr marL="76075" marR="76075" marT="35112" marB="35112" anchor="ctr">
+                    <a:lnL>
+                      <a:noFill/>
+                    </a:lnL>
+                    <a:lnR>
+                      <a:noFill/>
+                    </a:lnR>
+                    <a:lnT>
+                      <a:noFill/>
+                    </a:lnT>
+                    <a:lnB>
+                      <a:noFill/>
+                    </a:lnB>
+                    <a:solidFill>
+                      <a:srgbClr val="FFFFFF"/>
+                    </a:solidFill>
+                  </a:tcPr>
+                </a:tc>
+                <a:tc>
+                  <a:txBody>
+                    <a:bodyPr/>
+                    <a:lstStyle/>
+                    <a:p>
+                      <a:r>
+                        <a:rPr lang="en-US" sz="1100">
+                          <a:effectLst/>
+                        </a:rPr>
+                        <a:t>0.011541017959086157</a:t>
+                      </a:r>
+                    </a:p>
+                  </a:txBody>
+                  <a:tcPr marL="76075" marR="76075" marT="35112" marB="35112" anchor="ctr">
+                    <a:lnL>
+                      <a:noFill/>
+                    </a:lnL>
+                    <a:lnR>
+                      <a:noFill/>
+                    </a:lnR>
+                    <a:lnT>
+                      <a:noFill/>
+                    </a:lnT>
+                    <a:lnB>
+                      <a:noFill/>
+                    </a:lnB>
+                    <a:solidFill>
+                      <a:srgbClr val="FFFFFF"/>
+                    </a:solidFill>
+                  </a:tcPr>
+                </a:tc>
+                <a:extLst>
+                  <a:ext uri="{0D108BD9-81ED-4DB2-BD59-A6C34878D82A}">
+                    <a16:rowId xmlns:a16="http://schemas.microsoft.com/office/drawing/2014/main" val="1181217991"/>
+                  </a:ext>
+                </a:extLst>
+              </a:tr>
+              <a:tr h="238760">
+                <a:tc>
+                  <a:txBody>
+                    <a:bodyPr/>
+                    <a:lstStyle/>
+                    <a:p>
+                      <a:pPr algn="r"/>
+                      <a:r>
+                        <a:rPr lang="en-US" sz="1100" dirty="0">
+                          <a:effectLst/>
+                        </a:rPr>
+                        <a:t>Fireplaces</a:t>
+                      </a:r>
+                    </a:p>
+                  </a:txBody>
+                  <a:tcPr marL="76075" marR="76075" marT="35112" marB="35112" anchor="ctr">
+                    <a:lnL>
+                      <a:noFill/>
+                    </a:lnL>
+                    <a:lnR>
+                      <a:noFill/>
+                    </a:lnR>
+                    <a:lnT>
+                      <a:noFill/>
+                    </a:lnT>
+                    <a:lnB>
+                      <a:noFill/>
+                    </a:lnB>
+                    <a:solidFill>
+                      <a:srgbClr val="FFFFFF"/>
+                    </a:solidFill>
+                  </a:tcPr>
+                </a:tc>
+                <a:tc>
+                  <a:txBody>
+                    <a:bodyPr/>
+                    <a:lstStyle/>
+                    <a:p>
+                      <a:r>
+                        <a:rPr lang="en-US" sz="1100">
+                          <a:effectLst/>
+                        </a:rPr>
+                        <a:t>0.009578511945560421</a:t>
+                      </a:r>
+                    </a:p>
+                  </a:txBody>
+                  <a:tcPr marL="76075" marR="76075" marT="35112" marB="35112" anchor="ctr">
+                    <a:lnL>
+                      <a:noFill/>
+                    </a:lnL>
+                    <a:lnR>
+                      <a:noFill/>
+                    </a:lnR>
+                    <a:lnT>
+                      <a:noFill/>
+                    </a:lnT>
+                    <a:lnB>
+                      <a:noFill/>
+                    </a:lnB>
+                    <a:solidFill>
+                      <a:srgbClr val="FFFFFF"/>
+                    </a:solidFill>
+                  </a:tcPr>
+                </a:tc>
+                <a:extLst>
+                  <a:ext uri="{0D108BD9-81ED-4DB2-BD59-A6C34878D82A}">
+                    <a16:rowId xmlns:a16="http://schemas.microsoft.com/office/drawing/2014/main" val="57633852"/>
+                  </a:ext>
+                </a:extLst>
+              </a:tr>
+              <a:tr h="238760">
+                <a:tc>
+                  <a:txBody>
+                    <a:bodyPr/>
+                    <a:lstStyle/>
+                    <a:p>
+                      <a:pPr algn="r"/>
+                      <a:r>
+                        <a:rPr lang="en-US" sz="1100" dirty="0">
+                          <a:effectLst/>
+                        </a:rPr>
+                        <a:t>Overall Cond</a:t>
+                      </a:r>
+                    </a:p>
+                  </a:txBody>
+                  <a:tcPr marL="76075" marR="76075" marT="35112" marB="35112" anchor="ctr">
+                    <a:lnL>
+                      <a:noFill/>
+                    </a:lnL>
+                    <a:lnR>
+                      <a:noFill/>
+                    </a:lnR>
+                    <a:lnT>
+                      <a:noFill/>
+                    </a:lnT>
+                    <a:lnB>
+                      <a:noFill/>
+                    </a:lnB>
+                    <a:solidFill>
+                      <a:srgbClr val="FFFFFF"/>
+                    </a:solidFill>
+                  </a:tcPr>
+                </a:tc>
+                <a:tc>
+                  <a:txBody>
+                    <a:bodyPr/>
+                    <a:lstStyle/>
+                    <a:p>
+                      <a:r>
+                        <a:rPr lang="en-US" sz="1100">
+                          <a:effectLst/>
+                        </a:rPr>
+                        <a:t>0.007511069312884516</a:t>
+                      </a:r>
+                    </a:p>
+                  </a:txBody>
+                  <a:tcPr marL="76075" marR="76075" marT="35112" marB="35112" anchor="ctr">
+                    <a:lnL>
+                      <a:noFill/>
+                    </a:lnL>
+                    <a:lnR>
+                      <a:noFill/>
+                    </a:lnR>
+                    <a:lnT>
+                      <a:noFill/>
+                    </a:lnT>
+                    <a:lnB>
+                      <a:noFill/>
+                    </a:lnB>
+                    <a:solidFill>
+                      <a:srgbClr val="FFFFFF"/>
+                    </a:solidFill>
+                  </a:tcPr>
+                </a:tc>
+                <a:extLst>
+                  <a:ext uri="{0D108BD9-81ED-4DB2-BD59-A6C34878D82A}">
+                    <a16:rowId xmlns:a16="http://schemas.microsoft.com/office/drawing/2014/main" val="1172957589"/>
+                  </a:ext>
+                </a:extLst>
+              </a:tr>
+              <a:tr h="238760">
+                <a:tc>
+                  <a:txBody>
+                    <a:bodyPr/>
+                    <a:lstStyle/>
+                    <a:p>
+                      <a:pPr algn="r"/>
+                      <a:r>
+                        <a:rPr lang="en-US" sz="1100" dirty="0">
+                          <a:effectLst/>
+                        </a:rPr>
+                        <a:t>Kitchen </a:t>
+                      </a:r>
+                      <a:r>
+                        <a:rPr lang="en-US" sz="1100" dirty="0" err="1">
+                          <a:effectLst/>
+                        </a:rPr>
+                        <a:t>Qual_Gd</a:t>
+                      </a:r>
+                      <a:endParaRPr lang="en-US" sz="1100" dirty="0">
+                        <a:effectLst/>
+                      </a:endParaRPr>
+                    </a:p>
+                  </a:txBody>
+                  <a:tcPr marL="76075" marR="76075" marT="35112" marB="35112" anchor="ctr">
+                    <a:lnL>
+                      <a:noFill/>
+                    </a:lnL>
+                    <a:lnR>
+                      <a:noFill/>
+                    </a:lnR>
+                    <a:lnT>
+                      <a:noFill/>
+                    </a:lnT>
+                    <a:lnB>
+                      <a:noFill/>
+                    </a:lnB>
+                    <a:solidFill>
+                      <a:srgbClr val="FFFFFF"/>
+                    </a:solidFill>
+                  </a:tcPr>
+                </a:tc>
+                <a:tc>
+                  <a:txBody>
+                    <a:bodyPr/>
+                    <a:lstStyle/>
+                    <a:p>
+                      <a:r>
+                        <a:rPr lang="en-US" sz="1100">
+                          <a:effectLst/>
+                        </a:rPr>
+                        <a:t>0.006048403740001757</a:t>
+                      </a:r>
+                    </a:p>
+                  </a:txBody>
+                  <a:tcPr marL="76075" marR="76075" marT="35112" marB="35112" anchor="ctr">
+                    <a:lnL>
+                      <a:noFill/>
+                    </a:lnL>
+                    <a:lnR>
+                      <a:noFill/>
+                    </a:lnR>
+                    <a:lnT>
+                      <a:noFill/>
+                    </a:lnT>
+                    <a:lnB>
+                      <a:noFill/>
+                    </a:lnB>
+                    <a:solidFill>
+                      <a:srgbClr val="FFFFFF"/>
+                    </a:solidFill>
+                  </a:tcPr>
+                </a:tc>
+                <a:extLst>
+                  <a:ext uri="{0D108BD9-81ED-4DB2-BD59-A6C34878D82A}">
+                    <a16:rowId xmlns:a16="http://schemas.microsoft.com/office/drawing/2014/main" val="71277778"/>
+                  </a:ext>
+                </a:extLst>
+              </a:tr>
+              <a:tr h="238760">
+                <a:tc>
+                  <a:txBody>
+                    <a:bodyPr/>
+                    <a:lstStyle/>
+                    <a:p>
+                      <a:pPr algn="r"/>
+                      <a:r>
+                        <a:rPr lang="en-US" sz="1100" dirty="0">
+                          <a:effectLst/>
+                        </a:rPr>
+                        <a:t>Central </a:t>
+                      </a:r>
+                      <a:r>
+                        <a:rPr lang="en-US" sz="1100" dirty="0" err="1">
+                          <a:effectLst/>
+                        </a:rPr>
+                        <a:t>Air_Y</a:t>
+                      </a:r>
+                      <a:endParaRPr lang="en-US" sz="1100" dirty="0">
+                        <a:effectLst/>
+                      </a:endParaRPr>
+                    </a:p>
+                  </a:txBody>
+                  <a:tcPr marL="76075" marR="76075" marT="35112" marB="35112" anchor="ctr">
+                    <a:lnL>
+                      <a:noFill/>
+                    </a:lnL>
+                    <a:lnR>
+                      <a:noFill/>
+                    </a:lnR>
+                    <a:lnT>
+                      <a:noFill/>
+                    </a:lnT>
+                    <a:lnB>
+                      <a:noFill/>
+                    </a:lnB>
+                    <a:solidFill>
+                      <a:srgbClr val="FFFFFF"/>
+                    </a:solidFill>
+                  </a:tcPr>
+                </a:tc>
+                <a:tc>
+                  <a:txBody>
+                    <a:bodyPr/>
+                    <a:lstStyle/>
+                    <a:p>
+                      <a:r>
+                        <a:rPr lang="en-US" sz="1100" dirty="0">
+                          <a:effectLst/>
+                        </a:rPr>
+                        <a:t>0.0040168705378818</a:t>
+                      </a:r>
+                    </a:p>
+                  </a:txBody>
+                  <a:tcPr marL="76075" marR="76075" marT="35112" marB="35112" anchor="ctr">
+                    <a:lnL>
+                      <a:noFill/>
+                    </a:lnL>
+                    <a:lnR>
+                      <a:noFill/>
+                    </a:lnR>
+                    <a:lnT>
+                      <a:noFill/>
+                    </a:lnT>
+                    <a:lnB>
+                      <a:noFill/>
+                    </a:lnB>
+                    <a:solidFill>
+                      <a:srgbClr val="FFFFFF"/>
+                    </a:solidFill>
+                  </a:tcPr>
+                </a:tc>
+                <a:extLst>
+                  <a:ext uri="{0D108BD9-81ED-4DB2-BD59-A6C34878D82A}">
+                    <a16:rowId xmlns:a16="http://schemas.microsoft.com/office/drawing/2014/main" val="809739438"/>
+                  </a:ext>
+                </a:extLst>
+              </a:tr>
+            </a:tbl>
+          </a:graphicData>
+        </a:graphic>
+      </p:graphicFrame>
     </p:spTree>
     <p:extLst>
       <p:ext uri="{BB962C8B-B14F-4D97-AF65-F5344CB8AC3E}">
